--- a/materials/slides/ch13-wcms-content-management.pptx
+++ b/materials/slides/ch13-wcms-content-management.pptx
@@ -5,23 +5,19 @@
     <p:sldMasterId id="2147483648" r:id="rId1"/>
   </p:sldMasterIdLst>
   <p:notesMasterIdLst>
-    <p:notesMasterId r:id="rId13"/>
+    <p:notesMasterId r:id="rId9"/>
   </p:notesMasterIdLst>
   <p:handoutMasterIdLst>
-    <p:handoutMasterId r:id="rId14"/>
+    <p:handoutMasterId r:id="rId10"/>
   </p:handoutMasterIdLst>
   <p:sldIdLst>
     <p:sldId id="257" r:id="rId2"/>
-    <p:sldId id="292" r:id="rId3"/>
-    <p:sldId id="293" r:id="rId4"/>
-    <p:sldId id="294" r:id="rId5"/>
-    <p:sldId id="288" r:id="rId6"/>
-    <p:sldId id="304" r:id="rId7"/>
-    <p:sldId id="295" r:id="rId8"/>
-    <p:sldId id="299" r:id="rId9"/>
-    <p:sldId id="303" r:id="rId10"/>
-    <p:sldId id="302" r:id="rId11"/>
-    <p:sldId id="300" r:id="rId12"/>
+    <p:sldId id="288" r:id="rId3"/>
+    <p:sldId id="294" r:id="rId4"/>
+    <p:sldId id="305" r:id="rId5"/>
+    <p:sldId id="306" r:id="rId6"/>
+    <p:sldId id="292" r:id="rId7"/>
+    <p:sldId id="293" r:id="rId8"/>
   </p:sldIdLst>
   <p:sldSz cx="12192000" cy="6858000"/>
   <p:notesSz cx="6858000" cy="9144000"/>
@@ -225,7 +221,7 @@
           <a:p>
             <a:fld id="{E923E828-953C-4D4A-9B10-11E7329F433D}" type="datetimeFigureOut">
               <a:rPr lang="zh-CN" altLang="en-US" smtClean="0"/>
-              <a:t>2018/2/28</a:t>
+              <a:t>2018/4/19</a:t>
             </a:fld>
             <a:endParaRPr lang="zh-CN" altLang="en-US"/>
           </a:p>
@@ -406,7 +402,7 @@
           <a:p>
             <a:fld id="{867C5346-22E5-4085-8130-851344A84DFF}" type="datetimeFigureOut">
               <a:rPr lang="zh-CN" altLang="en-US" smtClean="0"/>
-              <a:t>2018/2/28</a:t>
+              <a:t>2018/4/19</a:t>
             </a:fld>
             <a:endParaRPr lang="zh-CN" altLang="en-US"/>
           </a:p>
@@ -748,91 +744,7 @@
     </p:spTree>
     <p:extLst>
       <p:ext uri="{BB962C8B-B14F-4D97-AF65-F5344CB8AC3E}">
-        <p14:creationId xmlns:p14="http://schemas.microsoft.com/office/powerpoint/2010/main" val="1599478336"/>
-      </p:ext>
-    </p:extLst>
-  </p:cSld>
-  <p:clrMapOvr>
-    <a:masterClrMapping/>
-  </p:clrMapOvr>
-</p:notes>
-</file>
-
-<file path=ppt/notesSlides/notesSlide10.xml><?xml version="1.0" encoding="utf-8"?>
-<p:notes xmlns:a="http://schemas.openxmlformats.org/drawingml/2006/main" xmlns:r="http://schemas.openxmlformats.org/officeDocument/2006/relationships" xmlns:p="http://schemas.openxmlformats.org/presentationml/2006/main">
-  <p:cSld>
-    <p:spTree>
-      <p:nvGrpSpPr>
-        <p:cNvPr id="1" name=""/>
-        <p:cNvGrpSpPr/>
-        <p:nvPr/>
-      </p:nvGrpSpPr>
-      <p:grpSpPr>
-        <a:xfrm>
-          <a:off x="0" y="0"/>
-          <a:ext cx="0" cy="0"/>
-          <a:chOff x="0" y="0"/>
-          <a:chExt cx="0" cy="0"/>
-        </a:xfrm>
-      </p:grpSpPr>
-      <p:sp>
-        <p:nvSpPr>
-          <p:cNvPr id="2" name="幻灯片图像占位符 1"/>
-          <p:cNvSpPr>
-            <a:spLocks noGrp="1" noRot="1" noChangeAspect="1"/>
-          </p:cNvSpPr>
-          <p:nvPr>
-            <p:ph type="sldImg"/>
-          </p:nvPr>
-        </p:nvSpPr>
-        <p:spPr/>
-      </p:sp>
-      <p:sp>
-        <p:nvSpPr>
-          <p:cNvPr id="3" name="备注占位符 2"/>
-          <p:cNvSpPr>
-            <a:spLocks noGrp="1"/>
-          </p:cNvSpPr>
-          <p:nvPr>
-            <p:ph type="body" idx="1"/>
-          </p:nvPr>
-        </p:nvSpPr>
-        <p:spPr/>
-        <p:txBody>
-          <a:bodyPr/>
-          <a:lstStyle/>
-          <a:p>
-            <a:endParaRPr lang="zh-CN" altLang="en-US" dirty="0"/>
-          </a:p>
-        </p:txBody>
-      </p:sp>
-      <p:sp>
-        <p:nvSpPr>
-          <p:cNvPr id="4" name="灯片编号占位符 3"/>
-          <p:cNvSpPr>
-            <a:spLocks noGrp="1"/>
-          </p:cNvSpPr>
-          <p:nvPr>
-            <p:ph type="sldNum" sz="quarter" idx="10"/>
-          </p:nvPr>
-        </p:nvSpPr>
-        <p:spPr/>
-        <p:txBody>
-          <a:bodyPr/>
-          <a:lstStyle/>
-          <a:p>
-            <a:fld id="{9FB975F3-1C40-4D40-A7FE-36EEB7CAFC85}" type="slidenum">
-              <a:rPr lang="zh-CN" altLang="en-US" smtClean="0"/>
-              <a:t>11</a:t>
-            </a:fld>
-            <a:endParaRPr lang="zh-CN" altLang="en-US"/>
-          </a:p>
-        </p:txBody>
-      </p:sp>
-    </p:spTree>
-    <p:extLst>
-      <p:ext uri="{BB962C8B-B14F-4D97-AF65-F5344CB8AC3E}">
-        <p14:creationId xmlns:p14="http://schemas.microsoft.com/office/powerpoint/2010/main" val="1840762838"/>
+        <p14:creationId xmlns:p14="http://schemas.microsoft.com/office/powerpoint/2010/main" val="251414515"/>
       </p:ext>
     </p:extLst>
   </p:cSld>
@@ -916,7 +828,7 @@
     </p:spTree>
     <p:extLst>
       <p:ext uri="{BB962C8B-B14F-4D97-AF65-F5344CB8AC3E}">
-        <p14:creationId xmlns:p14="http://schemas.microsoft.com/office/powerpoint/2010/main" val="676521967"/>
+        <p14:creationId xmlns:p14="http://schemas.microsoft.com/office/powerpoint/2010/main" val="3820153201"/>
       </p:ext>
     </p:extLst>
   </p:cSld>
@@ -1000,7 +912,7 @@
     </p:spTree>
     <p:extLst>
       <p:ext uri="{BB962C8B-B14F-4D97-AF65-F5344CB8AC3E}">
-        <p14:creationId xmlns:p14="http://schemas.microsoft.com/office/powerpoint/2010/main" val="3820153201"/>
+        <p14:creationId xmlns:p14="http://schemas.microsoft.com/office/powerpoint/2010/main" val="1187810461"/>
       </p:ext>
     </p:extLst>
   </p:cSld>
@@ -1084,7 +996,7 @@
     </p:spTree>
     <p:extLst>
       <p:ext uri="{BB962C8B-B14F-4D97-AF65-F5344CB8AC3E}">
-        <p14:creationId xmlns:p14="http://schemas.microsoft.com/office/powerpoint/2010/main" val="251414515"/>
+        <p14:creationId xmlns:p14="http://schemas.microsoft.com/office/powerpoint/2010/main" val="1694864988"/>
       </p:ext>
     </p:extLst>
   </p:cSld>
@@ -1168,7 +1080,7 @@
     </p:spTree>
     <p:extLst>
       <p:ext uri="{BB962C8B-B14F-4D97-AF65-F5344CB8AC3E}">
-        <p14:creationId xmlns:p14="http://schemas.microsoft.com/office/powerpoint/2010/main" val="3903666147"/>
+        <p14:creationId xmlns:p14="http://schemas.microsoft.com/office/powerpoint/2010/main" val="1599478336"/>
       </p:ext>
     </p:extLst>
   </p:cSld>
@@ -1252,259 +1164,7 @@
     </p:spTree>
     <p:extLst>
       <p:ext uri="{BB962C8B-B14F-4D97-AF65-F5344CB8AC3E}">
-        <p14:creationId xmlns:p14="http://schemas.microsoft.com/office/powerpoint/2010/main" val="1476944173"/>
-      </p:ext>
-    </p:extLst>
-  </p:cSld>
-  <p:clrMapOvr>
-    <a:masterClrMapping/>
-  </p:clrMapOvr>
-</p:notes>
-</file>
-
-<file path=ppt/notesSlides/notesSlide7.xml><?xml version="1.0" encoding="utf-8"?>
-<p:notes xmlns:a="http://schemas.openxmlformats.org/drawingml/2006/main" xmlns:r="http://schemas.openxmlformats.org/officeDocument/2006/relationships" xmlns:p="http://schemas.openxmlformats.org/presentationml/2006/main">
-  <p:cSld>
-    <p:spTree>
-      <p:nvGrpSpPr>
-        <p:cNvPr id="1" name=""/>
-        <p:cNvGrpSpPr/>
-        <p:nvPr/>
-      </p:nvGrpSpPr>
-      <p:grpSpPr>
-        <a:xfrm>
-          <a:off x="0" y="0"/>
-          <a:ext cx="0" cy="0"/>
-          <a:chOff x="0" y="0"/>
-          <a:chExt cx="0" cy="0"/>
-        </a:xfrm>
-      </p:grpSpPr>
-      <p:sp>
-        <p:nvSpPr>
-          <p:cNvPr id="2" name="幻灯片图像占位符 1"/>
-          <p:cNvSpPr>
-            <a:spLocks noGrp="1" noRot="1" noChangeAspect="1"/>
-          </p:cNvSpPr>
-          <p:nvPr>
-            <p:ph type="sldImg"/>
-          </p:nvPr>
-        </p:nvSpPr>
-        <p:spPr/>
-      </p:sp>
-      <p:sp>
-        <p:nvSpPr>
-          <p:cNvPr id="3" name="备注占位符 2"/>
-          <p:cNvSpPr>
-            <a:spLocks noGrp="1"/>
-          </p:cNvSpPr>
-          <p:nvPr>
-            <p:ph type="body" idx="1"/>
-          </p:nvPr>
-        </p:nvSpPr>
-        <p:spPr/>
-        <p:txBody>
-          <a:bodyPr/>
-          <a:lstStyle/>
-          <a:p>
-            <a:endParaRPr lang="zh-CN" altLang="en-US" dirty="0"/>
-          </a:p>
-        </p:txBody>
-      </p:sp>
-      <p:sp>
-        <p:nvSpPr>
-          <p:cNvPr id="4" name="灯片编号占位符 3"/>
-          <p:cNvSpPr>
-            <a:spLocks noGrp="1"/>
-          </p:cNvSpPr>
-          <p:nvPr>
-            <p:ph type="sldNum" sz="quarter" idx="10"/>
-          </p:nvPr>
-        </p:nvSpPr>
-        <p:spPr/>
-        <p:txBody>
-          <a:bodyPr/>
-          <a:lstStyle/>
-          <a:p>
-            <a:fld id="{9FB975F3-1C40-4D40-A7FE-36EEB7CAFC85}" type="slidenum">
-              <a:rPr lang="zh-CN" altLang="en-US" smtClean="0"/>
-              <a:t>8</a:t>
-            </a:fld>
-            <a:endParaRPr lang="zh-CN" altLang="en-US"/>
-          </a:p>
-        </p:txBody>
-      </p:sp>
-    </p:spTree>
-    <p:extLst>
-      <p:ext uri="{BB962C8B-B14F-4D97-AF65-F5344CB8AC3E}">
-        <p14:creationId xmlns:p14="http://schemas.microsoft.com/office/powerpoint/2010/main" val="467974563"/>
-      </p:ext>
-    </p:extLst>
-  </p:cSld>
-  <p:clrMapOvr>
-    <a:masterClrMapping/>
-  </p:clrMapOvr>
-</p:notes>
-</file>
-
-<file path=ppt/notesSlides/notesSlide8.xml><?xml version="1.0" encoding="utf-8"?>
-<p:notes xmlns:a="http://schemas.openxmlformats.org/drawingml/2006/main" xmlns:r="http://schemas.openxmlformats.org/officeDocument/2006/relationships" xmlns:p="http://schemas.openxmlformats.org/presentationml/2006/main">
-  <p:cSld>
-    <p:spTree>
-      <p:nvGrpSpPr>
-        <p:cNvPr id="1" name=""/>
-        <p:cNvGrpSpPr/>
-        <p:nvPr/>
-      </p:nvGrpSpPr>
-      <p:grpSpPr>
-        <a:xfrm>
-          <a:off x="0" y="0"/>
-          <a:ext cx="0" cy="0"/>
-          <a:chOff x="0" y="0"/>
-          <a:chExt cx="0" cy="0"/>
-        </a:xfrm>
-      </p:grpSpPr>
-      <p:sp>
-        <p:nvSpPr>
-          <p:cNvPr id="2" name="幻灯片图像占位符 1"/>
-          <p:cNvSpPr>
-            <a:spLocks noGrp="1" noRot="1" noChangeAspect="1"/>
-          </p:cNvSpPr>
-          <p:nvPr>
-            <p:ph type="sldImg"/>
-          </p:nvPr>
-        </p:nvSpPr>
-        <p:spPr/>
-      </p:sp>
-      <p:sp>
-        <p:nvSpPr>
-          <p:cNvPr id="3" name="备注占位符 2"/>
-          <p:cNvSpPr>
-            <a:spLocks noGrp="1"/>
-          </p:cNvSpPr>
-          <p:nvPr>
-            <p:ph type="body" idx="1"/>
-          </p:nvPr>
-        </p:nvSpPr>
-        <p:spPr/>
-        <p:txBody>
-          <a:bodyPr/>
-          <a:lstStyle/>
-          <a:p>
-            <a:endParaRPr lang="zh-CN" altLang="en-US" dirty="0"/>
-          </a:p>
-        </p:txBody>
-      </p:sp>
-      <p:sp>
-        <p:nvSpPr>
-          <p:cNvPr id="4" name="灯片编号占位符 3"/>
-          <p:cNvSpPr>
-            <a:spLocks noGrp="1"/>
-          </p:cNvSpPr>
-          <p:nvPr>
-            <p:ph type="sldNum" sz="quarter" idx="10"/>
-          </p:nvPr>
-        </p:nvSpPr>
-        <p:spPr/>
-        <p:txBody>
-          <a:bodyPr/>
-          <a:lstStyle/>
-          <a:p>
-            <a:fld id="{9FB975F3-1C40-4D40-A7FE-36EEB7CAFC85}" type="slidenum">
-              <a:rPr lang="zh-CN" altLang="en-US" smtClean="0"/>
-              <a:t>9</a:t>
-            </a:fld>
-            <a:endParaRPr lang="zh-CN" altLang="en-US"/>
-          </a:p>
-        </p:txBody>
-      </p:sp>
-    </p:spTree>
-    <p:extLst>
-      <p:ext uri="{BB962C8B-B14F-4D97-AF65-F5344CB8AC3E}">
-        <p14:creationId xmlns:p14="http://schemas.microsoft.com/office/powerpoint/2010/main" val="2445932393"/>
-      </p:ext>
-    </p:extLst>
-  </p:cSld>
-  <p:clrMapOvr>
-    <a:masterClrMapping/>
-  </p:clrMapOvr>
-</p:notes>
-</file>
-
-<file path=ppt/notesSlides/notesSlide9.xml><?xml version="1.0" encoding="utf-8"?>
-<p:notes xmlns:a="http://schemas.openxmlformats.org/drawingml/2006/main" xmlns:r="http://schemas.openxmlformats.org/officeDocument/2006/relationships" xmlns:p="http://schemas.openxmlformats.org/presentationml/2006/main">
-  <p:cSld>
-    <p:spTree>
-      <p:nvGrpSpPr>
-        <p:cNvPr id="1" name=""/>
-        <p:cNvGrpSpPr/>
-        <p:nvPr/>
-      </p:nvGrpSpPr>
-      <p:grpSpPr>
-        <a:xfrm>
-          <a:off x="0" y="0"/>
-          <a:ext cx="0" cy="0"/>
-          <a:chOff x="0" y="0"/>
-          <a:chExt cx="0" cy="0"/>
-        </a:xfrm>
-      </p:grpSpPr>
-      <p:sp>
-        <p:nvSpPr>
-          <p:cNvPr id="2" name="幻灯片图像占位符 1"/>
-          <p:cNvSpPr>
-            <a:spLocks noGrp="1" noRot="1" noChangeAspect="1"/>
-          </p:cNvSpPr>
-          <p:nvPr>
-            <p:ph type="sldImg"/>
-          </p:nvPr>
-        </p:nvSpPr>
-        <p:spPr/>
-      </p:sp>
-      <p:sp>
-        <p:nvSpPr>
-          <p:cNvPr id="3" name="备注占位符 2"/>
-          <p:cNvSpPr>
-            <a:spLocks noGrp="1"/>
-          </p:cNvSpPr>
-          <p:nvPr>
-            <p:ph type="body" idx="1"/>
-          </p:nvPr>
-        </p:nvSpPr>
-        <p:spPr/>
-        <p:txBody>
-          <a:bodyPr/>
-          <a:lstStyle/>
-          <a:p>
-            <a:endParaRPr lang="zh-CN" altLang="en-US" dirty="0"/>
-          </a:p>
-        </p:txBody>
-      </p:sp>
-      <p:sp>
-        <p:nvSpPr>
-          <p:cNvPr id="4" name="灯片编号占位符 3"/>
-          <p:cNvSpPr>
-            <a:spLocks noGrp="1"/>
-          </p:cNvSpPr>
-          <p:nvPr>
-            <p:ph type="sldNum" sz="quarter" idx="10"/>
-          </p:nvPr>
-        </p:nvSpPr>
-        <p:spPr/>
-        <p:txBody>
-          <a:bodyPr/>
-          <a:lstStyle/>
-          <a:p>
-            <a:fld id="{9FB975F3-1C40-4D40-A7FE-36EEB7CAFC85}" type="slidenum">
-              <a:rPr lang="zh-CN" altLang="en-US" smtClean="0"/>
-              <a:t>10</a:t>
-            </a:fld>
-            <a:endParaRPr lang="zh-CN" altLang="en-US"/>
-          </a:p>
-        </p:txBody>
-      </p:sp>
-    </p:spTree>
-    <p:extLst>
-      <p:ext uri="{BB962C8B-B14F-4D97-AF65-F5344CB8AC3E}">
-        <p14:creationId xmlns:p14="http://schemas.microsoft.com/office/powerpoint/2010/main" val="1254337709"/>
+        <p14:creationId xmlns:p14="http://schemas.microsoft.com/office/powerpoint/2010/main" val="676521967"/>
       </p:ext>
     </p:extLst>
   </p:cSld>
@@ -1672,7 +1332,7 @@
           <a:p>
             <a:fld id="{A5E21016-498F-4141-B0CA-D95A38CA7D62}" type="datetimeFigureOut">
               <a:rPr lang="zh-CN" altLang="en-US" smtClean="0"/>
-              <a:t>2018/2/28</a:t>
+              <a:t>2018/4/19</a:t>
             </a:fld>
             <a:endParaRPr lang="zh-CN" altLang="en-US"/>
           </a:p>
@@ -1902,7 +1562,7 @@
           <a:p>
             <a:fld id="{A5E21016-498F-4141-B0CA-D95A38CA7D62}" type="datetimeFigureOut">
               <a:rPr lang="zh-CN" altLang="en-US" smtClean="0"/>
-              <a:t>2018/2/28</a:t>
+              <a:t>2018/4/19</a:t>
             </a:fld>
             <a:endParaRPr lang="zh-CN" altLang="en-US"/>
           </a:p>
@@ -2137,7 +1797,7 @@
           <a:p>
             <a:fld id="{A5E21016-498F-4141-B0CA-D95A38CA7D62}" type="datetimeFigureOut">
               <a:rPr lang="zh-CN" altLang="en-US" smtClean="0"/>
-              <a:t>2018/2/28</a:t>
+              <a:t>2018/4/19</a:t>
             </a:fld>
             <a:endParaRPr lang="zh-CN" altLang="en-US"/>
           </a:p>
@@ -2699,7 +2359,7 @@
           <a:p>
             <a:fld id="{A5E21016-498F-4141-B0CA-D95A38CA7D62}" type="datetimeFigureOut">
               <a:rPr lang="zh-CN" altLang="en-US" smtClean="0"/>
-              <a:t>2018/2/28</a:t>
+              <a:t>2018/4/19</a:t>
             </a:fld>
             <a:endParaRPr lang="zh-CN" altLang="en-US"/>
           </a:p>
@@ -2996,7 +2656,7 @@
           <a:p>
             <a:fld id="{A5E21016-498F-4141-B0CA-D95A38CA7D62}" type="datetimeFigureOut">
               <a:rPr lang="zh-CN" altLang="en-US" smtClean="0"/>
-              <a:t>2018/2/28</a:t>
+              <a:t>2018/4/19</a:t>
             </a:fld>
             <a:endParaRPr lang="zh-CN" altLang="en-US"/>
           </a:p>
@@ -3435,7 +3095,7 @@
           <a:p>
             <a:fld id="{A5E21016-498F-4141-B0CA-D95A38CA7D62}" type="datetimeFigureOut">
               <a:rPr lang="zh-CN" altLang="en-US" smtClean="0"/>
-              <a:t>2018/2/28</a:t>
+              <a:t>2018/4/19</a:t>
             </a:fld>
             <a:endParaRPr lang="zh-CN" altLang="en-US"/>
           </a:p>
@@ -3608,7 +3268,7 @@
           <a:p>
             <a:fld id="{A5E21016-498F-4141-B0CA-D95A38CA7D62}" type="datetimeFigureOut">
               <a:rPr lang="zh-CN" altLang="en-US" smtClean="0"/>
-              <a:t>2018/2/28</a:t>
+              <a:t>2018/4/19</a:t>
             </a:fld>
             <a:endParaRPr lang="zh-CN" altLang="en-US"/>
           </a:p>
@@ -3745,7 +3405,7 @@
           <a:p>
             <a:fld id="{A5E21016-498F-4141-B0CA-D95A38CA7D62}" type="datetimeFigureOut">
               <a:rPr lang="zh-CN" altLang="en-US" smtClean="0"/>
-              <a:t>2018/2/28</a:t>
+              <a:t>2018/4/19</a:t>
             </a:fld>
             <a:endParaRPr lang="zh-CN" altLang="en-US"/>
           </a:p>
@@ -4083,7 +3743,7 @@
           <a:p>
             <a:fld id="{A5E21016-498F-4141-B0CA-D95A38CA7D62}" type="datetimeFigureOut">
               <a:rPr lang="zh-CN" altLang="en-US" smtClean="0"/>
-              <a:t>2018/2/28</a:t>
+              <a:t>2018/4/19</a:t>
             </a:fld>
             <a:endParaRPr lang="zh-CN" altLang="en-US"/>
           </a:p>
@@ -4398,7 +4058,7 @@
           <a:p>
             <a:fld id="{A5E21016-498F-4141-B0CA-D95A38CA7D62}" type="datetimeFigureOut">
               <a:rPr lang="zh-CN" altLang="en-US" smtClean="0"/>
-              <a:t>2018/2/28</a:t>
+              <a:t>2018/4/19</a:t>
             </a:fld>
             <a:endParaRPr lang="zh-CN" altLang="en-US"/>
           </a:p>
@@ -4997,7 +4657,7 @@
         <p:spPr>
           <a:xfrm>
             <a:off x="672483" y="1012055"/>
-            <a:ext cx="10847034" cy="4616648"/>
+            <a:ext cx="10847034" cy="4678204"/>
           </a:xfrm>
           <a:prstGeom prst="rect">
             <a:avLst/>
@@ -5075,14 +4735,30 @@
           <a:p>
             <a:pPr algn="ctr"/>
             <a:r>
-              <a:rPr lang="zh-CN" altLang="en-US" sz="2800" dirty="0"/>
+              <a:rPr lang="zh-CN" altLang="en-US" sz="3200" dirty="0"/>
               <a:t>第十三</a:t>
             </a:r>
             <a:r>
-              <a:rPr lang="zh-CN" altLang="en-US" sz="2800"/>
-              <a:t>讲 支持两人聊天模式</a:t>
-            </a:r>
-            <a:endParaRPr lang="en-US" altLang="zh-CN" sz="2800" dirty="0"/>
+              <a:rPr lang="zh-CN" altLang="en-US" sz="3200"/>
+              <a:t>讲 </a:t>
+            </a:r>
+            <a:r>
+              <a:rPr lang="en-US" altLang="zh-CN" sz="3200"/>
+              <a:t>WCMS – </a:t>
+            </a:r>
+            <a:r>
+              <a:rPr lang="zh-CN" altLang="en-US" sz="3200"/>
+              <a:t>内容管理</a:t>
+            </a:r>
+            <a:r>
+              <a:rPr lang="en-US" altLang="zh-CN" sz="3200"/>
+              <a:t>API</a:t>
+            </a:r>
+            <a:r>
+              <a:rPr lang="zh-CN" altLang="en-US" sz="3200"/>
+              <a:t>的实现</a:t>
+            </a:r>
+            <a:endParaRPr lang="en-US" altLang="zh-CN" sz="3200" dirty="0"/>
           </a:p>
           <a:p>
             <a:endParaRPr lang="en-US" altLang="zh-CN" dirty="0"/>
@@ -5105,320 +4781,6 @@
     <p:extLst>
       <p:ext uri="{BB962C8B-B14F-4D97-AF65-F5344CB8AC3E}">
         <p14:creationId xmlns:p14="http://schemas.microsoft.com/office/powerpoint/2010/main" val="77345332"/>
-      </p:ext>
-    </p:extLst>
-  </p:cSld>
-  <p:clrMapOvr>
-    <a:masterClrMapping/>
-  </p:clrMapOvr>
-</p:sld>
-</file>
-
-<file path=ppt/slides/slide10.xml><?xml version="1.0" encoding="utf-8"?>
-<p:sld xmlns:a="http://schemas.openxmlformats.org/drawingml/2006/main" xmlns:r="http://schemas.openxmlformats.org/officeDocument/2006/relationships" xmlns:p="http://schemas.openxmlformats.org/presentationml/2006/main">
-  <p:cSld>
-    <p:spTree>
-      <p:nvGrpSpPr>
-        <p:cNvPr id="1" name=""/>
-        <p:cNvGrpSpPr/>
-        <p:nvPr/>
-      </p:nvGrpSpPr>
-      <p:grpSpPr>
-        <a:xfrm>
-          <a:off x="0" y="0"/>
-          <a:ext cx="0" cy="0"/>
-          <a:chOff x="0" y="0"/>
-          <a:chExt cx="0" cy="0"/>
-        </a:xfrm>
-      </p:grpSpPr>
-      <p:sp>
-        <p:nvSpPr>
-          <p:cNvPr id="4" name="标题 3">
-            <a:extLst>
-              <a:ext uri="{FF2B5EF4-FFF2-40B4-BE49-F238E27FC236}">
-                <a16:creationId xmlns:a16="http://schemas.microsoft.com/office/drawing/2014/main" id="{2729939D-814A-4BD2-9922-3F8EA865938B}"/>
-              </a:ext>
-            </a:extLst>
-          </p:cNvPr>
-          <p:cNvSpPr>
-            <a:spLocks noGrp="1"/>
-          </p:cNvSpPr>
-          <p:nvPr>
-            <p:ph type="title"/>
-          </p:nvPr>
-        </p:nvSpPr>
-        <p:spPr>
-          <a:xfrm>
-            <a:off x="838200" y="683581"/>
-            <a:ext cx="10515600" cy="736846"/>
-          </a:xfrm>
-        </p:spPr>
-        <p:txBody>
-          <a:bodyPr/>
-          <a:lstStyle/>
-          <a:p>
-            <a:r>
-              <a:rPr lang="zh-CN" altLang="en-US" dirty="0"/>
-              <a:t>连接关闭：</a:t>
-            </a:r>
-            <a:r>
-              <a:rPr lang="en-US" altLang="zh-CN" dirty="0" err="1"/>
-              <a:t>onClose</a:t>
-            </a:r>
-            <a:r>
-              <a:rPr lang="zh-CN" altLang="en-US" dirty="0"/>
-              <a:t>事件</a:t>
-            </a:r>
-          </a:p>
-        </p:txBody>
-      </p:sp>
-      <p:sp>
-        <p:nvSpPr>
-          <p:cNvPr id="6" name="内容占位符 5">
-            <a:extLst>
-              <a:ext uri="{FF2B5EF4-FFF2-40B4-BE49-F238E27FC236}">
-                <a16:creationId xmlns:a16="http://schemas.microsoft.com/office/drawing/2014/main" id="{B83E9AD4-C606-4679-B884-01F71CC97E44}"/>
-              </a:ext>
-            </a:extLst>
-          </p:cNvPr>
-          <p:cNvSpPr>
-            <a:spLocks noGrp="1"/>
-          </p:cNvSpPr>
-          <p:nvPr>
-            <p:ph idx="1"/>
-          </p:nvPr>
-        </p:nvSpPr>
-        <p:spPr>
-          <a:xfrm>
-            <a:off x="838200" y="1656500"/>
-            <a:ext cx="10515600" cy="4850832"/>
-          </a:xfrm>
-        </p:spPr>
-        <p:txBody>
-          <a:bodyPr>
-            <a:normAutofit/>
-          </a:bodyPr>
-          <a:lstStyle/>
-          <a:p>
-            <a:r>
-              <a:rPr lang="zh-CN" altLang="en-US" sz="2000" dirty="0"/>
-              <a:t>关闭连接要从</a:t>
-            </a:r>
-            <a:r>
-              <a:rPr lang="en-US" altLang="zh-CN" sz="2000" dirty="0"/>
-              <a:t>Memcached</a:t>
-            </a:r>
-            <a:r>
-              <a:rPr lang="zh-CN" altLang="en-US" sz="2000" dirty="0"/>
-              <a:t>去除缓存数据。</a:t>
-            </a:r>
-            <a:endParaRPr lang="en-US" altLang="zh-CN" sz="2000" dirty="0"/>
-          </a:p>
-          <a:p>
-            <a:endParaRPr lang="en-US" altLang="zh-CN" sz="2000" dirty="0"/>
-          </a:p>
-          <a:p>
-            <a:endParaRPr lang="en-US" altLang="zh-CN" sz="2000" dirty="0"/>
-          </a:p>
-        </p:txBody>
-      </p:sp>
-      <p:pic>
-        <p:nvPicPr>
-          <p:cNvPr id="3" name="图片 2">
-            <a:extLst>
-              <a:ext uri="{FF2B5EF4-FFF2-40B4-BE49-F238E27FC236}">
-                <a16:creationId xmlns:a16="http://schemas.microsoft.com/office/drawing/2014/main" id="{6182DC60-C94A-4DD4-95DC-C3AD7F476710}"/>
-              </a:ext>
-            </a:extLst>
-          </p:cNvPr>
-          <p:cNvPicPr>
-            <a:picLocks noChangeAspect="1"/>
-          </p:cNvPicPr>
-          <p:nvPr/>
-        </p:nvPicPr>
-        <p:blipFill>
-          <a:blip r:embed="rId3">
-            <a:extLst>
-              <a:ext uri="{28A0092B-C50C-407E-A947-70E740481C1C}">
-                <a14:useLocalDpi xmlns:a14="http://schemas.microsoft.com/office/drawing/2010/main" val="0"/>
-              </a:ext>
-            </a:extLst>
-          </a:blip>
-          <a:stretch>
-            <a:fillRect/>
-          </a:stretch>
-        </p:blipFill>
-        <p:spPr>
-          <a:xfrm>
-            <a:off x="838199" y="2517633"/>
-            <a:ext cx="10014621" cy="1388542"/>
-          </a:xfrm>
-          <a:prstGeom prst="rect">
-            <a:avLst/>
-          </a:prstGeom>
-        </p:spPr>
-      </p:pic>
-    </p:spTree>
-    <p:extLst>
-      <p:ext uri="{BB962C8B-B14F-4D97-AF65-F5344CB8AC3E}">
-        <p14:creationId xmlns:p14="http://schemas.microsoft.com/office/powerpoint/2010/main" val="2051629585"/>
-      </p:ext>
-    </p:extLst>
-  </p:cSld>
-  <p:clrMapOvr>
-    <a:masterClrMapping/>
-  </p:clrMapOvr>
-</p:sld>
-</file>
-
-<file path=ppt/slides/slide11.xml><?xml version="1.0" encoding="utf-8"?>
-<p:sld xmlns:a="http://schemas.openxmlformats.org/drawingml/2006/main" xmlns:r="http://schemas.openxmlformats.org/officeDocument/2006/relationships" xmlns:p="http://schemas.openxmlformats.org/presentationml/2006/main">
-  <p:cSld>
-    <p:spTree>
-      <p:nvGrpSpPr>
-        <p:cNvPr id="1" name=""/>
-        <p:cNvGrpSpPr/>
-        <p:nvPr/>
-      </p:nvGrpSpPr>
-      <p:grpSpPr>
-        <a:xfrm>
-          <a:off x="0" y="0"/>
-          <a:ext cx="0" cy="0"/>
-          <a:chOff x="0" y="0"/>
-          <a:chExt cx="0" cy="0"/>
-        </a:xfrm>
-      </p:grpSpPr>
-      <p:sp>
-        <p:nvSpPr>
-          <p:cNvPr id="4" name="标题 3">
-            <a:extLst>
-              <a:ext uri="{FF2B5EF4-FFF2-40B4-BE49-F238E27FC236}">
-                <a16:creationId xmlns:a16="http://schemas.microsoft.com/office/drawing/2014/main" id="{2729939D-814A-4BD2-9922-3F8EA865938B}"/>
-              </a:ext>
-            </a:extLst>
-          </p:cNvPr>
-          <p:cNvSpPr>
-            <a:spLocks noGrp="1"/>
-          </p:cNvSpPr>
-          <p:nvPr>
-            <p:ph type="title"/>
-          </p:nvPr>
-        </p:nvSpPr>
-        <p:spPr>
-          <a:xfrm>
-            <a:off x="838200" y="683581"/>
-            <a:ext cx="10515600" cy="736846"/>
-          </a:xfrm>
-        </p:spPr>
-        <p:txBody>
-          <a:bodyPr/>
-          <a:lstStyle/>
-          <a:p>
-            <a:r>
-              <a:rPr lang="zh-CN" altLang="en-US" dirty="0"/>
-              <a:t>处理</a:t>
-            </a:r>
-            <a:r>
-              <a:rPr lang="en-US" altLang="zh-CN" dirty="0"/>
-              <a:t>SIGTERM</a:t>
-            </a:r>
-            <a:r>
-              <a:rPr lang="zh-CN" altLang="en-US" dirty="0"/>
-              <a:t>信号：</a:t>
-            </a:r>
-            <a:r>
-              <a:rPr lang="en-US" altLang="zh-CN" dirty="0" err="1"/>
-              <a:t>onShutdown</a:t>
-            </a:r>
-            <a:r>
-              <a:rPr lang="zh-CN" altLang="en-US" dirty="0"/>
-              <a:t>事件</a:t>
-            </a:r>
-          </a:p>
-        </p:txBody>
-      </p:sp>
-      <p:sp>
-        <p:nvSpPr>
-          <p:cNvPr id="3" name="内容占位符 2">
-            <a:extLst>
-              <a:ext uri="{FF2B5EF4-FFF2-40B4-BE49-F238E27FC236}">
-                <a16:creationId xmlns:a16="http://schemas.microsoft.com/office/drawing/2014/main" id="{0AD66112-A95E-43A5-BEC1-800B737F8E8C}"/>
-              </a:ext>
-            </a:extLst>
-          </p:cNvPr>
-          <p:cNvSpPr>
-            <a:spLocks noGrp="1"/>
-          </p:cNvSpPr>
-          <p:nvPr>
-            <p:ph idx="1"/>
-          </p:nvPr>
-        </p:nvSpPr>
-        <p:spPr/>
-        <p:txBody>
-          <a:bodyPr>
-            <a:normAutofit/>
-          </a:bodyPr>
-          <a:lstStyle/>
-          <a:p>
-            <a:r>
-              <a:rPr lang="zh-CN" altLang="en-US" sz="2000" dirty="0"/>
-              <a:t>进程捕获到</a:t>
-            </a:r>
-            <a:r>
-              <a:rPr lang="en-US" altLang="zh-CN" sz="2000" dirty="0"/>
-              <a:t>SIGTERM</a:t>
-            </a:r>
-            <a:r>
-              <a:rPr lang="zh-CN" altLang="en-US" sz="2000" dirty="0"/>
-              <a:t>信号要做后续处理。</a:t>
-            </a:r>
-            <a:endParaRPr lang="en-US" altLang="zh-CN" sz="2000" dirty="0"/>
-          </a:p>
-          <a:p>
-            <a:endParaRPr lang="zh-CN" altLang="en-US" sz="2000" dirty="0"/>
-          </a:p>
-        </p:txBody>
-      </p:sp>
-      <p:pic>
-        <p:nvPicPr>
-          <p:cNvPr id="5" name="图片 4">
-            <a:extLst>
-              <a:ext uri="{FF2B5EF4-FFF2-40B4-BE49-F238E27FC236}">
-                <a16:creationId xmlns:a16="http://schemas.microsoft.com/office/drawing/2014/main" id="{348384AC-A8CE-40D4-AD37-7E289DB67E53}"/>
-              </a:ext>
-            </a:extLst>
-          </p:cNvPr>
-          <p:cNvPicPr>
-            <a:picLocks noChangeAspect="1"/>
-          </p:cNvPicPr>
-          <p:nvPr/>
-        </p:nvPicPr>
-        <p:blipFill>
-          <a:blip r:embed="rId3">
-            <a:extLst>
-              <a:ext uri="{28A0092B-C50C-407E-A947-70E740481C1C}">
-                <a14:useLocalDpi xmlns:a14="http://schemas.microsoft.com/office/drawing/2010/main" val="0"/>
-              </a:ext>
-            </a:extLst>
-          </a:blip>
-          <a:stretch>
-            <a:fillRect/>
-          </a:stretch>
-        </p:blipFill>
-        <p:spPr>
-          <a:xfrm>
-            <a:off x="838200" y="2757035"/>
-            <a:ext cx="10596402" cy="1726188"/>
-          </a:xfrm>
-          <a:prstGeom prst="rect">
-            <a:avLst/>
-          </a:prstGeom>
-        </p:spPr>
-      </p:pic>
-    </p:spTree>
-    <p:extLst>
-      <p:ext uri="{BB962C8B-B14F-4D97-AF65-F5344CB8AC3E}">
-        <p14:creationId xmlns:p14="http://schemas.microsoft.com/office/powerpoint/2010/main" val="1299681857"/>
       </p:ext>
     </p:extLst>
   </p:cSld>
@@ -5468,119 +4830,75 @@
           </a:xfrm>
         </p:spPr>
         <p:txBody>
-          <a:bodyPr/>
-          <a:lstStyle/>
-          <a:p>
-            <a:r>
-              <a:rPr lang="zh-CN" altLang="en-US" dirty="0"/>
-              <a:t>实现方式</a:t>
-            </a:r>
-          </a:p>
-        </p:txBody>
-      </p:sp>
-      <p:sp>
-        <p:nvSpPr>
-          <p:cNvPr id="6" name="内容占位符 5">
-            <a:extLst>
-              <a:ext uri="{FF2B5EF4-FFF2-40B4-BE49-F238E27FC236}">
-                <a16:creationId xmlns:a16="http://schemas.microsoft.com/office/drawing/2014/main" id="{B83E9AD4-C606-4679-B884-01F71CC97E44}"/>
-              </a:ext>
-            </a:extLst>
-          </p:cNvPr>
-          <p:cNvSpPr>
-            <a:spLocks noGrp="1"/>
-          </p:cNvSpPr>
-          <p:nvPr>
-            <p:ph idx="1"/>
-          </p:nvPr>
-        </p:nvSpPr>
-        <p:spPr>
-          <a:xfrm>
-            <a:off x="838200" y="1656500"/>
-            <a:ext cx="10515600" cy="4850832"/>
-          </a:xfrm>
-        </p:spPr>
-        <p:txBody>
           <a:bodyPr>
             <a:normAutofit/>
           </a:bodyPr>
           <a:lstStyle/>
           <a:p>
             <a:r>
-              <a:rPr lang="zh-CN" altLang="en-US" sz="2000" dirty="0"/>
-              <a:t>类型：很简单的聊天室程序。先不做验证功能，仅仅基于连接。</a:t>
-            </a:r>
-            <a:endParaRPr lang="en-US" altLang="zh-CN" sz="2000" dirty="0"/>
-          </a:p>
-          <a:p>
-            <a:endParaRPr lang="en-US" altLang="zh-CN" sz="2000" dirty="0"/>
-          </a:p>
-          <a:p>
-            <a:r>
-              <a:rPr lang="zh-CN" altLang="en-US" sz="2000" dirty="0"/>
-              <a:t>使用</a:t>
-            </a:r>
-            <a:r>
-              <a:rPr lang="en-US" altLang="zh-CN" sz="2000" dirty="0" err="1"/>
-              <a:t>Swoole</a:t>
-            </a:r>
-            <a:r>
-              <a:rPr lang="en-US" altLang="zh-CN" sz="2000" dirty="0"/>
-              <a:t> + </a:t>
-            </a:r>
-            <a:r>
-              <a:rPr lang="en-US" altLang="zh-CN" sz="2000" dirty="0" err="1"/>
-              <a:t>Websocket</a:t>
-            </a:r>
-            <a:r>
-              <a:rPr lang="zh-CN" altLang="en-US" sz="2000" dirty="0"/>
-              <a:t>协议可以实现服务器实时推送。</a:t>
-            </a:r>
-            <a:endParaRPr lang="en-US" altLang="zh-CN" sz="2000" dirty="0"/>
-          </a:p>
-          <a:p>
-            <a:endParaRPr lang="en-US" altLang="zh-CN" sz="2000" dirty="0"/>
-          </a:p>
-          <a:p>
-            <a:r>
-              <a:rPr lang="zh-CN" altLang="en-US" sz="2000" dirty="0"/>
-              <a:t>使用</a:t>
-            </a:r>
-            <a:r>
-              <a:rPr lang="en-US" altLang="zh-CN" sz="2000" dirty="0"/>
-              <a:t>Memcached</a:t>
-            </a:r>
-            <a:r>
-              <a:rPr lang="zh-CN" altLang="en-US" sz="2000" dirty="0"/>
-              <a:t>缓存连接信息。</a:t>
-            </a:r>
-            <a:endParaRPr lang="en-US" altLang="zh-CN" sz="2000" dirty="0"/>
-          </a:p>
-          <a:p>
-            <a:endParaRPr lang="en-US" altLang="zh-CN" sz="2000" dirty="0"/>
-          </a:p>
-          <a:p>
-            <a:r>
-              <a:rPr lang="zh-CN" altLang="en-US" sz="2000" dirty="0"/>
-              <a:t>使用一个简单的通信协议。</a:t>
-            </a:r>
-            <a:endParaRPr lang="en-US" altLang="zh-CN" sz="2000" dirty="0"/>
-          </a:p>
-          <a:p>
-            <a:endParaRPr lang="en-US" altLang="zh-CN" sz="2000" dirty="0"/>
-          </a:p>
-          <a:p>
-            <a:r>
-              <a:rPr lang="zh-CN" altLang="en-US" sz="2000" dirty="0"/>
-              <a:t>服务器接收到数据，直接转发给其他成员。</a:t>
-            </a:r>
-            <a:endParaRPr lang="en-US" altLang="zh-CN" sz="2000" dirty="0"/>
-          </a:p>
-          <a:p>
+              <a:rPr lang="zh-CN" altLang="en-US"/>
+              <a:t>实际开发项目加入授课的目的</a:t>
+            </a:r>
+            <a:endParaRPr lang="zh-CN" altLang="en-US" dirty="0"/>
+          </a:p>
+        </p:txBody>
+      </p:sp>
+      <p:sp>
+        <p:nvSpPr>
+          <p:cNvPr id="6" name="内容占位符 5">
+            <a:extLst>
+              <a:ext uri="{FF2B5EF4-FFF2-40B4-BE49-F238E27FC236}">
+                <a16:creationId xmlns:a16="http://schemas.microsoft.com/office/drawing/2014/main" id="{B83E9AD4-C606-4679-B884-01F71CC97E44}"/>
+              </a:ext>
+            </a:extLst>
+          </p:cNvPr>
+          <p:cNvSpPr>
+            <a:spLocks noGrp="1"/>
+          </p:cNvSpPr>
+          <p:nvPr>
+            <p:ph idx="1"/>
+          </p:nvPr>
+        </p:nvSpPr>
+        <p:spPr>
+          <a:xfrm>
+            <a:off x="838200" y="1656500"/>
+            <a:ext cx="10515600" cy="4850832"/>
+          </a:xfrm>
+        </p:spPr>
+        <p:txBody>
+          <a:bodyPr>
+            <a:normAutofit/>
+          </a:bodyPr>
+          <a:lstStyle/>
+          <a:p>
+            <a:r>
+              <a:rPr lang="zh-CN" altLang="en-US" sz="2400"/>
+              <a:t>综合运用所学知识，提高开发水平，对编程，组织，设计有更多理解。</a:t>
+            </a:r>
+            <a:endParaRPr lang="en-US" altLang="zh-CN" sz="2400"/>
+          </a:p>
+          <a:p>
+            <a:endParaRPr lang="en-US" altLang="zh-CN" sz="2400"/>
+          </a:p>
+          <a:p>
+            <a:r>
+              <a:rPr lang="zh-CN" altLang="en-US" sz="2400"/>
+              <a:t>了解项目开发过程以及存在的问题。</a:t>
+            </a:r>
+            <a:endParaRPr lang="en-US" altLang="zh-CN" sz="2400"/>
+          </a:p>
+          <a:p>
+            <a:endParaRPr lang="en-US" altLang="zh-CN" sz="2400"/>
+          </a:p>
+          <a:p>
+            <a:r>
+              <a:rPr lang="zh-CN" altLang="en-US" sz="2400"/>
+              <a:t>能够为找工作做更多的准备。</a:t>
+            </a:r>
             <a:endParaRPr lang="en-US" altLang="zh-CN" sz="2400" dirty="0"/>
           </a:p>
           <a:p>
-            <a:endParaRPr lang="en-US" altLang="zh-CN" sz="2400" dirty="0"/>
+            <a:endParaRPr lang="en-US" altLang="zh-CN" sz="2000"/>
           </a:p>
           <a:p>
             <a:endParaRPr lang="en-US" altLang="zh-CN" sz="2000" dirty="0"/>
@@ -5590,7 +4908,7 @@
     </p:spTree>
     <p:extLst>
       <p:ext uri="{BB962C8B-B14F-4D97-AF65-F5344CB8AC3E}">
-        <p14:creationId xmlns:p14="http://schemas.microsoft.com/office/powerpoint/2010/main" val="3138294811"/>
+        <p14:creationId xmlns:p14="http://schemas.microsoft.com/office/powerpoint/2010/main" val="3334003570"/>
       </p:ext>
     </p:extLst>
   </p:cSld>
@@ -5640,376 +4958,82 @@
           </a:xfrm>
         </p:spPr>
         <p:txBody>
-          <a:bodyPr/>
-          <a:lstStyle/>
-          <a:p>
-            <a:r>
-              <a:rPr lang="zh-CN" altLang="en-US" dirty="0"/>
-              <a:t>设计简单的通信协议</a:t>
-            </a:r>
-          </a:p>
-        </p:txBody>
-      </p:sp>
-      <p:sp>
-        <p:nvSpPr>
-          <p:cNvPr id="6" name="内容占位符 5">
-            <a:extLst>
-              <a:ext uri="{FF2B5EF4-FFF2-40B4-BE49-F238E27FC236}">
-                <a16:creationId xmlns:a16="http://schemas.microsoft.com/office/drawing/2014/main" id="{B83E9AD4-C606-4679-B884-01F71CC97E44}"/>
-              </a:ext>
-            </a:extLst>
-          </p:cNvPr>
-          <p:cNvSpPr>
-            <a:spLocks noGrp="1"/>
-          </p:cNvSpPr>
-          <p:nvPr>
-            <p:ph idx="1"/>
-          </p:nvPr>
-        </p:nvSpPr>
-        <p:spPr>
-          <a:xfrm>
-            <a:off x="838200" y="1656500"/>
-            <a:ext cx="10515600" cy="4850832"/>
-          </a:xfrm>
-        </p:spPr>
-        <p:txBody>
           <a:bodyPr>
             <a:normAutofit/>
           </a:bodyPr>
           <a:lstStyle/>
           <a:p>
             <a:r>
-              <a:rPr lang="zh-CN" altLang="en-US" sz="2000" dirty="0"/>
-              <a:t>通信数据使用</a:t>
-            </a:r>
-            <a:r>
-              <a:rPr lang="en-US" altLang="zh-CN" sz="2000" dirty="0"/>
-              <a:t>JSON</a:t>
-            </a:r>
-            <a:r>
-              <a:rPr lang="zh-CN" altLang="en-US" sz="2000" dirty="0"/>
-              <a:t>格式。前端</a:t>
-            </a:r>
-            <a:r>
-              <a:rPr lang="en-US" altLang="zh-CN" sz="2000" dirty="0"/>
-              <a:t>JS</a:t>
-            </a:r>
-            <a:r>
-              <a:rPr lang="zh-CN" altLang="en-US" sz="2000" dirty="0"/>
-              <a:t>可以直接处理</a:t>
-            </a:r>
-            <a:r>
-              <a:rPr lang="en-US" altLang="zh-CN" sz="2000" dirty="0"/>
-              <a:t>JSON</a:t>
-            </a:r>
-            <a:r>
-              <a:rPr lang="zh-CN" altLang="en-US" sz="2000" dirty="0"/>
-              <a:t>数据，</a:t>
-            </a:r>
-            <a:r>
-              <a:rPr lang="en-US" altLang="zh-CN" sz="2000" dirty="0"/>
-              <a:t>PHP</a:t>
-            </a:r>
-            <a:r>
-              <a:rPr lang="zh-CN" altLang="en-US" sz="2000" dirty="0"/>
-              <a:t>使用</a:t>
-            </a:r>
-            <a:r>
-              <a:rPr lang="en-US" altLang="zh-CN" sz="2000" dirty="0" err="1"/>
-              <a:t>json</a:t>
-            </a:r>
-            <a:r>
-              <a:rPr lang="zh-CN" altLang="en-US" sz="2000" dirty="0"/>
-              <a:t>扩展也可以很方便的处理</a:t>
-            </a:r>
-            <a:r>
-              <a:rPr lang="en-US" altLang="zh-CN" sz="2000" dirty="0"/>
-              <a:t>JSON</a:t>
-            </a:r>
-            <a:r>
-              <a:rPr lang="zh-CN" altLang="en-US" sz="2000" dirty="0"/>
-              <a:t>数据。</a:t>
-            </a:r>
-            <a:endParaRPr lang="en-US" altLang="zh-CN" sz="2000" dirty="0"/>
-          </a:p>
-          <a:p>
-            <a:endParaRPr lang="en-US" altLang="zh-CN" sz="2000" dirty="0"/>
-          </a:p>
-          <a:p>
-            <a:endParaRPr lang="en-US" altLang="zh-CN" sz="2000" dirty="0"/>
-          </a:p>
-        </p:txBody>
-      </p:sp>
-      <p:graphicFrame>
-        <p:nvGraphicFramePr>
-          <p:cNvPr id="2" name="表格 1">
-            <a:extLst>
-              <a:ext uri="{FF2B5EF4-FFF2-40B4-BE49-F238E27FC236}">
-                <a16:creationId xmlns:a16="http://schemas.microsoft.com/office/drawing/2014/main" id="{D2439E23-1169-4691-A9A7-5F55D4608286}"/>
-              </a:ext>
-            </a:extLst>
-          </p:cNvPr>
-          <p:cNvGraphicFramePr>
-            <a:graphicFrameLocks noGrp="1"/>
-          </p:cNvGraphicFramePr>
-          <p:nvPr>
-            <p:extLst>
-              <p:ext uri="{D42A27DB-BD31-4B8C-83A1-F6EECF244321}">
-                <p14:modId xmlns:p14="http://schemas.microsoft.com/office/powerpoint/2010/main" val="956212349"/>
-              </p:ext>
-            </p:extLst>
-          </p:nvPr>
-        </p:nvGraphicFramePr>
-        <p:xfrm>
-          <a:off x="838200" y="2601732"/>
-          <a:ext cx="10515600" cy="3843456"/>
-        </p:xfrm>
-        <a:graphic>
-          <a:graphicData uri="http://schemas.openxmlformats.org/drawingml/2006/table">
-            <a:tbl>
-              <a:tblPr firstRow="1" bandRow="1">
-                <a:tableStyleId>{2D5ABB26-0587-4C30-8999-92F81FD0307C}</a:tableStyleId>
-              </a:tblPr>
-              <a:tblGrid>
-                <a:gridCol w="5257800">
-                  <a:extLst>
-                    <a:ext uri="{9D8B030D-6E8A-4147-A177-3AD203B41FA5}">
-                      <a16:colId xmlns:a16="http://schemas.microsoft.com/office/drawing/2014/main" val="1695361535"/>
-                    </a:ext>
-                  </a:extLst>
-                </a:gridCol>
-                <a:gridCol w="5257800">
-                  <a:extLst>
-                    <a:ext uri="{9D8B030D-6E8A-4147-A177-3AD203B41FA5}">
-                      <a16:colId xmlns:a16="http://schemas.microsoft.com/office/drawing/2014/main" val="2085342688"/>
-                    </a:ext>
-                  </a:extLst>
-                </a:gridCol>
-              </a:tblGrid>
-              <a:tr h="3843456">
-                <a:tc>
-                  <a:txBody>
-                    <a:bodyPr/>
-                    <a:lstStyle/>
-                    <a:p>
-                      <a:r>
-                        <a:rPr lang="zh-CN" altLang="en-US" dirty="0"/>
-                        <a:t>客户端发送：</a:t>
-                      </a:r>
-                      <a:endParaRPr lang="en-US" altLang="zh-CN" dirty="0"/>
-                    </a:p>
-                    <a:p>
-                      <a:pPr lvl="1"/>
-                      <a:r>
-                        <a:rPr lang="en-US" altLang="zh-CN" dirty="0"/>
-                        <a:t>{</a:t>
-                      </a:r>
-                    </a:p>
-                    <a:p>
-                      <a:pPr lvl="1"/>
-                      <a:r>
-                        <a:rPr lang="en-US" altLang="zh-CN" dirty="0"/>
-                        <a:t>  </a:t>
-                      </a:r>
-                      <a:r>
-                        <a:rPr lang="zh-CN" altLang="en-US" dirty="0"/>
-                        <a:t>“</a:t>
-                      </a:r>
-                      <a:r>
-                        <a:rPr lang="en-US" altLang="zh-CN" dirty="0" err="1"/>
-                        <a:t>msg</a:t>
-                      </a:r>
-                      <a:r>
-                        <a:rPr lang="zh-CN" altLang="en-US" dirty="0"/>
-                        <a:t>”</a:t>
-                      </a:r>
-                      <a:r>
-                        <a:rPr lang="en-US" altLang="zh-CN" dirty="0"/>
-                        <a:t>:”I am </a:t>
-                      </a:r>
-                      <a:r>
-                        <a:rPr lang="en-US" altLang="zh-CN" dirty="0" err="1"/>
-                        <a:t>phper</a:t>
-                      </a:r>
-                      <a:r>
-                        <a:rPr lang="en-US" altLang="zh-CN" dirty="0"/>
-                        <a:t>”</a:t>
-                      </a:r>
-                    </a:p>
-                    <a:p>
-                      <a:pPr lvl="1"/>
-                      <a:r>
-                        <a:rPr lang="en-US" altLang="zh-CN" dirty="0"/>
-                        <a:t>}</a:t>
-                      </a:r>
-                    </a:p>
-                    <a:p>
-                      <a:endParaRPr lang="en-US" altLang="zh-CN" dirty="0"/>
-                    </a:p>
-                    <a:p>
-                      <a:r>
-                        <a:rPr lang="zh-CN" altLang="en-US" dirty="0"/>
-                        <a:t>客户端接收：</a:t>
-                      </a:r>
-                      <a:endParaRPr lang="en-US" altLang="zh-CN" dirty="0"/>
-                    </a:p>
-                    <a:p>
-                      <a:pPr lvl="1"/>
-                      <a:r>
-                        <a:rPr lang="en-US" altLang="zh-CN" dirty="0"/>
-                        <a:t>{</a:t>
-                      </a:r>
-                    </a:p>
-                    <a:p>
-                      <a:pPr lvl="1"/>
-                      <a:r>
-                        <a:rPr lang="en-US" altLang="zh-CN" dirty="0"/>
-                        <a:t>  </a:t>
-                      </a:r>
-                      <a:r>
-                        <a:rPr lang="zh-CN" altLang="en-US" dirty="0"/>
-                        <a:t>“</a:t>
-                      </a:r>
-                      <a:r>
-                        <a:rPr lang="en-US" altLang="zh-CN" dirty="0" err="1"/>
-                        <a:t>from_id</a:t>
-                      </a:r>
-                      <a:r>
-                        <a:rPr lang="zh-CN" altLang="en-US" dirty="0"/>
-                        <a:t>” </a:t>
-                      </a:r>
-                      <a:r>
-                        <a:rPr lang="en-US" altLang="zh-CN" dirty="0"/>
-                        <a:t>: “12”,</a:t>
-                      </a:r>
-                    </a:p>
-                    <a:p>
-                      <a:pPr lvl="1"/>
-                      <a:r>
-                        <a:rPr lang="en-US" altLang="zh-CN" dirty="0"/>
-                        <a:t>  “</a:t>
-                      </a:r>
-                      <a:r>
-                        <a:rPr lang="en-US" altLang="zh-CN" dirty="0" err="1"/>
-                        <a:t>msg</a:t>
-                      </a:r>
-                      <a:r>
-                        <a:rPr lang="en-US" altLang="zh-CN" dirty="0"/>
-                        <a:t>”:”I am </a:t>
-                      </a:r>
-                      <a:r>
-                        <a:rPr lang="en-US" altLang="zh-CN" dirty="0" err="1"/>
-                        <a:t>phper</a:t>
-                      </a:r>
-                      <a:r>
-                        <a:rPr lang="en-US" altLang="zh-CN" dirty="0"/>
-                        <a:t>”,</a:t>
-                      </a:r>
-                    </a:p>
-                    <a:p>
-                      <a:pPr lvl="1"/>
-                      <a:r>
-                        <a:rPr lang="en-US" altLang="zh-CN" dirty="0"/>
-                        <a:t>  “msg_time”:”1456690889”</a:t>
-                      </a:r>
-                    </a:p>
-                    <a:p>
-                      <a:pPr lvl="1"/>
-                      <a:r>
-                        <a:rPr lang="en-US" altLang="zh-CN" dirty="0"/>
-                        <a:t>}</a:t>
-                      </a:r>
-                      <a:endParaRPr lang="zh-CN" altLang="en-US" dirty="0"/>
-                    </a:p>
-                    <a:p>
-                      <a:endParaRPr lang="zh-CN" altLang="en-US" dirty="0"/>
-                    </a:p>
-                  </a:txBody>
-                  <a:tcPr/>
-                </a:tc>
-                <a:tc>
-                  <a:txBody>
-                    <a:bodyPr/>
-                    <a:lstStyle/>
-                    <a:p>
-                      <a:r>
-                        <a:rPr lang="zh-CN" altLang="en-US" dirty="0"/>
-                        <a:t>服务器推送：</a:t>
-                      </a:r>
-                      <a:endParaRPr lang="en-US" altLang="zh-CN" dirty="0"/>
-                    </a:p>
-                    <a:p>
-                      <a:pPr lvl="1"/>
-                      <a:r>
-                        <a:rPr lang="en-US" altLang="zh-CN" dirty="0"/>
-                        <a:t>{</a:t>
-                      </a:r>
-                    </a:p>
-                    <a:p>
-                      <a:pPr lvl="1"/>
-                      <a:r>
-                        <a:rPr lang="en-US" altLang="zh-CN" dirty="0"/>
-                        <a:t>  </a:t>
-                      </a:r>
-                      <a:r>
-                        <a:rPr lang="zh-CN" altLang="en-US" dirty="0"/>
-                        <a:t>“</a:t>
-                      </a:r>
-                      <a:r>
-                        <a:rPr lang="en-US" altLang="zh-CN" dirty="0" err="1"/>
-                        <a:t>msg</a:t>
-                      </a:r>
-                      <a:r>
-                        <a:rPr lang="zh-CN" altLang="en-US" dirty="0"/>
-                        <a:t>”</a:t>
-                      </a:r>
-                      <a:r>
-                        <a:rPr lang="en-US" altLang="zh-CN" dirty="0"/>
-                        <a:t>:”you are login as 23 id”,</a:t>
-                      </a:r>
-                    </a:p>
-                    <a:p>
-                      <a:pPr lvl="1"/>
-                      <a:r>
-                        <a:rPr lang="en-US" altLang="zh-CN" dirty="0"/>
-                        <a:t>  “</a:t>
-                      </a:r>
-                      <a:r>
-                        <a:rPr lang="en-US" altLang="zh-CN" dirty="0" err="1"/>
-                        <a:t>msg_source”:”server</a:t>
-                      </a:r>
-                      <a:r>
-                        <a:rPr lang="en-US" altLang="zh-CN" dirty="0"/>
-                        <a:t>”</a:t>
-                      </a:r>
-                    </a:p>
-                    <a:p>
-                      <a:pPr lvl="1"/>
-                      <a:r>
-                        <a:rPr lang="en-US" altLang="zh-CN" dirty="0"/>
-                        <a:t>}</a:t>
-                      </a:r>
-                    </a:p>
-                    <a:p>
-                      <a:endParaRPr lang="zh-CN" altLang="en-US" dirty="0"/>
-                    </a:p>
-                  </a:txBody>
-                  <a:tcPr/>
-                </a:tc>
-                <a:extLst>
-                  <a:ext uri="{0D108BD9-81ED-4DB2-BD59-A6C34878D82A}">
-                    <a16:rowId xmlns:a16="http://schemas.microsoft.com/office/drawing/2014/main" val="1269303955"/>
-                  </a:ext>
-                </a:extLst>
-              </a:tr>
-            </a:tbl>
-          </a:graphicData>
-        </a:graphic>
-      </p:graphicFrame>
+              <a:rPr lang="zh-CN" altLang="en-US"/>
+              <a:t>课程与项目结合存在的困难</a:t>
+            </a:r>
+            <a:endParaRPr lang="zh-CN" altLang="en-US" dirty="0"/>
+          </a:p>
+        </p:txBody>
+      </p:sp>
+      <p:sp>
+        <p:nvSpPr>
+          <p:cNvPr id="6" name="内容占位符 5">
+            <a:extLst>
+              <a:ext uri="{FF2B5EF4-FFF2-40B4-BE49-F238E27FC236}">
+                <a16:creationId xmlns:a16="http://schemas.microsoft.com/office/drawing/2014/main" id="{B83E9AD4-C606-4679-B884-01F71CC97E44}"/>
+              </a:ext>
+            </a:extLst>
+          </p:cNvPr>
+          <p:cNvSpPr>
+            <a:spLocks noGrp="1"/>
+          </p:cNvSpPr>
+          <p:nvPr>
+            <p:ph idx="1"/>
+          </p:nvPr>
+        </p:nvSpPr>
+        <p:spPr>
+          <a:xfrm>
+            <a:off x="838200" y="1656500"/>
+            <a:ext cx="10515600" cy="4850832"/>
+          </a:xfrm>
+        </p:spPr>
+        <p:txBody>
+          <a:bodyPr>
+            <a:normAutofit/>
+          </a:bodyPr>
+          <a:lstStyle/>
+          <a:p>
+            <a:r>
+              <a:rPr lang="zh-CN" altLang="en-US" sz="2400"/>
+              <a:t>实际开发涉及到的问题以及知识面很多，难以全部糅合在一部分课程中完全讲授。</a:t>
+            </a:r>
+            <a:endParaRPr lang="en-US" altLang="zh-CN" sz="2400"/>
+          </a:p>
+          <a:p>
+            <a:endParaRPr lang="en-US" altLang="zh-CN" sz="2400"/>
+          </a:p>
+          <a:p>
+            <a:r>
+              <a:rPr lang="zh-CN" altLang="en-US" sz="2400"/>
+              <a:t>而分离成小块的方式会导致实际课程显得拖泥带水，并且同学们难以吸收理解。很难构成完整的体系。</a:t>
+            </a:r>
+            <a:endParaRPr lang="en-US" altLang="zh-CN" sz="2400"/>
+          </a:p>
+          <a:p>
+            <a:endParaRPr lang="en-US" altLang="zh-CN" sz="2400"/>
+          </a:p>
+          <a:p>
+            <a:r>
+              <a:rPr lang="zh-CN" altLang="en-US" sz="2400"/>
+              <a:t>另一个方面是代码量往往很大，实际的开发过程和授课本来就存在不兼容的矛盾。</a:t>
+            </a:r>
+            <a:endParaRPr lang="en-US" altLang="zh-CN" sz="2400"/>
+          </a:p>
+          <a:p>
+            <a:endParaRPr lang="en-US" altLang="zh-CN" sz="2400"/>
+          </a:p>
+        </p:txBody>
+      </p:sp>
     </p:spTree>
     <p:extLst>
       <p:ext uri="{BB962C8B-B14F-4D97-AF65-F5344CB8AC3E}">
-        <p14:creationId xmlns:p14="http://schemas.microsoft.com/office/powerpoint/2010/main" val="2748455849"/>
+        <p14:creationId xmlns:p14="http://schemas.microsoft.com/office/powerpoint/2010/main" val="1018546089"/>
       </p:ext>
     </p:extLst>
   </p:cSld>
@@ -6065,17 +5089,10 @@
           <a:lstStyle/>
           <a:p>
             <a:r>
-              <a:rPr lang="zh-CN" altLang="en-US" dirty="0"/>
-              <a:t>为何要使用</a:t>
-            </a:r>
-            <a:r>
-              <a:rPr lang="en-US" altLang="zh-CN" dirty="0"/>
-              <a:t>Memcached</a:t>
-            </a:r>
-            <a:r>
-              <a:rPr lang="zh-CN" altLang="en-US" dirty="0"/>
-              <a:t>缓存连接数据</a:t>
-            </a:r>
+              <a:rPr lang="zh-CN" altLang="en-US"/>
+              <a:t>解决方案</a:t>
+            </a:r>
+            <a:endParaRPr lang="zh-CN" altLang="en-US" dirty="0"/>
           </a:p>
         </p:txBody>
       </p:sp>
@@ -6108,65 +5125,112 @@
           <a:lstStyle/>
           <a:p>
             <a:r>
-              <a:rPr lang="en-US" altLang="zh-CN" sz="2000" dirty="0" err="1"/>
-              <a:t>Swoole</a:t>
-            </a:r>
-            <a:r>
-              <a:rPr lang="zh-CN" altLang="en-US" sz="2000" dirty="0"/>
-              <a:t>使用的是多进程。仅仅通过一个变量保存连接数据是不能保证同步的。</a:t>
-            </a:r>
-            <a:endParaRPr lang="en-US" altLang="zh-CN" sz="2000" dirty="0"/>
+              <a:rPr lang="zh-CN" altLang="en-US" sz="2400"/>
+              <a:t>使用</a:t>
+            </a:r>
+            <a:r>
+              <a:rPr lang="en-US" altLang="zh-CN" sz="2400"/>
+              <a:t>github</a:t>
+            </a:r>
+            <a:r>
+              <a:rPr lang="zh-CN" altLang="en-US" sz="2400"/>
+              <a:t>创建代码仓库，同学们在每次更新后使用</a:t>
+            </a:r>
+            <a:r>
+              <a:rPr lang="en-US" altLang="zh-CN" sz="2400"/>
+              <a:t>git pull</a:t>
+            </a:r>
+            <a:r>
+              <a:rPr lang="zh-CN" altLang="en-US" sz="2400"/>
+              <a:t>的方式获取代码到本地。</a:t>
+            </a:r>
+            <a:endParaRPr lang="en-US" altLang="zh-CN" sz="2400"/>
+          </a:p>
+          <a:p>
+            <a:endParaRPr lang="en-US" altLang="zh-CN" sz="2400"/>
+          </a:p>
+          <a:p>
+            <a:r>
+              <a:rPr lang="zh-CN" altLang="en-US" sz="2400"/>
+              <a:t>根据课上讲解理解代码。</a:t>
+            </a:r>
+            <a:endParaRPr lang="en-US" altLang="zh-CN" sz="2400"/>
+          </a:p>
+          <a:p>
+            <a:endParaRPr lang="en-US" altLang="zh-CN" sz="2400"/>
+          </a:p>
+          <a:p>
+            <a:r>
+              <a:rPr lang="zh-CN" altLang="en-US" sz="2400"/>
+              <a:t>首先运行：</a:t>
+            </a:r>
+            <a:endParaRPr lang="en-US" altLang="zh-CN" sz="2400"/>
+          </a:p>
+          <a:p>
+            <a:pPr marL="457200" lvl="1" indent="0">
+              <a:buNone/>
+            </a:pPr>
+            <a:r>
+              <a:rPr lang="en-US" altLang="zh-CN" sz="2000">
+                <a:latin typeface="Roboto Mono Light" pitchFamily="2" charset="0"/>
+                <a:ea typeface="Roboto Mono Light" pitchFamily="2" charset="0"/>
+              </a:rPr>
+              <a:t>git clone https://github.com/master-genius/wcms.git</a:t>
+            </a:r>
           </a:p>
           <a:p>
             <a:pPr marL="0" indent="0">
               <a:buNone/>
             </a:pPr>
-            <a:endParaRPr lang="en-US" altLang="zh-CN" sz="2000" dirty="0"/>
-          </a:p>
-          <a:p>
-            <a:r>
-              <a:rPr lang="zh-CN" altLang="en-US" sz="2000" dirty="0"/>
-              <a:t>管理进程会把请求按照指定规则分配给每个进程，而这样每个进程获得的连接信息是有差异的。</a:t>
-            </a:r>
-            <a:endParaRPr lang="en-US" altLang="zh-CN" sz="2000" dirty="0"/>
-          </a:p>
-          <a:p>
-            <a:endParaRPr lang="en-US" altLang="zh-CN" sz="2000" dirty="0"/>
-          </a:p>
-          <a:p>
-            <a:r>
-              <a:rPr lang="zh-CN" altLang="en-US" sz="2000" dirty="0"/>
-              <a:t>避免多进程的数据不能共享问题，使用一个公共的数据缓存。</a:t>
-            </a:r>
-            <a:endParaRPr lang="en-US" altLang="zh-CN" sz="2000" dirty="0"/>
-          </a:p>
-          <a:p>
-            <a:endParaRPr lang="en-US" altLang="zh-CN" sz="2000" dirty="0"/>
-          </a:p>
-          <a:p>
-            <a:endParaRPr lang="en-US" altLang="zh-CN" sz="2000" dirty="0"/>
-          </a:p>
-          <a:p>
-            <a:endParaRPr lang="en-US" altLang="zh-CN" sz="2000" dirty="0"/>
-          </a:p>
-          <a:p>
-            <a:endParaRPr lang="en-US" altLang="zh-CN" sz="2000" dirty="0"/>
-          </a:p>
-          <a:p>
-            <a:pPr marL="0" indent="0">
-              <a:buNone/>
-            </a:pPr>
-            <a:endParaRPr lang="en-US" altLang="zh-CN" sz="2000" dirty="0"/>
-          </a:p>
-          <a:p>
-            <a:endParaRPr lang="en-US" altLang="zh-CN" sz="2000" dirty="0"/>
+            <a:r>
+              <a:rPr lang="zh-CN" altLang="en-US" sz="2400"/>
+              <a:t>此操作会再当前目录创建</a:t>
+            </a:r>
+            <a:r>
+              <a:rPr lang="en-US" altLang="zh-CN" sz="2400"/>
+              <a:t>wcms</a:t>
+            </a:r>
+            <a:r>
+              <a:rPr lang="zh-CN" altLang="en-US" sz="2400"/>
+              <a:t>目录并把代码下载到本地。</a:t>
+            </a:r>
+            <a:endParaRPr lang="en-US" altLang="zh-CN" sz="2400"/>
+          </a:p>
+          <a:p>
+            <a:endParaRPr lang="en-US" altLang="zh-CN" sz="2400"/>
+          </a:p>
+          <a:p>
+            <a:r>
+              <a:rPr lang="zh-CN" altLang="en-US" sz="2400"/>
+              <a:t>切换到</a:t>
+            </a:r>
+            <a:r>
+              <a:rPr lang="en-US" altLang="zh-CN" sz="2400"/>
+              <a:t>wcms</a:t>
+            </a:r>
+            <a:r>
+              <a:rPr lang="zh-CN" altLang="en-US" sz="2400"/>
+              <a:t>目录，以后使用</a:t>
+            </a:r>
+            <a:r>
+              <a:rPr lang="en-US" altLang="zh-CN" sz="2400">
+                <a:latin typeface="Roboto Mono Light" pitchFamily="2" charset="0"/>
+                <a:ea typeface="Roboto Mono Light" pitchFamily="2" charset="0"/>
+              </a:rPr>
+              <a:t>git pull origin master</a:t>
+            </a:r>
+            <a:r>
+              <a:rPr lang="zh-CN" altLang="en-US" sz="2400"/>
+              <a:t>获取更新。</a:t>
+            </a:r>
+            <a:endParaRPr lang="en-US" altLang="zh-CN" sz="2400"/>
           </a:p>
         </p:txBody>
       </p:sp>
     </p:spTree>
     <p:extLst>
       <p:ext uri="{BB962C8B-B14F-4D97-AF65-F5344CB8AC3E}">
-        <p14:creationId xmlns:p14="http://schemas.microsoft.com/office/powerpoint/2010/main" val="1018546089"/>
+        <p14:creationId xmlns:p14="http://schemas.microsoft.com/office/powerpoint/2010/main" val="4101012729"/>
       </p:ext>
     </p:extLst>
   </p:cSld>
@@ -6222,9 +5286,10 @@
           <a:lstStyle/>
           <a:p>
             <a:r>
-              <a:rPr lang="zh-CN" altLang="en-US" dirty="0"/>
-              <a:t>设计实现分析</a:t>
-            </a:r>
+              <a:rPr lang="zh-CN" altLang="en-US"/>
+              <a:t>对开发过程的一些思考</a:t>
+            </a:r>
+            <a:endParaRPr lang="zh-CN" altLang="en-US" dirty="0"/>
           </a:p>
         </p:txBody>
       </p:sp>
@@ -6257,59 +5322,51 @@
           <a:lstStyle/>
           <a:p>
             <a:r>
-              <a:rPr lang="zh-CN" altLang="en-US" sz="2000" dirty="0"/>
-              <a:t>因为服务要在后台运行，所以要创建守护进程。</a:t>
-            </a:r>
-            <a:endParaRPr lang="en-US" altLang="zh-CN" sz="2000" dirty="0"/>
-          </a:p>
-          <a:p>
-            <a:endParaRPr lang="en-US" altLang="zh-CN" sz="2000" dirty="0"/>
-          </a:p>
-          <a:p>
-            <a:r>
-              <a:rPr lang="zh-CN" altLang="en-US" sz="2000" dirty="0"/>
-              <a:t>要能够处理</a:t>
-            </a:r>
-            <a:r>
-              <a:rPr lang="en-US" altLang="zh-CN" sz="2000" dirty="0"/>
-              <a:t>SIGTERM</a:t>
-            </a:r>
-            <a:r>
-              <a:rPr lang="zh-CN" altLang="en-US" sz="2000" dirty="0"/>
-              <a:t>信号，捕获信号以后，清理</a:t>
-            </a:r>
-            <a:r>
-              <a:rPr lang="en-US" altLang="zh-CN" sz="2000" dirty="0" err="1"/>
-              <a:t>memcached</a:t>
-            </a:r>
-            <a:r>
-              <a:rPr lang="zh-CN" altLang="en-US" sz="2000" dirty="0"/>
-              <a:t>缓存数据，关闭连接。</a:t>
-            </a:r>
-            <a:endParaRPr lang="en-US" altLang="zh-CN" sz="2000" dirty="0"/>
-          </a:p>
-          <a:p>
-            <a:endParaRPr lang="en-US" altLang="zh-CN" sz="2000" dirty="0"/>
-          </a:p>
-          <a:p>
-            <a:r>
-              <a:rPr lang="zh-CN" altLang="en-US" sz="2000" dirty="0"/>
-              <a:t>服务端程序仅仅是做转发处理。</a:t>
-            </a:r>
-            <a:endParaRPr lang="en-US" altLang="zh-CN" sz="2000" dirty="0"/>
-          </a:p>
-          <a:p>
-            <a:endParaRPr lang="en-US" altLang="zh-CN" sz="1600" dirty="0"/>
-          </a:p>
-          <a:p>
-            <a:endParaRPr lang="en-US" altLang="zh-CN" sz="2000" dirty="0"/>
+              <a:rPr lang="zh-CN" altLang="en-US" sz="2400"/>
+              <a:t>需求分析：这个只需要考虑最简单的需求即可，需求是经常变化的。</a:t>
+            </a:r>
+            <a:endParaRPr lang="en-US" altLang="zh-CN" sz="2400"/>
+          </a:p>
+          <a:p>
+            <a:endParaRPr lang="en-US" altLang="zh-CN" sz="2400"/>
+          </a:p>
+          <a:p>
+            <a:r>
+              <a:rPr lang="zh-CN" altLang="en-US" sz="2400"/>
+              <a:t>功能实现：只实现最核心的功能之后再扩展。</a:t>
+            </a:r>
+            <a:endParaRPr lang="en-US" altLang="zh-CN" sz="2400"/>
+          </a:p>
+          <a:p>
+            <a:endParaRPr lang="en-US" altLang="zh-CN" sz="2400"/>
+          </a:p>
+          <a:p>
+            <a:r>
+              <a:rPr lang="en-US" altLang="zh-CN" sz="2400"/>
+              <a:t>UML</a:t>
+            </a:r>
+            <a:r>
+              <a:rPr lang="zh-CN" altLang="en-US" sz="2400"/>
+              <a:t>等工具：用这些工具把完整的一套流程设计完成，会发现浪费了大量时间做一个和实际开发背离的东西。</a:t>
+            </a:r>
+            <a:endParaRPr lang="en-US" altLang="zh-CN" sz="2400"/>
+          </a:p>
+          <a:p>
+            <a:endParaRPr lang="en-US" altLang="zh-CN" sz="2400"/>
+          </a:p>
+          <a:p>
+            <a:r>
+              <a:rPr lang="zh-CN" altLang="en-US" sz="2400"/>
+              <a:t>开发方式：从最简单功能快速迭代，需求会迭代，随着时间的推移，很多东西都会发生变化，人们不可能从一开始就预知一切。所以专注于核心功能，其他的根据需求进行扩展开发。</a:t>
+            </a:r>
+            <a:endParaRPr lang="en-US" altLang="zh-CN" sz="2400"/>
           </a:p>
         </p:txBody>
       </p:sp>
     </p:spTree>
     <p:extLst>
       <p:ext uri="{BB962C8B-B14F-4D97-AF65-F5344CB8AC3E}">
-        <p14:creationId xmlns:p14="http://schemas.microsoft.com/office/powerpoint/2010/main" val="3334003570"/>
+        <p14:creationId xmlns:p14="http://schemas.microsoft.com/office/powerpoint/2010/main" val="2863526901"/>
       </p:ext>
     </p:extLst>
   </p:cSld>
@@ -6359,113 +5416,908 @@
           </a:xfrm>
         </p:spPr>
         <p:txBody>
-          <a:bodyPr>
-            <a:normAutofit/>
-          </a:bodyPr>
+          <a:bodyPr/>
           <a:lstStyle/>
           <a:p>
             <a:r>
-              <a:rPr lang="zh-CN" altLang="en-US" dirty="0"/>
-              <a:t>初始化操作</a:t>
-            </a:r>
-          </a:p>
-        </p:txBody>
-      </p:sp>
-      <p:sp>
-        <p:nvSpPr>
-          <p:cNvPr id="6" name="内容占位符 5">
-            <a:extLst>
-              <a:ext uri="{FF2B5EF4-FFF2-40B4-BE49-F238E27FC236}">
-                <a16:creationId xmlns:a16="http://schemas.microsoft.com/office/drawing/2014/main" id="{B83E9AD4-C606-4679-B884-01F71CC97E44}"/>
-              </a:ext>
-            </a:extLst>
-          </p:cNvPr>
-          <p:cNvSpPr>
-            <a:spLocks noGrp="1"/>
-          </p:cNvSpPr>
-          <p:nvPr>
-            <p:ph idx="1"/>
-          </p:nvPr>
-        </p:nvSpPr>
-        <p:spPr>
-          <a:xfrm>
-            <a:off x="838200" y="1656500"/>
-            <a:ext cx="10515600" cy="4850832"/>
-          </a:xfrm>
-        </p:spPr>
-        <p:txBody>
-          <a:bodyPr>
-            <a:normAutofit/>
-          </a:bodyPr>
-          <a:lstStyle/>
-          <a:p>
-            <a:r>
-              <a:rPr lang="zh-CN" altLang="en-US" sz="2000" dirty="0"/>
-              <a:t>开启</a:t>
-            </a:r>
-            <a:r>
-              <a:rPr lang="en-US" altLang="zh-CN" sz="2000" dirty="0"/>
-              <a:t>Memcached</a:t>
-            </a:r>
-            <a:r>
-              <a:rPr lang="zh-CN" altLang="en-US" sz="2000" dirty="0"/>
-              <a:t>连接，并初始化</a:t>
-            </a:r>
-            <a:r>
-              <a:rPr lang="en-US" altLang="zh-CN" sz="2000" dirty="0" err="1"/>
-              <a:t>websocket_server</a:t>
-            </a:r>
-            <a:r>
-              <a:rPr lang="zh-CN" altLang="en-US" sz="2000" dirty="0"/>
-              <a:t>对象。</a:t>
-            </a:r>
-            <a:endParaRPr lang="en-US" altLang="zh-CN" sz="2000" dirty="0"/>
-          </a:p>
-          <a:p>
-            <a:endParaRPr lang="en-US" altLang="zh-CN" sz="2000" dirty="0"/>
-          </a:p>
-        </p:txBody>
-      </p:sp>
-      <p:pic>
-        <p:nvPicPr>
-          <p:cNvPr id="3" name="图片 2">
-            <a:extLst>
-              <a:ext uri="{FF2B5EF4-FFF2-40B4-BE49-F238E27FC236}">
-                <a16:creationId xmlns:a16="http://schemas.microsoft.com/office/drawing/2014/main" id="{706F0ADE-08A5-43F4-A948-BB37EA568B97}"/>
-              </a:ext>
-            </a:extLst>
-          </p:cNvPr>
-          <p:cNvPicPr>
-            <a:picLocks noChangeAspect="1"/>
-          </p:cNvPicPr>
+              <a:rPr lang="en-US" altLang="zh-CN"/>
+              <a:t>API</a:t>
+            </a:r>
+            <a:r>
+              <a:rPr lang="zh-CN" altLang="en-US"/>
+              <a:t>调用的组织方式</a:t>
+            </a:r>
+            <a:endParaRPr lang="zh-CN" altLang="en-US" dirty="0"/>
+          </a:p>
+        </p:txBody>
+      </p:sp>
+      <p:grpSp>
+        <p:nvGrpSpPr>
+          <p:cNvPr id="43" name="组合 42">
+            <a:extLst>
+              <a:ext uri="{FF2B5EF4-FFF2-40B4-BE49-F238E27FC236}">
+                <a16:creationId xmlns:a16="http://schemas.microsoft.com/office/drawing/2014/main" id="{F38792E5-DB1D-4055-BFF0-D5692E356777}"/>
+              </a:ext>
+            </a:extLst>
+          </p:cNvPr>
+          <p:cNvGrpSpPr/>
           <p:nvPr/>
-        </p:nvPicPr>
-        <p:blipFill>
-          <a:blip r:embed="rId3">
-            <a:extLst>
-              <a:ext uri="{28A0092B-C50C-407E-A947-70E740481C1C}">
-                <a14:useLocalDpi xmlns:a14="http://schemas.microsoft.com/office/drawing/2010/main" val="0"/>
-              </a:ext>
-            </a:extLst>
-          </a:blip>
-          <a:stretch>
-            <a:fillRect/>
-          </a:stretch>
-        </p:blipFill>
-        <p:spPr>
-          <a:xfrm>
-            <a:off x="906780" y="2489336"/>
-            <a:ext cx="10447020" cy="3185160"/>
-          </a:xfrm>
-          <a:prstGeom prst="rect">
-            <a:avLst/>
-          </a:prstGeom>
-        </p:spPr>
-      </p:pic>
+        </p:nvGrpSpPr>
+        <p:grpSpPr>
+          <a:xfrm>
+            <a:off x="879232" y="1793628"/>
+            <a:ext cx="10395433" cy="4721610"/>
+            <a:chOff x="844064" y="1793628"/>
+            <a:chExt cx="10395433" cy="4721610"/>
+          </a:xfrm>
+        </p:grpSpPr>
+        <p:sp>
+          <p:nvSpPr>
+            <p:cNvPr id="25" name="文本框 24">
+              <a:extLst>
+                <a:ext uri="{FF2B5EF4-FFF2-40B4-BE49-F238E27FC236}">
+                  <a16:creationId xmlns:a16="http://schemas.microsoft.com/office/drawing/2014/main" id="{8C3BB06F-13E5-44A1-A84E-5B3DE6BB5A53}"/>
+                </a:ext>
+              </a:extLst>
+            </p:cNvPr>
+            <p:cNvSpPr txBox="1"/>
+            <p:nvPr/>
+          </p:nvSpPr>
+          <p:spPr>
+            <a:xfrm>
+              <a:off x="1855177" y="5591908"/>
+              <a:ext cx="2365132" cy="923330"/>
+            </a:xfrm>
+            <a:prstGeom prst="rect">
+              <a:avLst/>
+            </a:prstGeom>
+            <a:noFill/>
+          </p:spPr>
+          <p:txBody>
+            <a:bodyPr wrap="square" rtlCol="0">
+              <a:spAutoFit/>
+            </a:bodyPr>
+            <a:lstStyle/>
+            <a:p>
+              <a:r>
+                <a:rPr lang="en-US" altLang="zh-CN"/>
+                <a:t>core/</a:t>
+              </a:r>
+              <a:r>
+                <a:rPr lang="zh-CN" altLang="en-US"/>
+                <a:t>目录提供整体架构比较核心的比较通用的功能</a:t>
+              </a:r>
+            </a:p>
+          </p:txBody>
+        </p:sp>
+        <p:sp>
+          <p:nvSpPr>
+            <p:cNvPr id="26" name="文本框 25">
+              <a:extLst>
+                <a:ext uri="{FF2B5EF4-FFF2-40B4-BE49-F238E27FC236}">
+                  <a16:creationId xmlns:a16="http://schemas.microsoft.com/office/drawing/2014/main" id="{13403F16-1960-4086-BE78-BBB07EB66B99}"/>
+                </a:ext>
+              </a:extLst>
+            </p:cNvPr>
+            <p:cNvSpPr txBox="1"/>
+            <p:nvPr/>
+          </p:nvSpPr>
+          <p:spPr>
+            <a:xfrm>
+              <a:off x="4621815" y="5578790"/>
+              <a:ext cx="2297732" cy="923330"/>
+            </a:xfrm>
+            <a:prstGeom prst="rect">
+              <a:avLst/>
+            </a:prstGeom>
+            <a:noFill/>
+          </p:spPr>
+          <p:txBody>
+            <a:bodyPr wrap="square" rtlCol="0">
+              <a:spAutoFit/>
+            </a:bodyPr>
+            <a:lstStyle/>
+            <a:p>
+              <a:r>
+                <a:rPr lang="en-US" altLang="zh-CN"/>
+                <a:t>lib/</a:t>
+              </a:r>
+              <a:r>
+                <a:rPr lang="zh-CN" altLang="en-US"/>
+                <a:t>目录里面是公共函数，属于系统助手函数</a:t>
+              </a:r>
+            </a:p>
+          </p:txBody>
+        </p:sp>
+        <p:sp>
+          <p:nvSpPr>
+            <p:cNvPr id="27" name="文本框 26">
+              <a:extLst>
+                <a:ext uri="{FF2B5EF4-FFF2-40B4-BE49-F238E27FC236}">
+                  <a16:creationId xmlns:a16="http://schemas.microsoft.com/office/drawing/2014/main" id="{34672A12-B88B-43A1-824E-B9FF35C2B3D6}"/>
+                </a:ext>
+              </a:extLst>
+            </p:cNvPr>
+            <p:cNvSpPr txBox="1"/>
+            <p:nvPr/>
+          </p:nvSpPr>
+          <p:spPr>
+            <a:xfrm>
+              <a:off x="7429496" y="5572934"/>
+              <a:ext cx="2637696" cy="923330"/>
+            </a:xfrm>
+            <a:prstGeom prst="rect">
+              <a:avLst/>
+            </a:prstGeom>
+            <a:noFill/>
+          </p:spPr>
+          <p:txBody>
+            <a:bodyPr wrap="square" rtlCol="0">
+              <a:spAutoFit/>
+            </a:bodyPr>
+            <a:lstStyle/>
+            <a:p>
+              <a:r>
+                <a:rPr lang="en-US" altLang="zh-CN"/>
+                <a:t>config/</a:t>
+              </a:r>
+              <a:r>
+                <a:rPr lang="zh-CN" altLang="en-US"/>
+                <a:t>目录包括配置文件，数据库配置文件在此目录</a:t>
+              </a:r>
+            </a:p>
+          </p:txBody>
+        </p:sp>
+        <p:grpSp>
+          <p:nvGrpSpPr>
+            <p:cNvPr id="42" name="组合 41">
+              <a:extLst>
+                <a:ext uri="{FF2B5EF4-FFF2-40B4-BE49-F238E27FC236}">
+                  <a16:creationId xmlns:a16="http://schemas.microsoft.com/office/drawing/2014/main" id="{C2B0085F-048C-4512-A143-09102E6EF4F0}"/>
+                </a:ext>
+              </a:extLst>
+            </p:cNvPr>
+            <p:cNvGrpSpPr/>
+            <p:nvPr/>
+          </p:nvGrpSpPr>
+          <p:grpSpPr>
+            <a:xfrm>
+              <a:off x="844064" y="1793628"/>
+              <a:ext cx="10395433" cy="3354326"/>
+              <a:chOff x="844064" y="1793628"/>
+              <a:chExt cx="10395433" cy="3354326"/>
+            </a:xfrm>
+          </p:grpSpPr>
+          <p:sp>
+            <p:nvSpPr>
+              <p:cNvPr id="3" name="文本框 2">
+                <a:extLst>
+                  <a:ext uri="{FF2B5EF4-FFF2-40B4-BE49-F238E27FC236}">
+                    <a16:creationId xmlns:a16="http://schemas.microsoft.com/office/drawing/2014/main" id="{B2D2C7A5-05DA-4854-9A55-C0F582E028F2}"/>
+                  </a:ext>
+                </a:extLst>
+              </p:cNvPr>
+              <p:cNvSpPr txBox="1"/>
+              <p:nvPr/>
+            </p:nvSpPr>
+            <p:spPr>
+              <a:xfrm>
+                <a:off x="4870939" y="2033951"/>
+                <a:ext cx="1600199" cy="400110"/>
+              </a:xfrm>
+              <a:prstGeom prst="rect">
+                <a:avLst/>
+              </a:prstGeom>
+              <a:noFill/>
+            </p:spPr>
+            <p:txBody>
+              <a:bodyPr wrap="square" rtlCol="0">
+                <a:spAutoFit/>
+              </a:bodyPr>
+              <a:lstStyle/>
+              <a:p>
+                <a:r>
+                  <a:rPr lang="en-US" altLang="zh-CN" sz="2000"/>
+                  <a:t>start.php</a:t>
+                </a:r>
+                <a:endParaRPr lang="zh-CN" altLang="en-US" sz="2000"/>
+              </a:p>
+            </p:txBody>
+          </p:sp>
+          <p:cxnSp>
+            <p:nvCxnSpPr>
+              <p:cNvPr id="7" name="直接箭头连接符 6">
+                <a:extLst>
+                  <a:ext uri="{FF2B5EF4-FFF2-40B4-BE49-F238E27FC236}">
+                    <a16:creationId xmlns:a16="http://schemas.microsoft.com/office/drawing/2014/main" id="{97B2B7AF-7BDD-4298-84D2-84A4914DBA02}"/>
+                  </a:ext>
+                </a:extLst>
+              </p:cNvPr>
+              <p:cNvCxnSpPr/>
+              <p:nvPr/>
+            </p:nvCxnSpPr>
+            <p:spPr>
+              <a:xfrm>
+                <a:off x="3596058" y="2231071"/>
+                <a:ext cx="1204546" cy="0"/>
+              </a:xfrm>
+              <a:prstGeom prst="straightConnector1">
+                <a:avLst/>
+              </a:prstGeom>
+              <a:ln>
+                <a:tailEnd type="triangle"/>
+              </a:ln>
+            </p:spPr>
+            <p:style>
+              <a:lnRef idx="1">
+                <a:schemeClr val="dk1"/>
+              </a:lnRef>
+              <a:fillRef idx="0">
+                <a:schemeClr val="dk1"/>
+              </a:fillRef>
+              <a:effectRef idx="0">
+                <a:schemeClr val="dk1"/>
+              </a:effectRef>
+              <a:fontRef idx="minor">
+                <a:schemeClr val="tx1"/>
+              </a:fontRef>
+            </p:style>
+          </p:cxnSp>
+          <p:sp>
+            <p:nvSpPr>
+              <p:cNvPr id="8" name="文本框 7">
+                <a:extLst>
+                  <a:ext uri="{FF2B5EF4-FFF2-40B4-BE49-F238E27FC236}">
+                    <a16:creationId xmlns:a16="http://schemas.microsoft.com/office/drawing/2014/main" id="{01FBDC0F-E2FD-4268-A00B-5E7655D0BA0B}"/>
+                  </a:ext>
+                </a:extLst>
+              </p:cNvPr>
+              <p:cNvSpPr txBox="1"/>
+              <p:nvPr/>
+            </p:nvSpPr>
+            <p:spPr>
+              <a:xfrm>
+                <a:off x="1594339" y="1989992"/>
+                <a:ext cx="2101361" cy="400110"/>
+              </a:xfrm>
+              <a:prstGeom prst="rect">
+                <a:avLst/>
+              </a:prstGeom>
+              <a:noFill/>
+            </p:spPr>
+            <p:txBody>
+              <a:bodyPr wrap="square" rtlCol="0">
+                <a:spAutoFit/>
+              </a:bodyPr>
+              <a:lstStyle/>
+              <a:p>
+                <a:r>
+                  <a:rPr lang="en-US" altLang="zh-CN" sz="2000"/>
+                  <a:t>public/index.php</a:t>
+                </a:r>
+                <a:endParaRPr lang="zh-CN" altLang="en-US" sz="2000"/>
+              </a:p>
+            </p:txBody>
+          </p:sp>
+          <p:cxnSp>
+            <p:nvCxnSpPr>
+              <p:cNvPr id="10" name="直接连接符 9">
+                <a:extLst>
+                  <a:ext uri="{FF2B5EF4-FFF2-40B4-BE49-F238E27FC236}">
+                    <a16:creationId xmlns:a16="http://schemas.microsoft.com/office/drawing/2014/main" id="{37B484A8-3A06-428A-89DA-70A311ED390A}"/>
+                  </a:ext>
+                </a:extLst>
+              </p:cNvPr>
+              <p:cNvCxnSpPr>
+                <a:cxnSpLocks/>
+              </p:cNvCxnSpPr>
+              <p:nvPr/>
+            </p:nvCxnSpPr>
+            <p:spPr>
+              <a:xfrm>
+                <a:off x="5363308" y="2532185"/>
+                <a:ext cx="0" cy="703384"/>
+              </a:xfrm>
+              <a:prstGeom prst="line">
+                <a:avLst/>
+              </a:prstGeom>
+            </p:spPr>
+            <p:style>
+              <a:lnRef idx="1">
+                <a:schemeClr val="dk1"/>
+              </a:lnRef>
+              <a:fillRef idx="0">
+                <a:schemeClr val="dk1"/>
+              </a:fillRef>
+              <a:effectRef idx="0">
+                <a:schemeClr val="dk1"/>
+              </a:effectRef>
+              <a:fontRef idx="minor">
+                <a:schemeClr val="tx1"/>
+              </a:fontRef>
+            </p:style>
+          </p:cxnSp>
+          <p:cxnSp>
+            <p:nvCxnSpPr>
+              <p:cNvPr id="12" name="直接箭头连接符 11">
+                <a:extLst>
+                  <a:ext uri="{FF2B5EF4-FFF2-40B4-BE49-F238E27FC236}">
+                    <a16:creationId xmlns:a16="http://schemas.microsoft.com/office/drawing/2014/main" id="{272954D2-4EFF-46A8-A672-09BD003C2D4A}"/>
+                  </a:ext>
+                </a:extLst>
+              </p:cNvPr>
+              <p:cNvCxnSpPr/>
+              <p:nvPr/>
+            </p:nvCxnSpPr>
+            <p:spPr>
+              <a:xfrm>
+                <a:off x="5363308" y="3235567"/>
+                <a:ext cx="2303584" cy="0"/>
+              </a:xfrm>
+              <a:prstGeom prst="straightConnector1">
+                <a:avLst/>
+              </a:prstGeom>
+              <a:ln>
+                <a:tailEnd type="triangle"/>
+              </a:ln>
+            </p:spPr>
+            <p:style>
+              <a:lnRef idx="1">
+                <a:schemeClr val="dk1"/>
+              </a:lnRef>
+              <a:fillRef idx="0">
+                <a:schemeClr val="dk1"/>
+              </a:fillRef>
+              <a:effectRef idx="0">
+                <a:schemeClr val="dk1"/>
+              </a:effectRef>
+              <a:fontRef idx="minor">
+                <a:schemeClr val="tx1"/>
+              </a:fontRef>
+            </p:style>
+          </p:cxnSp>
+          <p:sp>
+            <p:nvSpPr>
+              <p:cNvPr id="15" name="文本框 14">
+                <a:extLst>
+                  <a:ext uri="{FF2B5EF4-FFF2-40B4-BE49-F238E27FC236}">
+                    <a16:creationId xmlns:a16="http://schemas.microsoft.com/office/drawing/2014/main" id="{CB2A46BA-20E6-47E5-864F-54E723B2E4D1}"/>
+                  </a:ext>
+                </a:extLst>
+              </p:cNvPr>
+              <p:cNvSpPr txBox="1"/>
+              <p:nvPr/>
+            </p:nvSpPr>
+            <p:spPr>
+              <a:xfrm>
+                <a:off x="7801709" y="3028890"/>
+                <a:ext cx="2845765" cy="400110"/>
+              </a:xfrm>
+              <a:prstGeom prst="rect">
+                <a:avLst/>
+              </a:prstGeom>
+              <a:noFill/>
+            </p:spPr>
+            <p:txBody>
+              <a:bodyPr wrap="square" rtlCol="0">
+                <a:spAutoFit/>
+              </a:bodyPr>
+              <a:lstStyle/>
+              <a:p>
+                <a:r>
+                  <a:rPr lang="en-US" altLang="zh-CN" sz="2000"/>
+                  <a:t>action/</a:t>
+                </a:r>
+                <a:r>
+                  <a:rPr lang="zh-CN" altLang="en-US" sz="2000"/>
+                  <a:t>对应的类文件</a:t>
+                </a:r>
+              </a:p>
+            </p:txBody>
+          </p:sp>
+          <p:cxnSp>
+            <p:nvCxnSpPr>
+              <p:cNvPr id="17" name="直接箭头连接符 16">
+                <a:extLst>
+                  <a:ext uri="{FF2B5EF4-FFF2-40B4-BE49-F238E27FC236}">
+                    <a16:creationId xmlns:a16="http://schemas.microsoft.com/office/drawing/2014/main" id="{14BB3B3D-AA0E-4CF8-96CF-36B209CAF9D6}"/>
+                  </a:ext>
+                </a:extLst>
+              </p:cNvPr>
+              <p:cNvCxnSpPr/>
+              <p:nvPr/>
+            </p:nvCxnSpPr>
+            <p:spPr>
+              <a:xfrm>
+                <a:off x="9223131" y="3596054"/>
+                <a:ext cx="0" cy="1134208"/>
+              </a:xfrm>
+              <a:prstGeom prst="straightConnector1">
+                <a:avLst/>
+              </a:prstGeom>
+              <a:ln>
+                <a:tailEnd type="triangle"/>
+              </a:ln>
+            </p:spPr>
+            <p:style>
+              <a:lnRef idx="1">
+                <a:schemeClr val="dk1"/>
+              </a:lnRef>
+              <a:fillRef idx="0">
+                <a:schemeClr val="dk1"/>
+              </a:fillRef>
+              <a:effectRef idx="0">
+                <a:schemeClr val="dk1"/>
+              </a:effectRef>
+              <a:fontRef idx="minor">
+                <a:schemeClr val="tx1"/>
+              </a:fontRef>
+            </p:style>
+          </p:cxnSp>
+          <p:sp>
+            <p:nvSpPr>
+              <p:cNvPr id="18" name="文本框 17">
+                <a:extLst>
+                  <a:ext uri="{FF2B5EF4-FFF2-40B4-BE49-F238E27FC236}">
+                    <a16:creationId xmlns:a16="http://schemas.microsoft.com/office/drawing/2014/main" id="{F10D4FAD-42F9-4344-BA56-87140C6C52D0}"/>
+                  </a:ext>
+                </a:extLst>
+              </p:cNvPr>
+              <p:cNvSpPr txBox="1"/>
+              <p:nvPr/>
+            </p:nvSpPr>
+            <p:spPr>
+              <a:xfrm>
+                <a:off x="7901355" y="4747844"/>
+                <a:ext cx="2845765" cy="400110"/>
+              </a:xfrm>
+              <a:prstGeom prst="rect">
+                <a:avLst/>
+              </a:prstGeom>
+              <a:noFill/>
+            </p:spPr>
+            <p:txBody>
+              <a:bodyPr wrap="square" rtlCol="0">
+                <a:spAutoFit/>
+              </a:bodyPr>
+              <a:lstStyle/>
+              <a:p>
+                <a:r>
+                  <a:rPr lang="en-US" altLang="zh-CN" sz="2000"/>
+                  <a:t>model/</a:t>
+                </a:r>
+                <a:r>
+                  <a:rPr lang="zh-CN" altLang="en-US" sz="2000"/>
+                  <a:t>目录的类文件</a:t>
+                </a:r>
+              </a:p>
+            </p:txBody>
+          </p:sp>
+          <p:sp>
+            <p:nvSpPr>
+              <p:cNvPr id="19" name="文本框 18">
+                <a:extLst>
+                  <a:ext uri="{FF2B5EF4-FFF2-40B4-BE49-F238E27FC236}">
+                    <a16:creationId xmlns:a16="http://schemas.microsoft.com/office/drawing/2014/main" id="{42A052FD-1161-4FBA-88F5-FF43388BB10D}"/>
+                  </a:ext>
+                </a:extLst>
+              </p:cNvPr>
+              <p:cNvSpPr txBox="1"/>
+              <p:nvPr/>
+            </p:nvSpPr>
+            <p:spPr>
+              <a:xfrm>
+                <a:off x="9363812" y="3745453"/>
+                <a:ext cx="1875685" cy="646331"/>
+              </a:xfrm>
+              <a:prstGeom prst="rect">
+                <a:avLst/>
+              </a:prstGeom>
+              <a:noFill/>
+            </p:spPr>
+            <p:txBody>
+              <a:bodyPr wrap="square" rtlCol="0">
+                <a:spAutoFit/>
+              </a:bodyPr>
+              <a:lstStyle/>
+              <a:p>
+                <a:r>
+                  <a:rPr lang="zh-CN" altLang="en-US"/>
+                  <a:t>调用</a:t>
+                </a:r>
+                <a:r>
+                  <a:rPr lang="en-US" altLang="zh-CN"/>
+                  <a:t>model</a:t>
+                </a:r>
+                <a:r>
+                  <a:rPr lang="zh-CN" altLang="en-US"/>
+                  <a:t>层接口操作数据库</a:t>
+                </a:r>
+              </a:p>
+            </p:txBody>
+          </p:sp>
+          <p:cxnSp>
+            <p:nvCxnSpPr>
+              <p:cNvPr id="21" name="直接连接符 20">
+                <a:extLst>
+                  <a:ext uri="{FF2B5EF4-FFF2-40B4-BE49-F238E27FC236}">
+                    <a16:creationId xmlns:a16="http://schemas.microsoft.com/office/drawing/2014/main" id="{D402C31A-8153-46DC-BD1F-DF3D9AC37D7C}"/>
+                  </a:ext>
+                </a:extLst>
+              </p:cNvPr>
+              <p:cNvCxnSpPr/>
+              <p:nvPr/>
+            </p:nvCxnSpPr>
+            <p:spPr>
+              <a:xfrm>
+                <a:off x="5064369" y="2434061"/>
+                <a:ext cx="0" cy="2568762"/>
+              </a:xfrm>
+              <a:prstGeom prst="line">
+                <a:avLst/>
+              </a:prstGeom>
+              <a:ln>
+                <a:prstDash val="dashDot"/>
+              </a:ln>
+            </p:spPr>
+            <p:style>
+              <a:lnRef idx="1">
+                <a:schemeClr val="dk1"/>
+              </a:lnRef>
+              <a:fillRef idx="0">
+                <a:schemeClr val="dk1"/>
+              </a:fillRef>
+              <a:effectRef idx="0">
+                <a:schemeClr val="dk1"/>
+              </a:effectRef>
+              <a:fontRef idx="minor">
+                <a:schemeClr val="tx1"/>
+              </a:fontRef>
+            </p:style>
+          </p:cxnSp>
+          <p:cxnSp>
+            <p:nvCxnSpPr>
+              <p:cNvPr id="23" name="直接箭头连接符 22">
+                <a:extLst>
+                  <a:ext uri="{FF2B5EF4-FFF2-40B4-BE49-F238E27FC236}">
+                    <a16:creationId xmlns:a16="http://schemas.microsoft.com/office/drawing/2014/main" id="{8073077A-B5D8-487E-9CB1-D72ED72490BA}"/>
+                  </a:ext>
+                </a:extLst>
+              </p:cNvPr>
+              <p:cNvCxnSpPr/>
+              <p:nvPr/>
+            </p:nvCxnSpPr>
+            <p:spPr>
+              <a:xfrm>
+                <a:off x="5064369" y="5002823"/>
+                <a:ext cx="2737340" cy="0"/>
+              </a:xfrm>
+              <a:prstGeom prst="straightConnector1">
+                <a:avLst/>
+              </a:prstGeom>
+              <a:ln>
+                <a:prstDash val="dashDot"/>
+                <a:tailEnd type="triangle"/>
+              </a:ln>
+            </p:spPr>
+            <p:style>
+              <a:lnRef idx="1">
+                <a:schemeClr val="dk1"/>
+              </a:lnRef>
+              <a:fillRef idx="0">
+                <a:schemeClr val="dk1"/>
+              </a:fillRef>
+              <a:effectRef idx="0">
+                <a:schemeClr val="dk1"/>
+              </a:effectRef>
+              <a:fontRef idx="minor">
+                <a:schemeClr val="tx1"/>
+              </a:fontRef>
+            </p:style>
+          </p:cxnSp>
+          <p:sp>
+            <p:nvSpPr>
+              <p:cNvPr id="24" name="文本框 23">
+                <a:extLst>
+                  <a:ext uri="{FF2B5EF4-FFF2-40B4-BE49-F238E27FC236}">
+                    <a16:creationId xmlns:a16="http://schemas.microsoft.com/office/drawing/2014/main" id="{9D92C539-20A3-4095-860B-6461DCA3DBA7}"/>
+                  </a:ext>
+                </a:extLst>
+              </p:cNvPr>
+              <p:cNvSpPr txBox="1"/>
+              <p:nvPr/>
+            </p:nvSpPr>
+            <p:spPr>
+              <a:xfrm>
+                <a:off x="1975346" y="3420208"/>
+                <a:ext cx="2989380" cy="923330"/>
+              </a:xfrm>
+              <a:prstGeom prst="rect">
+                <a:avLst/>
+              </a:prstGeom>
+              <a:noFill/>
+            </p:spPr>
+            <p:txBody>
+              <a:bodyPr wrap="square" rtlCol="0">
+                <a:spAutoFit/>
+              </a:bodyPr>
+              <a:lstStyle/>
+              <a:p>
+                <a:r>
+                  <a:rPr lang="en-US" altLang="zh-CN"/>
+                  <a:t>start.php</a:t>
+                </a:r>
+                <a:r>
+                  <a:rPr lang="zh-CN" altLang="en-US"/>
+                  <a:t>在需要权限验证的接口也会直接使用</a:t>
+                </a:r>
+                <a:r>
+                  <a:rPr lang="en-US" altLang="zh-CN"/>
+                  <a:t>model</a:t>
+                </a:r>
+                <a:r>
+                  <a:rPr lang="zh-CN" altLang="en-US"/>
+                  <a:t>的一些操作</a:t>
+                </a:r>
+              </a:p>
+            </p:txBody>
+          </p:sp>
+          <p:cxnSp>
+            <p:nvCxnSpPr>
+              <p:cNvPr id="29" name="直接箭头连接符 28">
+                <a:extLst>
+                  <a:ext uri="{FF2B5EF4-FFF2-40B4-BE49-F238E27FC236}">
+                    <a16:creationId xmlns:a16="http://schemas.microsoft.com/office/drawing/2014/main" id="{685C1D22-C1B1-4EC7-B740-8E3911AA46F4}"/>
+                  </a:ext>
+                </a:extLst>
+              </p:cNvPr>
+              <p:cNvCxnSpPr>
+                <a:cxnSpLocks/>
+              </p:cNvCxnSpPr>
+              <p:nvPr/>
+            </p:nvCxnSpPr>
+            <p:spPr>
+              <a:xfrm flipV="1">
+                <a:off x="1011126" y="2231071"/>
+                <a:ext cx="624254" cy="1"/>
+              </a:xfrm>
+              <a:prstGeom prst="straightConnector1">
+                <a:avLst/>
+              </a:prstGeom>
+              <a:ln>
+                <a:tailEnd type="triangle"/>
+              </a:ln>
+            </p:spPr>
+            <p:style>
+              <a:lnRef idx="1">
+                <a:schemeClr val="dk1"/>
+              </a:lnRef>
+              <a:fillRef idx="0">
+                <a:schemeClr val="dk1"/>
+              </a:fillRef>
+              <a:effectRef idx="0">
+                <a:schemeClr val="dk1"/>
+              </a:effectRef>
+              <a:fontRef idx="minor">
+                <a:schemeClr val="tx1"/>
+              </a:fontRef>
+            </p:style>
+          </p:cxnSp>
+          <p:cxnSp>
+            <p:nvCxnSpPr>
+              <p:cNvPr id="32" name="直接连接符 31">
+                <a:extLst>
+                  <a:ext uri="{FF2B5EF4-FFF2-40B4-BE49-F238E27FC236}">
+                    <a16:creationId xmlns:a16="http://schemas.microsoft.com/office/drawing/2014/main" id="{C4310034-4D24-4503-A6FF-5F1F1D2A1C35}"/>
+                  </a:ext>
+                </a:extLst>
+              </p:cNvPr>
+              <p:cNvCxnSpPr/>
+              <p:nvPr/>
+            </p:nvCxnSpPr>
+            <p:spPr>
+              <a:xfrm>
+                <a:off x="1011126" y="2231071"/>
+                <a:ext cx="0" cy="652806"/>
+              </a:xfrm>
+              <a:prstGeom prst="line">
+                <a:avLst/>
+              </a:prstGeom>
+            </p:spPr>
+            <p:style>
+              <a:lnRef idx="1">
+                <a:schemeClr val="dk1"/>
+              </a:lnRef>
+              <a:fillRef idx="0">
+                <a:schemeClr val="dk1"/>
+              </a:fillRef>
+              <a:effectRef idx="0">
+                <a:schemeClr val="dk1"/>
+              </a:effectRef>
+              <a:fontRef idx="minor">
+                <a:schemeClr val="tx1"/>
+              </a:fontRef>
+            </p:style>
+          </p:cxnSp>
+          <p:sp>
+            <p:nvSpPr>
+              <p:cNvPr id="33" name="文本框 32">
+                <a:extLst>
+                  <a:ext uri="{FF2B5EF4-FFF2-40B4-BE49-F238E27FC236}">
+                    <a16:creationId xmlns:a16="http://schemas.microsoft.com/office/drawing/2014/main" id="{16679BDB-C37F-4EC2-885F-6C8F3BD08B80}"/>
+                  </a:ext>
+                </a:extLst>
+              </p:cNvPr>
+              <p:cNvSpPr txBox="1"/>
+              <p:nvPr/>
+            </p:nvSpPr>
+            <p:spPr>
+              <a:xfrm>
+                <a:off x="844064" y="2853740"/>
+                <a:ext cx="1016974" cy="400110"/>
+              </a:xfrm>
+              <a:prstGeom prst="rect">
+                <a:avLst/>
+              </a:prstGeom>
+              <a:noFill/>
+            </p:spPr>
+            <p:txBody>
+              <a:bodyPr wrap="square" rtlCol="0">
+                <a:spAutoFit/>
+              </a:bodyPr>
+              <a:lstStyle/>
+              <a:p>
+                <a:r>
+                  <a:rPr lang="en-US" altLang="zh-CN" sz="2000">
+                    <a:solidFill>
+                      <a:srgbClr val="C00000"/>
+                    </a:solidFill>
+                  </a:rPr>
+                  <a:t>request</a:t>
+                </a:r>
+                <a:endParaRPr lang="zh-CN" altLang="en-US">
+                  <a:solidFill>
+                    <a:srgbClr val="C00000"/>
+                  </a:solidFill>
+                </a:endParaRPr>
+              </a:p>
+            </p:txBody>
+          </p:sp>
+          <p:cxnSp>
+            <p:nvCxnSpPr>
+              <p:cNvPr id="35" name="直接连接符 34">
+                <a:extLst>
+                  <a:ext uri="{FF2B5EF4-FFF2-40B4-BE49-F238E27FC236}">
+                    <a16:creationId xmlns:a16="http://schemas.microsoft.com/office/drawing/2014/main" id="{6878AC0E-1567-4BDF-99C2-1C0BDA162DE9}"/>
+                  </a:ext>
+                </a:extLst>
+              </p:cNvPr>
+              <p:cNvCxnSpPr>
+                <a:cxnSpLocks/>
+              </p:cNvCxnSpPr>
+              <p:nvPr/>
+            </p:nvCxnSpPr>
+            <p:spPr>
+              <a:xfrm flipV="1">
+                <a:off x="9020908" y="2190047"/>
+                <a:ext cx="0" cy="693831"/>
+              </a:xfrm>
+              <a:prstGeom prst="line">
+                <a:avLst/>
+              </a:prstGeom>
+              <a:ln>
+                <a:headEnd type="none" w="med" len="med"/>
+                <a:tailEnd type="triangle" w="med" len="med"/>
+              </a:ln>
+            </p:spPr>
+            <p:style>
+              <a:lnRef idx="1">
+                <a:schemeClr val="dk1"/>
+              </a:lnRef>
+              <a:fillRef idx="0">
+                <a:schemeClr val="dk1"/>
+              </a:fillRef>
+              <a:effectRef idx="0">
+                <a:schemeClr val="dk1"/>
+              </a:effectRef>
+              <a:fontRef idx="minor">
+                <a:schemeClr val="tx1"/>
+              </a:fontRef>
+            </p:style>
+          </p:cxnSp>
+          <p:sp>
+            <p:nvSpPr>
+              <p:cNvPr id="40" name="文本框 39">
+                <a:extLst>
+                  <a:ext uri="{FF2B5EF4-FFF2-40B4-BE49-F238E27FC236}">
+                    <a16:creationId xmlns:a16="http://schemas.microsoft.com/office/drawing/2014/main" id="{81F6E264-2AF9-4C7A-B896-C0D28B162921}"/>
+                  </a:ext>
+                </a:extLst>
+              </p:cNvPr>
+              <p:cNvSpPr txBox="1"/>
+              <p:nvPr/>
+            </p:nvSpPr>
+            <p:spPr>
+              <a:xfrm>
+                <a:off x="8466992" y="1793628"/>
+                <a:ext cx="1670536" cy="400110"/>
+              </a:xfrm>
+              <a:prstGeom prst="rect">
+                <a:avLst/>
+              </a:prstGeom>
+              <a:noFill/>
+            </p:spPr>
+            <p:txBody>
+              <a:bodyPr wrap="square" rtlCol="0">
+                <a:spAutoFit/>
+              </a:bodyPr>
+              <a:lstStyle/>
+              <a:p>
+                <a:r>
+                  <a:rPr lang="en-US" altLang="zh-CN" sz="2000">
+                    <a:solidFill>
+                      <a:srgbClr val="C00000"/>
+                    </a:solidFill>
+                  </a:rPr>
+                  <a:t>response</a:t>
+                </a:r>
+                <a:endParaRPr lang="zh-CN" altLang="en-US" sz="2000">
+                  <a:solidFill>
+                    <a:srgbClr val="C00000"/>
+                  </a:solidFill>
+                </a:endParaRPr>
+              </a:p>
+            </p:txBody>
+          </p:sp>
+          <p:sp>
+            <p:nvSpPr>
+              <p:cNvPr id="41" name="文本框 40">
+                <a:extLst>
+                  <a:ext uri="{FF2B5EF4-FFF2-40B4-BE49-F238E27FC236}">
+                    <a16:creationId xmlns:a16="http://schemas.microsoft.com/office/drawing/2014/main" id="{4FE1838B-3429-42E5-B425-EA7B3A2D791A}"/>
+                  </a:ext>
+                </a:extLst>
+              </p:cNvPr>
+              <p:cNvSpPr txBox="1"/>
+              <p:nvPr/>
+            </p:nvSpPr>
+            <p:spPr>
+              <a:xfrm>
+                <a:off x="9190904" y="2200943"/>
+                <a:ext cx="1875685" cy="646331"/>
+              </a:xfrm>
+              <a:prstGeom prst="rect">
+                <a:avLst/>
+              </a:prstGeom>
+              <a:noFill/>
+            </p:spPr>
+            <p:txBody>
+              <a:bodyPr wrap="square" rtlCol="0">
+                <a:spAutoFit/>
+              </a:bodyPr>
+              <a:lstStyle/>
+              <a:p>
+                <a:r>
+                  <a:rPr lang="zh-CN" altLang="en-US"/>
+                  <a:t>返回</a:t>
+                </a:r>
+                <a:r>
+                  <a:rPr lang="en-US" altLang="zh-CN"/>
+                  <a:t>JSON</a:t>
+                </a:r>
+                <a:r>
+                  <a:rPr lang="zh-CN" altLang="en-US"/>
+                  <a:t>格式数据</a:t>
+                </a:r>
+              </a:p>
+            </p:txBody>
+          </p:sp>
+        </p:grpSp>
+      </p:grpSp>
     </p:spTree>
     <p:extLst>
       <p:ext uri="{BB962C8B-B14F-4D97-AF65-F5344CB8AC3E}">
-        <p14:creationId xmlns:p14="http://schemas.microsoft.com/office/powerpoint/2010/main" val="2597762662"/>
+        <p14:creationId xmlns:p14="http://schemas.microsoft.com/office/powerpoint/2010/main" val="3138294811"/>
       </p:ext>
     </p:extLst>
   </p:cSld>
@@ -6519,17 +6371,10 @@
           <a:lstStyle/>
           <a:p>
             <a:r>
-              <a:rPr lang="zh-CN" altLang="en-US" dirty="0"/>
-              <a:t>握手连接建立后：</a:t>
-            </a:r>
-            <a:r>
-              <a:rPr lang="en-US" altLang="zh-CN" dirty="0" err="1"/>
-              <a:t>onOpen</a:t>
-            </a:r>
-            <a:r>
-              <a:rPr lang="zh-CN" altLang="en-US" dirty="0"/>
-              <a:t>事件</a:t>
-            </a:r>
+              <a:rPr lang="zh-CN" altLang="en-US"/>
+              <a:t>调用链</a:t>
+            </a:r>
+            <a:endParaRPr lang="zh-CN" altLang="en-US" dirty="0"/>
           </a:p>
         </p:txBody>
       </p:sp>
@@ -6562,17 +6407,99 @@
           <a:lstStyle/>
           <a:p>
             <a:r>
-              <a:rPr lang="zh-CN" altLang="en-US" sz="2000" dirty="0"/>
-              <a:t>连接建立后要把连接信息加入到</a:t>
-            </a:r>
-            <a:r>
-              <a:rPr lang="en-US" altLang="zh-CN" sz="2000" dirty="0"/>
-              <a:t>Memcached</a:t>
-            </a:r>
-            <a:r>
-              <a:rPr lang="zh-CN" altLang="en-US" sz="2000" dirty="0"/>
-              <a:t>缓存。并返回一条提示信息。</a:t>
-            </a:r>
+              <a:rPr lang="zh-CN" altLang="en-US" sz="2400"/>
+              <a:t>实际入口文件是</a:t>
+            </a:r>
+            <a:r>
+              <a:rPr lang="en-US" altLang="zh-CN" sz="2400"/>
+              <a:t>public/index.php</a:t>
+            </a:r>
+            <a:r>
+              <a:rPr lang="zh-CN" altLang="en-US" sz="2400"/>
+              <a:t>，此文件会引入</a:t>
+            </a:r>
+            <a:r>
+              <a:rPr lang="en-US" altLang="zh-CN" sz="2400"/>
+              <a:t>start.php</a:t>
+            </a:r>
+            <a:r>
+              <a:rPr lang="zh-CN" altLang="en-US" sz="2400"/>
+              <a:t>，</a:t>
+            </a:r>
+            <a:r>
+              <a:rPr lang="en-US" altLang="zh-CN" sz="2400"/>
+              <a:t>start.php</a:t>
+            </a:r>
+            <a:r>
+              <a:rPr lang="zh-CN" altLang="en-US" sz="2400"/>
+              <a:t>文件中定义了接口和对应的回调函数。</a:t>
+            </a:r>
+            <a:endParaRPr lang="en-US" altLang="zh-CN" sz="2400"/>
+          </a:p>
+          <a:p>
+            <a:endParaRPr lang="en-US" altLang="zh-CN" sz="2400"/>
+          </a:p>
+          <a:p>
+            <a:r>
+              <a:rPr lang="zh-CN" altLang="en-US" sz="2400"/>
+              <a:t>在回调函数中初始化了</a:t>
+            </a:r>
+            <a:r>
+              <a:rPr lang="en-US" altLang="zh-CN" sz="2400"/>
+              <a:t>action</a:t>
+            </a:r>
+            <a:r>
+              <a:rPr lang="zh-CN" altLang="en-US" sz="2400"/>
+              <a:t>的类文件并执行相应的操作。回调函数是一个注册机制，实际是</a:t>
+            </a:r>
+            <a:r>
+              <a:rPr lang="en-US" altLang="zh-CN" sz="2400"/>
+              <a:t>new \Slim\App</a:t>
+            </a:r>
+            <a:r>
+              <a:rPr lang="zh-CN" altLang="en-US" sz="2400"/>
+              <a:t>中的</a:t>
+            </a:r>
+            <a:r>
+              <a:rPr lang="en-US" altLang="zh-CN" sz="2400"/>
+              <a:t>run</a:t>
+            </a:r>
+            <a:r>
+              <a:rPr lang="zh-CN" altLang="en-US" sz="2400"/>
+              <a:t>方法执行，</a:t>
+            </a:r>
+            <a:r>
+              <a:rPr lang="en-US" altLang="zh-CN" sz="2400"/>
+              <a:t>run</a:t>
+            </a:r>
+            <a:r>
+              <a:rPr lang="zh-CN" altLang="en-US" sz="2400"/>
+              <a:t>方法会根据请求执行相应的回调函数并返回结果。</a:t>
+            </a:r>
+            <a:endParaRPr lang="en-US" altLang="zh-CN" sz="2400"/>
+          </a:p>
+          <a:p>
+            <a:pPr marL="0" indent="0">
+              <a:buNone/>
+            </a:pPr>
+            <a:endParaRPr lang="en-US" altLang="zh-CN" sz="2000"/>
+          </a:p>
+          <a:p>
+            <a:pPr marL="0" indent="0">
+              <a:buNone/>
+            </a:pPr>
+            <a:endParaRPr lang="en-US" altLang="zh-CN" sz="2000"/>
+          </a:p>
+          <a:p>
+            <a:pPr marL="0" indent="0">
+              <a:buNone/>
+            </a:pPr>
+            <a:endParaRPr lang="en-US" altLang="zh-CN" sz="2000"/>
+          </a:p>
+          <a:p>
+            <a:endParaRPr lang="en-US" altLang="zh-CN" sz="2000"/>
+          </a:p>
+          <a:p>
             <a:endParaRPr lang="en-US" altLang="zh-CN" sz="2000" dirty="0"/>
           </a:p>
           <a:p>
@@ -6580,279 +6507,10 @@
           </a:p>
         </p:txBody>
       </p:sp>
-      <p:pic>
-        <p:nvPicPr>
-          <p:cNvPr id="3" name="图片 2">
-            <a:extLst>
-              <a:ext uri="{FF2B5EF4-FFF2-40B4-BE49-F238E27FC236}">
-                <a16:creationId xmlns:a16="http://schemas.microsoft.com/office/drawing/2014/main" id="{6BDEBD57-88D6-429D-8BE1-9D9089B47914}"/>
-              </a:ext>
-            </a:extLst>
-          </p:cNvPr>
-          <p:cNvPicPr>
-            <a:picLocks noChangeAspect="1"/>
-          </p:cNvPicPr>
-          <p:nvPr/>
-        </p:nvPicPr>
-        <p:blipFill>
-          <a:blip r:embed="rId3">
-            <a:extLst>
-              <a:ext uri="{28A0092B-C50C-407E-A947-70E740481C1C}">
-                <a14:useLocalDpi xmlns:a14="http://schemas.microsoft.com/office/drawing/2010/main" val="0"/>
-              </a:ext>
-            </a:extLst>
-          </a:blip>
-          <a:stretch>
-            <a:fillRect/>
-          </a:stretch>
-        </p:blipFill>
-        <p:spPr>
-          <a:xfrm>
-            <a:off x="838199" y="2100160"/>
-            <a:ext cx="10485659" cy="3395118"/>
-          </a:xfrm>
-          <a:prstGeom prst="rect">
-            <a:avLst/>
-          </a:prstGeom>
-        </p:spPr>
-      </p:pic>
     </p:spTree>
     <p:extLst>
       <p:ext uri="{BB962C8B-B14F-4D97-AF65-F5344CB8AC3E}">
-        <p14:creationId xmlns:p14="http://schemas.microsoft.com/office/powerpoint/2010/main" val="1284186908"/>
-      </p:ext>
-    </p:extLst>
-  </p:cSld>
-  <p:clrMapOvr>
-    <a:masterClrMapping/>
-  </p:clrMapOvr>
-</p:sld>
-</file>
-
-<file path=ppt/slides/slide8.xml><?xml version="1.0" encoding="utf-8"?>
-<p:sld xmlns:a="http://schemas.openxmlformats.org/drawingml/2006/main" xmlns:r="http://schemas.openxmlformats.org/officeDocument/2006/relationships" xmlns:p="http://schemas.openxmlformats.org/presentationml/2006/main">
-  <p:cSld>
-    <p:spTree>
-      <p:nvGrpSpPr>
-        <p:cNvPr id="1" name=""/>
-        <p:cNvGrpSpPr/>
-        <p:nvPr/>
-      </p:nvGrpSpPr>
-      <p:grpSpPr>
-        <a:xfrm>
-          <a:off x="0" y="0"/>
-          <a:ext cx="0" cy="0"/>
-          <a:chOff x="0" y="0"/>
-          <a:chExt cx="0" cy="0"/>
-        </a:xfrm>
-      </p:grpSpPr>
-      <p:sp>
-        <p:nvSpPr>
-          <p:cNvPr id="4" name="标题 3">
-            <a:extLst>
-              <a:ext uri="{FF2B5EF4-FFF2-40B4-BE49-F238E27FC236}">
-                <a16:creationId xmlns:a16="http://schemas.microsoft.com/office/drawing/2014/main" id="{2729939D-814A-4BD2-9922-3F8EA865938B}"/>
-              </a:ext>
-            </a:extLst>
-          </p:cNvPr>
-          <p:cNvSpPr>
-            <a:spLocks noGrp="1"/>
-          </p:cNvSpPr>
-          <p:nvPr>
-            <p:ph type="title"/>
-          </p:nvPr>
-        </p:nvSpPr>
-        <p:spPr>
-          <a:xfrm>
-            <a:off x="838200" y="683581"/>
-            <a:ext cx="10515600" cy="736846"/>
-          </a:xfrm>
-        </p:spPr>
-        <p:txBody>
-          <a:bodyPr/>
-          <a:lstStyle/>
-          <a:p>
-            <a:r>
-              <a:rPr lang="zh-CN" altLang="en-US" dirty="0"/>
-              <a:t>收到信息：</a:t>
-            </a:r>
-            <a:r>
-              <a:rPr lang="en-US" altLang="zh-CN" dirty="0" err="1"/>
-              <a:t>onMessage</a:t>
-            </a:r>
-            <a:r>
-              <a:rPr lang="zh-CN" altLang="en-US" dirty="0"/>
-              <a:t>事件</a:t>
-            </a:r>
-          </a:p>
-        </p:txBody>
-      </p:sp>
-      <p:sp>
-        <p:nvSpPr>
-          <p:cNvPr id="3" name="内容占位符 2">
-            <a:extLst>
-              <a:ext uri="{FF2B5EF4-FFF2-40B4-BE49-F238E27FC236}">
-                <a16:creationId xmlns:a16="http://schemas.microsoft.com/office/drawing/2014/main" id="{6E16C1C4-6E3D-483D-B856-0676028106F1}"/>
-              </a:ext>
-            </a:extLst>
-          </p:cNvPr>
-          <p:cNvSpPr>
-            <a:spLocks noGrp="1"/>
-          </p:cNvSpPr>
-          <p:nvPr>
-            <p:ph idx="1"/>
-          </p:nvPr>
-        </p:nvSpPr>
-        <p:spPr/>
-        <p:txBody>
-          <a:bodyPr>
-            <a:normAutofit/>
-          </a:bodyPr>
-          <a:lstStyle/>
-          <a:p>
-            <a:r>
-              <a:rPr lang="zh-CN" altLang="en-US" sz="2000" dirty="0"/>
-              <a:t>获取用户发送的数据。并判断如果数据为空则不转发。</a:t>
-            </a:r>
-            <a:endParaRPr lang="en-US" altLang="zh-CN" sz="2000" dirty="0"/>
-          </a:p>
-          <a:p>
-            <a:r>
-              <a:rPr lang="zh-CN" altLang="en-US" sz="2000" dirty="0"/>
-              <a:t>生成要发送的消息。</a:t>
-            </a:r>
-            <a:endParaRPr lang="en-US" altLang="zh-CN" sz="2000" dirty="0"/>
-          </a:p>
-          <a:p>
-            <a:r>
-              <a:rPr lang="zh-CN" altLang="en-US" sz="2000" dirty="0"/>
-              <a:t>从</a:t>
-            </a:r>
-            <a:r>
-              <a:rPr lang="en-US" altLang="zh-CN" sz="2000" dirty="0"/>
-              <a:t>Memcached</a:t>
-            </a:r>
-            <a:r>
-              <a:rPr lang="zh-CN" altLang="en-US" sz="2000" dirty="0"/>
-              <a:t>获取保存的所有连接，并判断如果不是当前连接则进行转发。</a:t>
-            </a:r>
-            <a:endParaRPr lang="en-US" altLang="zh-CN" sz="2000" dirty="0"/>
-          </a:p>
-          <a:p>
-            <a:endParaRPr lang="en-US" altLang="zh-CN" sz="2000" dirty="0"/>
-          </a:p>
-        </p:txBody>
-      </p:sp>
-    </p:spTree>
-    <p:extLst>
-      <p:ext uri="{BB962C8B-B14F-4D97-AF65-F5344CB8AC3E}">
-        <p14:creationId xmlns:p14="http://schemas.microsoft.com/office/powerpoint/2010/main" val="1643127994"/>
-      </p:ext>
-    </p:extLst>
-  </p:cSld>
-  <p:clrMapOvr>
-    <a:masterClrMapping/>
-  </p:clrMapOvr>
-</p:sld>
-</file>
-
-<file path=ppt/slides/slide9.xml><?xml version="1.0" encoding="utf-8"?>
-<p:sld xmlns:a="http://schemas.openxmlformats.org/drawingml/2006/main" xmlns:r="http://schemas.openxmlformats.org/officeDocument/2006/relationships" xmlns:p="http://schemas.openxmlformats.org/presentationml/2006/main">
-  <p:cSld>
-    <p:spTree>
-      <p:nvGrpSpPr>
-        <p:cNvPr id="1" name=""/>
-        <p:cNvGrpSpPr/>
-        <p:nvPr/>
-      </p:nvGrpSpPr>
-      <p:grpSpPr>
-        <a:xfrm>
-          <a:off x="0" y="0"/>
-          <a:ext cx="0" cy="0"/>
-          <a:chOff x="0" y="0"/>
-          <a:chExt cx="0" cy="0"/>
-        </a:xfrm>
-      </p:grpSpPr>
-      <p:sp>
-        <p:nvSpPr>
-          <p:cNvPr id="4" name="标题 3">
-            <a:extLst>
-              <a:ext uri="{FF2B5EF4-FFF2-40B4-BE49-F238E27FC236}">
-                <a16:creationId xmlns:a16="http://schemas.microsoft.com/office/drawing/2014/main" id="{2729939D-814A-4BD2-9922-3F8EA865938B}"/>
-              </a:ext>
-            </a:extLst>
-          </p:cNvPr>
-          <p:cNvSpPr>
-            <a:spLocks noGrp="1"/>
-          </p:cNvSpPr>
-          <p:nvPr>
-            <p:ph type="title"/>
-          </p:nvPr>
-        </p:nvSpPr>
-        <p:spPr>
-          <a:xfrm>
-            <a:off x="838200" y="683581"/>
-            <a:ext cx="10515600" cy="736846"/>
-          </a:xfrm>
-        </p:spPr>
-        <p:txBody>
-          <a:bodyPr/>
-          <a:lstStyle/>
-          <a:p>
-            <a:r>
-              <a:rPr lang="zh-CN" altLang="en-US" dirty="0"/>
-              <a:t>收到信息：</a:t>
-            </a:r>
-            <a:r>
-              <a:rPr lang="en-US" altLang="zh-CN" dirty="0" err="1"/>
-              <a:t>onMessage</a:t>
-            </a:r>
-            <a:r>
-              <a:rPr lang="zh-CN" altLang="en-US" dirty="0"/>
-              <a:t>事件代码示例</a:t>
-            </a:r>
-          </a:p>
-        </p:txBody>
-      </p:sp>
-      <p:pic>
-        <p:nvPicPr>
-          <p:cNvPr id="5" name="内容占位符 4">
-            <a:extLst>
-              <a:ext uri="{FF2B5EF4-FFF2-40B4-BE49-F238E27FC236}">
-                <a16:creationId xmlns:a16="http://schemas.microsoft.com/office/drawing/2014/main" id="{7EAEEAE3-CB2B-4A87-B304-E5025210B7AE}"/>
-              </a:ext>
-            </a:extLst>
-          </p:cNvPr>
-          <p:cNvPicPr>
-            <a:picLocks noGrp="1" noChangeAspect="1"/>
-          </p:cNvPicPr>
-          <p:nvPr>
-            <p:ph idx="1"/>
-          </p:nvPr>
-        </p:nvPicPr>
-        <p:blipFill>
-          <a:blip r:embed="rId3">
-            <a:extLst>
-              <a:ext uri="{28A0092B-C50C-407E-A947-70E740481C1C}">
-                <a14:useLocalDpi xmlns:a14="http://schemas.microsoft.com/office/drawing/2010/main" val="0"/>
-              </a:ext>
-            </a:extLst>
-          </a:blip>
-          <a:stretch>
-            <a:fillRect/>
-          </a:stretch>
-        </p:blipFill>
-        <p:spPr>
-          <a:xfrm>
-            <a:off x="838200" y="1602497"/>
-            <a:ext cx="9116425" cy="5255503"/>
-          </a:xfrm>
-        </p:spPr>
-      </p:pic>
-    </p:spTree>
-    <p:extLst>
-      <p:ext uri="{BB962C8B-B14F-4D97-AF65-F5344CB8AC3E}">
-        <p14:creationId xmlns:p14="http://schemas.microsoft.com/office/powerpoint/2010/main" val="446600821"/>
+        <p14:creationId xmlns:p14="http://schemas.microsoft.com/office/powerpoint/2010/main" val="2748455849"/>
       </p:ext>
     </p:extLst>
   </p:cSld>

--- a/materials/slides/ch13-wcms-content-management.pptx
+++ b/materials/slides/ch13-wcms-content-management.pptx
@@ -5,19 +5,20 @@
     <p:sldMasterId id="2147483648" r:id="rId1"/>
   </p:sldMasterIdLst>
   <p:notesMasterIdLst>
-    <p:notesMasterId r:id="rId9"/>
+    <p:notesMasterId r:id="rId10"/>
   </p:notesMasterIdLst>
   <p:handoutMasterIdLst>
-    <p:handoutMasterId r:id="rId10"/>
+    <p:handoutMasterId r:id="rId11"/>
   </p:handoutMasterIdLst>
   <p:sldIdLst>
     <p:sldId id="257" r:id="rId2"/>
     <p:sldId id="288" r:id="rId3"/>
     <p:sldId id="294" r:id="rId4"/>
-    <p:sldId id="305" r:id="rId5"/>
-    <p:sldId id="306" r:id="rId6"/>
-    <p:sldId id="292" r:id="rId7"/>
-    <p:sldId id="293" r:id="rId8"/>
+    <p:sldId id="307" r:id="rId5"/>
+    <p:sldId id="305" r:id="rId6"/>
+    <p:sldId id="306" r:id="rId7"/>
+    <p:sldId id="309" r:id="rId8"/>
+    <p:sldId id="308" r:id="rId9"/>
   </p:sldIdLst>
   <p:sldSz cx="12192000" cy="6858000"/>
   <p:notesSz cx="6858000" cy="9144000"/>
@@ -221,7 +222,7 @@
           <a:p>
             <a:fld id="{E923E828-953C-4D4A-9B10-11E7329F433D}" type="datetimeFigureOut">
               <a:rPr lang="zh-CN" altLang="en-US" smtClean="0"/>
-              <a:t>2018/4/19</a:t>
+              <a:t>2018/4/24</a:t>
             </a:fld>
             <a:endParaRPr lang="zh-CN" altLang="en-US"/>
           </a:p>
@@ -402,7 +403,7 @@
           <a:p>
             <a:fld id="{867C5346-22E5-4085-8130-851344A84DFF}" type="datetimeFigureOut">
               <a:rPr lang="zh-CN" altLang="en-US" smtClean="0"/>
-              <a:t>2018/4/19</a:t>
+              <a:t>2018/4/24</a:t>
             </a:fld>
             <a:endParaRPr lang="zh-CN" altLang="en-US"/>
           </a:p>
@@ -912,7 +913,7 @@
     </p:spTree>
     <p:extLst>
       <p:ext uri="{BB962C8B-B14F-4D97-AF65-F5344CB8AC3E}">
-        <p14:creationId xmlns:p14="http://schemas.microsoft.com/office/powerpoint/2010/main" val="1187810461"/>
+        <p14:creationId xmlns:p14="http://schemas.microsoft.com/office/powerpoint/2010/main" val="2101965696"/>
       </p:ext>
     </p:extLst>
   </p:cSld>
@@ -996,7 +997,7 @@
     </p:spTree>
     <p:extLst>
       <p:ext uri="{BB962C8B-B14F-4D97-AF65-F5344CB8AC3E}">
-        <p14:creationId xmlns:p14="http://schemas.microsoft.com/office/powerpoint/2010/main" val="1694864988"/>
+        <p14:creationId xmlns:p14="http://schemas.microsoft.com/office/powerpoint/2010/main" val="1187810461"/>
       </p:ext>
     </p:extLst>
   </p:cSld>
@@ -1080,7 +1081,7 @@
     </p:spTree>
     <p:extLst>
       <p:ext uri="{BB962C8B-B14F-4D97-AF65-F5344CB8AC3E}">
-        <p14:creationId xmlns:p14="http://schemas.microsoft.com/office/powerpoint/2010/main" val="1599478336"/>
+        <p14:creationId xmlns:p14="http://schemas.microsoft.com/office/powerpoint/2010/main" val="1694864988"/>
       </p:ext>
     </p:extLst>
   </p:cSld>
@@ -1164,7 +1165,91 @@
     </p:spTree>
     <p:extLst>
       <p:ext uri="{BB962C8B-B14F-4D97-AF65-F5344CB8AC3E}">
-        <p14:creationId xmlns:p14="http://schemas.microsoft.com/office/powerpoint/2010/main" val="676521967"/>
+        <p14:creationId xmlns:p14="http://schemas.microsoft.com/office/powerpoint/2010/main" val="1052132351"/>
+      </p:ext>
+    </p:extLst>
+  </p:cSld>
+  <p:clrMapOvr>
+    <a:masterClrMapping/>
+  </p:clrMapOvr>
+</p:notes>
+</file>
+
+<file path=ppt/notesSlides/notesSlide7.xml><?xml version="1.0" encoding="utf-8"?>
+<p:notes xmlns:a="http://schemas.openxmlformats.org/drawingml/2006/main" xmlns:r="http://schemas.openxmlformats.org/officeDocument/2006/relationships" xmlns:p="http://schemas.openxmlformats.org/presentationml/2006/main">
+  <p:cSld>
+    <p:spTree>
+      <p:nvGrpSpPr>
+        <p:cNvPr id="1" name=""/>
+        <p:cNvGrpSpPr/>
+        <p:nvPr/>
+      </p:nvGrpSpPr>
+      <p:grpSpPr>
+        <a:xfrm>
+          <a:off x="0" y="0"/>
+          <a:ext cx="0" cy="0"/>
+          <a:chOff x="0" y="0"/>
+          <a:chExt cx="0" cy="0"/>
+        </a:xfrm>
+      </p:grpSpPr>
+      <p:sp>
+        <p:nvSpPr>
+          <p:cNvPr id="2" name="幻灯片图像占位符 1"/>
+          <p:cNvSpPr>
+            <a:spLocks noGrp="1" noRot="1" noChangeAspect="1"/>
+          </p:cNvSpPr>
+          <p:nvPr>
+            <p:ph type="sldImg"/>
+          </p:nvPr>
+        </p:nvSpPr>
+        <p:spPr/>
+      </p:sp>
+      <p:sp>
+        <p:nvSpPr>
+          <p:cNvPr id="3" name="备注占位符 2"/>
+          <p:cNvSpPr>
+            <a:spLocks noGrp="1"/>
+          </p:cNvSpPr>
+          <p:nvPr>
+            <p:ph type="body" idx="1"/>
+          </p:nvPr>
+        </p:nvSpPr>
+        <p:spPr/>
+        <p:txBody>
+          <a:bodyPr/>
+          <a:lstStyle/>
+          <a:p>
+            <a:endParaRPr lang="zh-CN" altLang="en-US" dirty="0"/>
+          </a:p>
+        </p:txBody>
+      </p:sp>
+      <p:sp>
+        <p:nvSpPr>
+          <p:cNvPr id="4" name="灯片编号占位符 3"/>
+          <p:cNvSpPr>
+            <a:spLocks noGrp="1"/>
+          </p:cNvSpPr>
+          <p:nvPr>
+            <p:ph type="sldNum" sz="quarter" idx="10"/>
+          </p:nvPr>
+        </p:nvSpPr>
+        <p:spPr/>
+        <p:txBody>
+          <a:bodyPr/>
+          <a:lstStyle/>
+          <a:p>
+            <a:fld id="{9FB975F3-1C40-4D40-A7FE-36EEB7CAFC85}" type="slidenum">
+              <a:rPr lang="zh-CN" altLang="en-US" smtClean="0"/>
+              <a:t>8</a:t>
+            </a:fld>
+            <a:endParaRPr lang="zh-CN" altLang="en-US"/>
+          </a:p>
+        </p:txBody>
+      </p:sp>
+    </p:spTree>
+    <p:extLst>
+      <p:ext uri="{BB962C8B-B14F-4D97-AF65-F5344CB8AC3E}">
+        <p14:creationId xmlns:p14="http://schemas.microsoft.com/office/powerpoint/2010/main" val="1348414638"/>
       </p:ext>
     </p:extLst>
   </p:cSld>
@@ -1332,7 +1417,7 @@
           <a:p>
             <a:fld id="{A5E21016-498F-4141-B0CA-D95A38CA7D62}" type="datetimeFigureOut">
               <a:rPr lang="zh-CN" altLang="en-US" smtClean="0"/>
-              <a:t>2018/4/19</a:t>
+              <a:t>2018/4/24</a:t>
             </a:fld>
             <a:endParaRPr lang="zh-CN" altLang="en-US"/>
           </a:p>
@@ -1562,7 +1647,7 @@
           <a:p>
             <a:fld id="{A5E21016-498F-4141-B0CA-D95A38CA7D62}" type="datetimeFigureOut">
               <a:rPr lang="zh-CN" altLang="en-US" smtClean="0"/>
-              <a:t>2018/4/19</a:t>
+              <a:t>2018/4/24</a:t>
             </a:fld>
             <a:endParaRPr lang="zh-CN" altLang="en-US"/>
           </a:p>
@@ -1797,7 +1882,7 @@
           <a:p>
             <a:fld id="{A5E21016-498F-4141-B0CA-D95A38CA7D62}" type="datetimeFigureOut">
               <a:rPr lang="zh-CN" altLang="en-US" smtClean="0"/>
-              <a:t>2018/4/19</a:t>
+              <a:t>2018/4/24</a:t>
             </a:fld>
             <a:endParaRPr lang="zh-CN" altLang="en-US"/>
           </a:p>
@@ -2359,7 +2444,7 @@
           <a:p>
             <a:fld id="{A5E21016-498F-4141-B0CA-D95A38CA7D62}" type="datetimeFigureOut">
               <a:rPr lang="zh-CN" altLang="en-US" smtClean="0"/>
-              <a:t>2018/4/19</a:t>
+              <a:t>2018/4/24</a:t>
             </a:fld>
             <a:endParaRPr lang="zh-CN" altLang="en-US"/>
           </a:p>
@@ -2656,7 +2741,7 @@
           <a:p>
             <a:fld id="{A5E21016-498F-4141-B0CA-D95A38CA7D62}" type="datetimeFigureOut">
               <a:rPr lang="zh-CN" altLang="en-US" smtClean="0"/>
-              <a:t>2018/4/19</a:t>
+              <a:t>2018/4/24</a:t>
             </a:fld>
             <a:endParaRPr lang="zh-CN" altLang="en-US"/>
           </a:p>
@@ -3095,7 +3180,7 @@
           <a:p>
             <a:fld id="{A5E21016-498F-4141-B0CA-D95A38CA7D62}" type="datetimeFigureOut">
               <a:rPr lang="zh-CN" altLang="en-US" smtClean="0"/>
-              <a:t>2018/4/19</a:t>
+              <a:t>2018/4/24</a:t>
             </a:fld>
             <a:endParaRPr lang="zh-CN" altLang="en-US"/>
           </a:p>
@@ -3268,7 +3353,7 @@
           <a:p>
             <a:fld id="{A5E21016-498F-4141-B0CA-D95A38CA7D62}" type="datetimeFigureOut">
               <a:rPr lang="zh-CN" altLang="en-US" smtClean="0"/>
-              <a:t>2018/4/19</a:t>
+              <a:t>2018/4/24</a:t>
             </a:fld>
             <a:endParaRPr lang="zh-CN" altLang="en-US"/>
           </a:p>
@@ -3405,7 +3490,7 @@
           <a:p>
             <a:fld id="{A5E21016-498F-4141-B0CA-D95A38CA7D62}" type="datetimeFigureOut">
               <a:rPr lang="zh-CN" altLang="en-US" smtClean="0"/>
-              <a:t>2018/4/19</a:t>
+              <a:t>2018/4/24</a:t>
             </a:fld>
             <a:endParaRPr lang="zh-CN" altLang="en-US"/>
           </a:p>
@@ -3743,7 +3828,7 @@
           <a:p>
             <a:fld id="{A5E21016-498F-4141-B0CA-D95A38CA7D62}" type="datetimeFigureOut">
               <a:rPr lang="zh-CN" altLang="en-US" smtClean="0"/>
-              <a:t>2018/4/19</a:t>
+              <a:t>2018/4/24</a:t>
             </a:fld>
             <a:endParaRPr lang="zh-CN" altLang="en-US"/>
           </a:p>
@@ -4058,7 +4143,7 @@
           <a:p>
             <a:fld id="{A5E21016-498F-4141-B0CA-D95A38CA7D62}" type="datetimeFigureOut">
               <a:rPr lang="zh-CN" altLang="en-US" smtClean="0"/>
-              <a:t>2018/4/19</a:t>
+              <a:t>2018/4/24</a:t>
             </a:fld>
             <a:endParaRPr lang="zh-CN" altLang="en-US"/>
           </a:p>
@@ -4837,7 +4922,7 @@
           <a:p>
             <a:r>
               <a:rPr lang="zh-CN" altLang="en-US"/>
-              <a:t>实际开发项目加入授课的目的</a:t>
+              <a:t>数据库表</a:t>
             </a:r>
             <a:endParaRPr lang="zh-CN" altLang="en-US" dirty="0"/>
           </a:p>
@@ -4872,18 +4957,40 @@
           <a:lstStyle/>
           <a:p>
             <a:r>
+              <a:rPr lang="en-US" altLang="zh-CN" sz="2400"/>
+              <a:t>w_content            </a:t>
+            </a:r>
+            <a:r>
               <a:rPr lang="zh-CN" altLang="en-US" sz="2400"/>
-              <a:t>综合运用所学知识，提高开发水平，对编程，组织，设计有更多理解。</a:t>
+              <a:t>内容存储表</a:t>
             </a:r>
             <a:endParaRPr lang="en-US" altLang="zh-CN" sz="2400"/>
           </a:p>
           <a:p>
+            <a:endParaRPr lang="en-US" altLang="zh-CN" sz="2400" dirty="0"/>
+          </a:p>
+          <a:p>
+            <a:r>
+              <a:rPr lang="en-US" altLang="zh-CN" sz="2400"/>
+              <a:t>w_users                </a:t>
+            </a:r>
+            <a:r>
+              <a:rPr lang="zh-CN" altLang="en-US" sz="2400"/>
+              <a:t>用户表</a:t>
+            </a:r>
             <a:endParaRPr lang="en-US" altLang="zh-CN" sz="2400"/>
           </a:p>
           <a:p>
+            <a:endParaRPr lang="en-US" altLang="zh-CN" sz="2400"/>
+          </a:p>
+          <a:p>
+            <a:r>
+              <a:rPr lang="en-US" altLang="zh-CN" sz="2400"/>
+              <a:t>w_admin              </a:t>
+            </a:r>
             <a:r>
               <a:rPr lang="zh-CN" altLang="en-US" sz="2400"/>
-              <a:t>了解项目开发过程以及存在的问题。</a:t>
+              <a:t>管理员</a:t>
             </a:r>
             <a:endParaRPr lang="en-US" altLang="zh-CN" sz="2400"/>
           </a:p>
@@ -4892,12 +4999,27 @@
           </a:p>
           <a:p>
             <a:r>
+              <a:rPr lang="en-US" altLang="zh-CN" sz="2400"/>
+              <a:t>w_ctags                </a:t>
+            </a:r>
+            <a:r>
               <a:rPr lang="zh-CN" altLang="en-US" sz="2400"/>
-              <a:t>能够为找工作做更多的准备。</a:t>
-            </a:r>
-            <a:endParaRPr lang="en-US" altLang="zh-CN" sz="2400" dirty="0"/>
-          </a:p>
-          <a:p>
+              <a:t>内容标签</a:t>
+            </a:r>
+            <a:endParaRPr lang="en-US" altLang="zh-CN" sz="2400"/>
+          </a:p>
+          <a:p>
+            <a:endParaRPr lang="en-US" altLang="zh-CN" sz="2400"/>
+          </a:p>
+          <a:p>
+            <a:r>
+              <a:rPr lang="en-US" altLang="zh-CN" sz="2400"/>
+              <a:t>w_user_collect      </a:t>
+            </a:r>
+            <a:r>
+              <a:rPr lang="zh-CN" altLang="en-US" sz="2400"/>
+              <a:t>用户收藏表</a:t>
+            </a:r>
             <a:endParaRPr lang="en-US" altLang="zh-CN" sz="2000"/>
           </a:p>
           <a:p>
@@ -4964,72 +5086,52 @@
           <a:lstStyle/>
           <a:p>
             <a:r>
+              <a:rPr lang="en-US" altLang="zh-CN"/>
+              <a:t>w_content</a:t>
+            </a:r>
+            <a:r>
               <a:rPr lang="zh-CN" altLang="en-US"/>
-              <a:t>课程与项目结合存在的困难</a:t>
+              <a:t>表结构</a:t>
             </a:r>
             <a:endParaRPr lang="zh-CN" altLang="en-US" dirty="0"/>
           </a:p>
         </p:txBody>
       </p:sp>
-      <p:sp>
-        <p:nvSpPr>
-          <p:cNvPr id="6" name="内容占位符 5">
-            <a:extLst>
-              <a:ext uri="{FF2B5EF4-FFF2-40B4-BE49-F238E27FC236}">
-                <a16:creationId xmlns:a16="http://schemas.microsoft.com/office/drawing/2014/main" id="{B83E9AD4-C606-4679-B884-01F71CC97E44}"/>
-              </a:ext>
-            </a:extLst>
-          </p:cNvPr>
-          <p:cNvSpPr>
-            <a:spLocks noGrp="1"/>
-          </p:cNvSpPr>
+      <p:pic>
+        <p:nvPicPr>
+          <p:cNvPr id="3" name="内容占位符 2">
+            <a:extLst>
+              <a:ext uri="{FF2B5EF4-FFF2-40B4-BE49-F238E27FC236}">
+                <a16:creationId xmlns:a16="http://schemas.microsoft.com/office/drawing/2014/main" id="{ACF6696A-78EA-4C09-89D8-12487E507129}"/>
+              </a:ext>
+            </a:extLst>
+          </p:cNvPr>
+          <p:cNvPicPr>
+            <a:picLocks noGrp="1" noChangeAspect="1"/>
+          </p:cNvPicPr>
           <p:nvPr>
             <p:ph idx="1"/>
           </p:nvPr>
-        </p:nvSpPr>
-        <p:spPr>
-          <a:xfrm>
-            <a:off x="838200" y="1656500"/>
-            <a:ext cx="10515600" cy="4850832"/>
-          </a:xfrm>
-        </p:spPr>
-        <p:txBody>
-          <a:bodyPr>
-            <a:normAutofit/>
-          </a:bodyPr>
-          <a:lstStyle/>
-          <a:p>
-            <a:r>
-              <a:rPr lang="zh-CN" altLang="en-US" sz="2400"/>
-              <a:t>实际开发涉及到的问题以及知识面很多，难以全部糅合在一部分课程中完全讲授。</a:t>
-            </a:r>
-            <a:endParaRPr lang="en-US" altLang="zh-CN" sz="2400"/>
-          </a:p>
-          <a:p>
-            <a:endParaRPr lang="en-US" altLang="zh-CN" sz="2400"/>
-          </a:p>
-          <a:p>
-            <a:r>
-              <a:rPr lang="zh-CN" altLang="en-US" sz="2400"/>
-              <a:t>而分离成小块的方式会导致实际课程显得拖泥带水，并且同学们难以吸收理解。很难构成完整的体系。</a:t>
-            </a:r>
-            <a:endParaRPr lang="en-US" altLang="zh-CN" sz="2400"/>
-          </a:p>
-          <a:p>
-            <a:endParaRPr lang="en-US" altLang="zh-CN" sz="2400"/>
-          </a:p>
-          <a:p>
-            <a:r>
-              <a:rPr lang="zh-CN" altLang="en-US" sz="2400"/>
-              <a:t>另一个方面是代码量往往很大，实际的开发过程和授课本来就存在不兼容的矛盾。</a:t>
-            </a:r>
-            <a:endParaRPr lang="en-US" altLang="zh-CN" sz="2400"/>
-          </a:p>
-          <a:p>
-            <a:endParaRPr lang="en-US" altLang="zh-CN" sz="2400"/>
-          </a:p>
-        </p:txBody>
-      </p:sp>
+        </p:nvPicPr>
+        <p:blipFill>
+          <a:blip r:embed="rId3">
+            <a:extLst>
+              <a:ext uri="{28A0092B-C50C-407E-A947-70E740481C1C}">
+                <a14:useLocalDpi xmlns:a14="http://schemas.microsoft.com/office/drawing/2010/main" val="0"/>
+              </a:ext>
+            </a:extLst>
+          </a:blip>
+          <a:stretch>
+            <a:fillRect/>
+          </a:stretch>
+        </p:blipFill>
+        <p:spPr>
+          <a:xfrm>
+            <a:off x="508668" y="1888514"/>
+            <a:ext cx="11189344" cy="3413248"/>
+          </a:xfrm>
+        </p:spPr>
+      </p:pic>
     </p:spTree>
     <p:extLst>
       <p:ext uri="{BB962C8B-B14F-4D97-AF65-F5344CB8AC3E}">
@@ -5089,8 +5191,12 @@
           <a:lstStyle/>
           <a:p>
             <a:r>
+              <a:rPr lang="en-US" altLang="zh-CN"/>
+              <a:t>w_content</a:t>
+            </a:r>
+            <a:r>
               <a:rPr lang="zh-CN" altLang="en-US"/>
-              <a:t>解决方案</a:t>
+              <a:t>字段说明</a:t>
             </a:r>
             <a:endParaRPr lang="zh-CN" altLang="en-US" dirty="0"/>
           </a:p>
@@ -5098,10 +5204,10 @@
       </p:sp>
       <p:sp>
         <p:nvSpPr>
-          <p:cNvPr id="6" name="内容占位符 5">
-            <a:extLst>
-              <a:ext uri="{FF2B5EF4-FFF2-40B4-BE49-F238E27FC236}">
-                <a16:creationId xmlns:a16="http://schemas.microsoft.com/office/drawing/2014/main" id="{B83E9AD4-C606-4679-B884-01F71CC97E44}"/>
+          <p:cNvPr id="5" name="内容占位符 4">
+            <a:extLst>
+              <a:ext uri="{FF2B5EF4-FFF2-40B4-BE49-F238E27FC236}">
+                <a16:creationId xmlns:a16="http://schemas.microsoft.com/office/drawing/2014/main" id="{CC327D93-E26F-4387-A591-E3647CA56603}"/>
               </a:ext>
             </a:extLst>
           </p:cNvPr>
@@ -5112,12 +5218,7 @@
             <p:ph idx="1"/>
           </p:nvPr>
         </p:nvSpPr>
-        <p:spPr>
-          <a:xfrm>
-            <a:off x="838200" y="1656500"/>
-            <a:ext cx="10515600" cy="4850832"/>
-          </a:xfrm>
-        </p:spPr>
+        <p:spPr/>
         <p:txBody>
           <a:bodyPr>
             <a:normAutofit/>
@@ -5126,23 +5227,47 @@
           <a:p>
             <a:r>
               <a:rPr lang="zh-CN" altLang="en-US" sz="2400"/>
-              <a:t>使用</a:t>
+              <a:t>主键</a:t>
             </a:r>
             <a:r>
               <a:rPr lang="en-US" altLang="zh-CN" sz="2400"/>
-              <a:t>github</a:t>
+              <a:t>id</a:t>
             </a:r>
             <a:r>
               <a:rPr lang="zh-CN" altLang="en-US" sz="2400"/>
-              <a:t>创建代码仓库，同学们在每次更新后使用</a:t>
+              <a:t>目前使用</a:t>
             </a:r>
             <a:r>
               <a:rPr lang="en-US" altLang="zh-CN" sz="2400"/>
-              <a:t>git pull</a:t>
+              <a:t>bigint</a:t>
             </a:r>
             <a:r>
               <a:rPr lang="zh-CN" altLang="en-US" sz="2400"/>
-              <a:t>的方式获取代码到本地。</a:t>
+              <a:t>类型，实际环境也可以使用</a:t>
+            </a:r>
+            <a:r>
+              <a:rPr lang="en-US" altLang="zh-CN" sz="2400"/>
+              <a:t>char(100)</a:t>
+            </a:r>
+            <a:r>
+              <a:rPr lang="zh-CN" altLang="en-US" sz="2400"/>
+              <a:t>类型，此时使用一个</a:t>
+            </a:r>
+            <a:r>
+              <a:rPr lang="en-US" altLang="zh-CN" sz="2400"/>
+              <a:t>id</a:t>
+            </a:r>
+            <a:r>
+              <a:rPr lang="zh-CN" altLang="en-US" sz="2400"/>
+              <a:t>生成函数生成唯一字符串，不依赖于数据库的自增</a:t>
+            </a:r>
+            <a:r>
+              <a:rPr lang="en-US" altLang="zh-CN" sz="2400"/>
+              <a:t>id</a:t>
+            </a:r>
+            <a:r>
+              <a:rPr lang="zh-CN" altLang="en-US" sz="2400"/>
+              <a:t>。</a:t>
             </a:r>
             <a:endParaRPr lang="en-US" altLang="zh-CN" sz="2400"/>
           </a:p>
@@ -5152,76 +5277,15 @@
           <a:p>
             <a:r>
               <a:rPr lang="zh-CN" altLang="en-US" sz="2400"/>
-              <a:t>根据课上讲解理解代码。</a:t>
-            </a:r>
-            <a:endParaRPr lang="en-US" altLang="zh-CN" sz="2400"/>
-          </a:p>
-          <a:p>
-            <a:endParaRPr lang="en-US" altLang="zh-CN" sz="2400"/>
-          </a:p>
-          <a:p>
+              <a:t>使用字符串类型，可以不操作数据库也知道内容对应的</a:t>
+            </a:r>
+            <a:r>
+              <a:rPr lang="en-US" altLang="zh-CN" sz="2400"/>
+              <a:t>id</a:t>
+            </a:r>
             <a:r>
               <a:rPr lang="zh-CN" altLang="en-US" sz="2400"/>
-              <a:t>首先运行：</a:t>
-            </a:r>
-            <a:endParaRPr lang="en-US" altLang="zh-CN" sz="2400"/>
-          </a:p>
-          <a:p>
-            <a:pPr marL="457200" lvl="1" indent="0">
-              <a:buNone/>
-            </a:pPr>
-            <a:r>
-              <a:rPr lang="en-US" altLang="zh-CN" sz="2000">
-                <a:latin typeface="Roboto Mono Light" pitchFamily="2" charset="0"/>
-                <a:ea typeface="Roboto Mono Light" pitchFamily="2" charset="0"/>
-              </a:rPr>
-              <a:t>git clone https://github.com/master-genius/wcms.git</a:t>
-            </a:r>
-          </a:p>
-          <a:p>
-            <a:pPr marL="0" indent="0">
-              <a:buNone/>
-            </a:pPr>
-            <a:r>
-              <a:rPr lang="zh-CN" altLang="en-US" sz="2400"/>
-              <a:t>此操作会再当前目录创建</a:t>
-            </a:r>
-            <a:r>
-              <a:rPr lang="en-US" altLang="zh-CN" sz="2400"/>
-              <a:t>wcms</a:t>
-            </a:r>
-            <a:r>
-              <a:rPr lang="zh-CN" altLang="en-US" sz="2400"/>
-              <a:t>目录并把代码下载到本地。</a:t>
-            </a:r>
-            <a:endParaRPr lang="en-US" altLang="zh-CN" sz="2400"/>
-          </a:p>
-          <a:p>
-            <a:endParaRPr lang="en-US" altLang="zh-CN" sz="2400"/>
-          </a:p>
-          <a:p>
-            <a:r>
-              <a:rPr lang="zh-CN" altLang="en-US" sz="2400"/>
-              <a:t>切换到</a:t>
-            </a:r>
-            <a:r>
-              <a:rPr lang="en-US" altLang="zh-CN" sz="2400"/>
-              <a:t>wcms</a:t>
-            </a:r>
-            <a:r>
-              <a:rPr lang="zh-CN" altLang="en-US" sz="2400"/>
-              <a:t>目录，以后使用</a:t>
-            </a:r>
-            <a:r>
-              <a:rPr lang="en-US" altLang="zh-CN" sz="2400">
-                <a:latin typeface="Roboto Mono Light" pitchFamily="2" charset="0"/>
-                <a:ea typeface="Roboto Mono Light" pitchFamily="2" charset="0"/>
-              </a:rPr>
-              <a:t>git pull origin master</a:t>
-            </a:r>
-            <a:r>
-              <a:rPr lang="zh-CN" altLang="en-US" sz="2400"/>
-              <a:t>获取更新。</a:t>
+              <a:t>。</a:t>
             </a:r>
             <a:endParaRPr lang="en-US" altLang="zh-CN" sz="2400"/>
           </a:p>
@@ -5230,7 +5294,7 @@
     </p:spTree>
     <p:extLst>
       <p:ext uri="{BB962C8B-B14F-4D97-AF65-F5344CB8AC3E}">
-        <p14:creationId xmlns:p14="http://schemas.microsoft.com/office/powerpoint/2010/main" val="4101012729"/>
+        <p14:creationId xmlns:p14="http://schemas.microsoft.com/office/powerpoint/2010/main" val="2206260042"/>
       </p:ext>
     </p:extLst>
   </p:cSld>
@@ -5286,87 +5350,56 @@
           <a:lstStyle/>
           <a:p>
             <a:r>
+              <a:rPr lang="en-US" altLang="zh-CN"/>
+              <a:t>w_ctags</a:t>
+            </a:r>
+            <a:r>
               <a:rPr lang="zh-CN" altLang="en-US"/>
-              <a:t>对开发过程的一些思考</a:t>
+              <a:t>表结构</a:t>
             </a:r>
             <a:endParaRPr lang="zh-CN" altLang="en-US" dirty="0"/>
           </a:p>
         </p:txBody>
       </p:sp>
-      <p:sp>
-        <p:nvSpPr>
-          <p:cNvPr id="6" name="内容占位符 5">
-            <a:extLst>
-              <a:ext uri="{FF2B5EF4-FFF2-40B4-BE49-F238E27FC236}">
-                <a16:creationId xmlns:a16="http://schemas.microsoft.com/office/drawing/2014/main" id="{B83E9AD4-C606-4679-B884-01F71CC97E44}"/>
-              </a:ext>
-            </a:extLst>
-          </p:cNvPr>
-          <p:cNvSpPr>
-            <a:spLocks noGrp="1"/>
-          </p:cNvSpPr>
+      <p:pic>
+        <p:nvPicPr>
+          <p:cNvPr id="3" name="内容占位符 2">
+            <a:extLst>
+              <a:ext uri="{FF2B5EF4-FFF2-40B4-BE49-F238E27FC236}">
+                <a16:creationId xmlns:a16="http://schemas.microsoft.com/office/drawing/2014/main" id="{ABEC9126-81E7-425B-A9AB-125560BCEFDC}"/>
+              </a:ext>
+            </a:extLst>
+          </p:cNvPr>
+          <p:cNvPicPr>
+            <a:picLocks noGrp="1" noChangeAspect="1"/>
+          </p:cNvPicPr>
           <p:nvPr>
             <p:ph idx="1"/>
           </p:nvPr>
-        </p:nvSpPr>
-        <p:spPr>
-          <a:xfrm>
-            <a:off x="838200" y="1656500"/>
-            <a:ext cx="10515600" cy="4850832"/>
-          </a:xfrm>
-        </p:spPr>
-        <p:txBody>
-          <a:bodyPr>
-            <a:normAutofit/>
-          </a:bodyPr>
-          <a:lstStyle/>
-          <a:p>
-            <a:r>
-              <a:rPr lang="zh-CN" altLang="en-US" sz="2400"/>
-              <a:t>需求分析：这个只需要考虑最简单的需求即可，需求是经常变化的。</a:t>
-            </a:r>
-            <a:endParaRPr lang="en-US" altLang="zh-CN" sz="2400"/>
-          </a:p>
-          <a:p>
-            <a:endParaRPr lang="en-US" altLang="zh-CN" sz="2400"/>
-          </a:p>
-          <a:p>
-            <a:r>
-              <a:rPr lang="zh-CN" altLang="en-US" sz="2400"/>
-              <a:t>功能实现：只实现最核心的功能之后再扩展。</a:t>
-            </a:r>
-            <a:endParaRPr lang="en-US" altLang="zh-CN" sz="2400"/>
-          </a:p>
-          <a:p>
-            <a:endParaRPr lang="en-US" altLang="zh-CN" sz="2400"/>
-          </a:p>
-          <a:p>
-            <a:r>
-              <a:rPr lang="en-US" altLang="zh-CN" sz="2400"/>
-              <a:t>UML</a:t>
-            </a:r>
-            <a:r>
-              <a:rPr lang="zh-CN" altLang="en-US" sz="2400"/>
-              <a:t>等工具：用这些工具把完整的一套流程设计完成，会发现浪费了大量时间做一个和实际开发背离的东西。</a:t>
-            </a:r>
-            <a:endParaRPr lang="en-US" altLang="zh-CN" sz="2400"/>
-          </a:p>
-          <a:p>
-            <a:endParaRPr lang="en-US" altLang="zh-CN" sz="2400"/>
-          </a:p>
-          <a:p>
-            <a:r>
-              <a:rPr lang="zh-CN" altLang="en-US" sz="2400"/>
-              <a:t>开发方式：从最简单功能快速迭代，需求会迭代，随着时间的推移，很多东西都会发生变化，人们不可能从一开始就预知一切。所以专注于核心功能，其他的根据需求进行扩展开发。</a:t>
-            </a:r>
-            <a:endParaRPr lang="en-US" altLang="zh-CN" sz="2400"/>
-          </a:p>
-        </p:txBody>
-      </p:sp>
+        </p:nvPicPr>
+        <p:blipFill>
+          <a:blip r:embed="rId3">
+            <a:extLst>
+              <a:ext uri="{28A0092B-C50C-407E-A947-70E740481C1C}">
+                <a14:useLocalDpi xmlns:a14="http://schemas.microsoft.com/office/drawing/2010/main" val="0"/>
+              </a:ext>
+            </a:extLst>
+          </a:blip>
+          <a:stretch>
+            <a:fillRect/>
+          </a:stretch>
+        </p:blipFill>
+        <p:spPr>
+          <a:xfrm>
+            <a:off x="521676" y="2150762"/>
+            <a:ext cx="11337195" cy="1750997"/>
+          </a:xfrm>
+        </p:spPr>
+      </p:pic>
     </p:spTree>
     <p:extLst>
       <p:ext uri="{BB962C8B-B14F-4D97-AF65-F5344CB8AC3E}">
-        <p14:creationId xmlns:p14="http://schemas.microsoft.com/office/powerpoint/2010/main" val="2863526901"/>
+        <p14:creationId xmlns:p14="http://schemas.microsoft.com/office/powerpoint/2010/main" val="4101012729"/>
       </p:ext>
     </p:extLst>
   </p:cSld>
@@ -5416,7 +5449,9 @@
           </a:xfrm>
         </p:spPr>
         <p:txBody>
-          <a:bodyPr/>
+          <a:bodyPr>
+            <a:normAutofit/>
+          </a:bodyPr>
           <a:lstStyle/>
           <a:p>
             <a:r>
@@ -5425,899 +5460,80 @@
             </a:r>
             <a:r>
               <a:rPr lang="zh-CN" altLang="en-US"/>
-              <a:t>调用的组织方式</a:t>
+              <a:t>与类文件</a:t>
             </a:r>
             <a:endParaRPr lang="zh-CN" altLang="en-US" dirty="0"/>
           </a:p>
         </p:txBody>
       </p:sp>
-      <p:grpSp>
-        <p:nvGrpSpPr>
-          <p:cNvPr id="43" name="组合 42">
-            <a:extLst>
-              <a:ext uri="{FF2B5EF4-FFF2-40B4-BE49-F238E27FC236}">
-                <a16:creationId xmlns:a16="http://schemas.microsoft.com/office/drawing/2014/main" id="{F38792E5-DB1D-4055-BFF0-D5692E356777}"/>
-              </a:ext>
-            </a:extLst>
-          </p:cNvPr>
-          <p:cNvGrpSpPr/>
-          <p:nvPr/>
-        </p:nvGrpSpPr>
-        <p:grpSpPr>
-          <a:xfrm>
-            <a:off x="879232" y="1793628"/>
-            <a:ext cx="10395433" cy="4721610"/>
-            <a:chOff x="844064" y="1793628"/>
-            <a:chExt cx="10395433" cy="4721610"/>
-          </a:xfrm>
-        </p:grpSpPr>
-        <p:sp>
-          <p:nvSpPr>
-            <p:cNvPr id="25" name="文本框 24">
-              <a:extLst>
-                <a:ext uri="{FF2B5EF4-FFF2-40B4-BE49-F238E27FC236}">
-                  <a16:creationId xmlns:a16="http://schemas.microsoft.com/office/drawing/2014/main" id="{8C3BB06F-13E5-44A1-A84E-5B3DE6BB5A53}"/>
-                </a:ext>
-              </a:extLst>
-            </p:cNvPr>
-            <p:cNvSpPr txBox="1"/>
-            <p:nvPr/>
-          </p:nvSpPr>
-          <p:spPr>
-            <a:xfrm>
-              <a:off x="1855177" y="5591908"/>
-              <a:ext cx="2365132" cy="923330"/>
-            </a:xfrm>
-            <a:prstGeom prst="rect">
-              <a:avLst/>
-            </a:prstGeom>
-            <a:noFill/>
-          </p:spPr>
-          <p:txBody>
-            <a:bodyPr wrap="square" rtlCol="0">
-              <a:spAutoFit/>
-            </a:bodyPr>
-            <a:lstStyle/>
-            <a:p>
-              <a:r>
-                <a:rPr lang="en-US" altLang="zh-CN"/>
-                <a:t>core/</a:t>
-              </a:r>
-              <a:r>
-                <a:rPr lang="zh-CN" altLang="en-US"/>
-                <a:t>目录提供整体架构比较核心的比较通用的功能</a:t>
-              </a:r>
-            </a:p>
-          </p:txBody>
-        </p:sp>
-        <p:sp>
-          <p:nvSpPr>
-            <p:cNvPr id="26" name="文本框 25">
-              <a:extLst>
-                <a:ext uri="{FF2B5EF4-FFF2-40B4-BE49-F238E27FC236}">
-                  <a16:creationId xmlns:a16="http://schemas.microsoft.com/office/drawing/2014/main" id="{13403F16-1960-4086-BE78-BBB07EB66B99}"/>
-                </a:ext>
-              </a:extLst>
-            </p:cNvPr>
-            <p:cNvSpPr txBox="1"/>
-            <p:nvPr/>
-          </p:nvSpPr>
-          <p:spPr>
-            <a:xfrm>
-              <a:off x="4621815" y="5578790"/>
-              <a:ext cx="2297732" cy="923330"/>
-            </a:xfrm>
-            <a:prstGeom prst="rect">
-              <a:avLst/>
-            </a:prstGeom>
-            <a:noFill/>
-          </p:spPr>
-          <p:txBody>
-            <a:bodyPr wrap="square" rtlCol="0">
-              <a:spAutoFit/>
-            </a:bodyPr>
-            <a:lstStyle/>
-            <a:p>
-              <a:r>
-                <a:rPr lang="en-US" altLang="zh-CN"/>
-                <a:t>lib/</a:t>
-              </a:r>
-              <a:r>
-                <a:rPr lang="zh-CN" altLang="en-US"/>
-                <a:t>目录里面是公共函数，属于系统助手函数</a:t>
-              </a:r>
-            </a:p>
-          </p:txBody>
-        </p:sp>
-        <p:sp>
-          <p:nvSpPr>
-            <p:cNvPr id="27" name="文本框 26">
-              <a:extLst>
-                <a:ext uri="{FF2B5EF4-FFF2-40B4-BE49-F238E27FC236}">
-                  <a16:creationId xmlns:a16="http://schemas.microsoft.com/office/drawing/2014/main" id="{34672A12-B88B-43A1-824E-B9FF35C2B3D6}"/>
-                </a:ext>
-              </a:extLst>
-            </p:cNvPr>
-            <p:cNvSpPr txBox="1"/>
-            <p:nvPr/>
-          </p:nvSpPr>
-          <p:spPr>
-            <a:xfrm>
-              <a:off x="7429496" y="5572934"/>
-              <a:ext cx="2637696" cy="923330"/>
-            </a:xfrm>
-            <a:prstGeom prst="rect">
-              <a:avLst/>
-            </a:prstGeom>
-            <a:noFill/>
-          </p:spPr>
-          <p:txBody>
-            <a:bodyPr wrap="square" rtlCol="0">
-              <a:spAutoFit/>
-            </a:bodyPr>
-            <a:lstStyle/>
-            <a:p>
-              <a:r>
-                <a:rPr lang="en-US" altLang="zh-CN"/>
-                <a:t>config/</a:t>
-              </a:r>
-              <a:r>
-                <a:rPr lang="zh-CN" altLang="en-US"/>
-                <a:t>目录包括配置文件，数据库配置文件在此目录</a:t>
-              </a:r>
-            </a:p>
-          </p:txBody>
-        </p:sp>
-        <p:grpSp>
-          <p:nvGrpSpPr>
-            <p:cNvPr id="42" name="组合 41">
-              <a:extLst>
-                <a:ext uri="{FF2B5EF4-FFF2-40B4-BE49-F238E27FC236}">
-                  <a16:creationId xmlns:a16="http://schemas.microsoft.com/office/drawing/2014/main" id="{C2B0085F-048C-4512-A143-09102E6EF4F0}"/>
-                </a:ext>
-              </a:extLst>
-            </p:cNvPr>
-            <p:cNvGrpSpPr/>
-            <p:nvPr/>
-          </p:nvGrpSpPr>
-          <p:grpSpPr>
-            <a:xfrm>
-              <a:off x="844064" y="1793628"/>
-              <a:ext cx="10395433" cy="3354326"/>
-              <a:chOff x="844064" y="1793628"/>
-              <a:chExt cx="10395433" cy="3354326"/>
-            </a:xfrm>
-          </p:grpSpPr>
-          <p:sp>
-            <p:nvSpPr>
-              <p:cNvPr id="3" name="文本框 2">
-                <a:extLst>
-                  <a:ext uri="{FF2B5EF4-FFF2-40B4-BE49-F238E27FC236}">
-                    <a16:creationId xmlns:a16="http://schemas.microsoft.com/office/drawing/2014/main" id="{B2D2C7A5-05DA-4854-9A55-C0F582E028F2}"/>
-                  </a:ext>
-                </a:extLst>
-              </p:cNvPr>
-              <p:cNvSpPr txBox="1"/>
-              <p:nvPr/>
-            </p:nvSpPr>
-            <p:spPr>
-              <a:xfrm>
-                <a:off x="4870939" y="2033951"/>
-                <a:ext cx="1600199" cy="400110"/>
-              </a:xfrm>
-              <a:prstGeom prst="rect">
-                <a:avLst/>
-              </a:prstGeom>
-              <a:noFill/>
-            </p:spPr>
-            <p:txBody>
-              <a:bodyPr wrap="square" rtlCol="0">
-                <a:spAutoFit/>
-              </a:bodyPr>
-              <a:lstStyle/>
-              <a:p>
-                <a:r>
-                  <a:rPr lang="en-US" altLang="zh-CN" sz="2000"/>
-                  <a:t>start.php</a:t>
-                </a:r>
-                <a:endParaRPr lang="zh-CN" altLang="en-US" sz="2000"/>
-              </a:p>
-            </p:txBody>
-          </p:sp>
-          <p:cxnSp>
-            <p:nvCxnSpPr>
-              <p:cNvPr id="7" name="直接箭头连接符 6">
-                <a:extLst>
-                  <a:ext uri="{FF2B5EF4-FFF2-40B4-BE49-F238E27FC236}">
-                    <a16:creationId xmlns:a16="http://schemas.microsoft.com/office/drawing/2014/main" id="{97B2B7AF-7BDD-4298-84D2-84A4914DBA02}"/>
-                  </a:ext>
-                </a:extLst>
-              </p:cNvPr>
-              <p:cNvCxnSpPr/>
-              <p:nvPr/>
-            </p:nvCxnSpPr>
-            <p:spPr>
-              <a:xfrm>
-                <a:off x="3596058" y="2231071"/>
-                <a:ext cx="1204546" cy="0"/>
-              </a:xfrm>
-              <a:prstGeom prst="straightConnector1">
-                <a:avLst/>
-              </a:prstGeom>
-              <a:ln>
-                <a:tailEnd type="triangle"/>
-              </a:ln>
-            </p:spPr>
-            <p:style>
-              <a:lnRef idx="1">
-                <a:schemeClr val="dk1"/>
-              </a:lnRef>
-              <a:fillRef idx="0">
-                <a:schemeClr val="dk1"/>
-              </a:fillRef>
-              <a:effectRef idx="0">
-                <a:schemeClr val="dk1"/>
-              </a:effectRef>
-              <a:fontRef idx="minor">
-                <a:schemeClr val="tx1"/>
-              </a:fontRef>
-            </p:style>
-          </p:cxnSp>
-          <p:sp>
-            <p:nvSpPr>
-              <p:cNvPr id="8" name="文本框 7">
-                <a:extLst>
-                  <a:ext uri="{FF2B5EF4-FFF2-40B4-BE49-F238E27FC236}">
-                    <a16:creationId xmlns:a16="http://schemas.microsoft.com/office/drawing/2014/main" id="{01FBDC0F-E2FD-4268-A00B-5E7655D0BA0B}"/>
-                  </a:ext>
-                </a:extLst>
-              </p:cNvPr>
-              <p:cNvSpPr txBox="1"/>
-              <p:nvPr/>
-            </p:nvSpPr>
-            <p:spPr>
-              <a:xfrm>
-                <a:off x="1594339" y="1989992"/>
-                <a:ext cx="2101361" cy="400110"/>
-              </a:xfrm>
-              <a:prstGeom prst="rect">
-                <a:avLst/>
-              </a:prstGeom>
-              <a:noFill/>
-            </p:spPr>
-            <p:txBody>
-              <a:bodyPr wrap="square" rtlCol="0">
-                <a:spAutoFit/>
-              </a:bodyPr>
-              <a:lstStyle/>
-              <a:p>
-                <a:r>
-                  <a:rPr lang="en-US" altLang="zh-CN" sz="2000"/>
-                  <a:t>public/index.php</a:t>
-                </a:r>
-                <a:endParaRPr lang="zh-CN" altLang="en-US" sz="2000"/>
-              </a:p>
-            </p:txBody>
-          </p:sp>
-          <p:cxnSp>
-            <p:nvCxnSpPr>
-              <p:cNvPr id="10" name="直接连接符 9">
-                <a:extLst>
-                  <a:ext uri="{FF2B5EF4-FFF2-40B4-BE49-F238E27FC236}">
-                    <a16:creationId xmlns:a16="http://schemas.microsoft.com/office/drawing/2014/main" id="{37B484A8-3A06-428A-89DA-70A311ED390A}"/>
-                  </a:ext>
-                </a:extLst>
-              </p:cNvPr>
-              <p:cNvCxnSpPr>
-                <a:cxnSpLocks/>
-              </p:cNvCxnSpPr>
-              <p:nvPr/>
-            </p:nvCxnSpPr>
-            <p:spPr>
-              <a:xfrm>
-                <a:off x="5363308" y="2532185"/>
-                <a:ext cx="0" cy="703384"/>
-              </a:xfrm>
-              <a:prstGeom prst="line">
-                <a:avLst/>
-              </a:prstGeom>
-            </p:spPr>
-            <p:style>
-              <a:lnRef idx="1">
-                <a:schemeClr val="dk1"/>
-              </a:lnRef>
-              <a:fillRef idx="0">
-                <a:schemeClr val="dk1"/>
-              </a:fillRef>
-              <a:effectRef idx="0">
-                <a:schemeClr val="dk1"/>
-              </a:effectRef>
-              <a:fontRef idx="minor">
-                <a:schemeClr val="tx1"/>
-              </a:fontRef>
-            </p:style>
-          </p:cxnSp>
-          <p:cxnSp>
-            <p:nvCxnSpPr>
-              <p:cNvPr id="12" name="直接箭头连接符 11">
-                <a:extLst>
-                  <a:ext uri="{FF2B5EF4-FFF2-40B4-BE49-F238E27FC236}">
-                    <a16:creationId xmlns:a16="http://schemas.microsoft.com/office/drawing/2014/main" id="{272954D2-4EFF-46A8-A672-09BD003C2D4A}"/>
-                  </a:ext>
-                </a:extLst>
-              </p:cNvPr>
-              <p:cNvCxnSpPr/>
-              <p:nvPr/>
-            </p:nvCxnSpPr>
-            <p:spPr>
-              <a:xfrm>
-                <a:off x="5363308" y="3235567"/>
-                <a:ext cx="2303584" cy="0"/>
-              </a:xfrm>
-              <a:prstGeom prst="straightConnector1">
-                <a:avLst/>
-              </a:prstGeom>
-              <a:ln>
-                <a:tailEnd type="triangle"/>
-              </a:ln>
-            </p:spPr>
-            <p:style>
-              <a:lnRef idx="1">
-                <a:schemeClr val="dk1"/>
-              </a:lnRef>
-              <a:fillRef idx="0">
-                <a:schemeClr val="dk1"/>
-              </a:fillRef>
-              <a:effectRef idx="0">
-                <a:schemeClr val="dk1"/>
-              </a:effectRef>
-              <a:fontRef idx="minor">
-                <a:schemeClr val="tx1"/>
-              </a:fontRef>
-            </p:style>
-          </p:cxnSp>
-          <p:sp>
-            <p:nvSpPr>
-              <p:cNvPr id="15" name="文本框 14">
-                <a:extLst>
-                  <a:ext uri="{FF2B5EF4-FFF2-40B4-BE49-F238E27FC236}">
-                    <a16:creationId xmlns:a16="http://schemas.microsoft.com/office/drawing/2014/main" id="{CB2A46BA-20E6-47E5-864F-54E723B2E4D1}"/>
-                  </a:ext>
-                </a:extLst>
-              </p:cNvPr>
-              <p:cNvSpPr txBox="1"/>
-              <p:nvPr/>
-            </p:nvSpPr>
-            <p:spPr>
-              <a:xfrm>
-                <a:off x="7801709" y="3028890"/>
-                <a:ext cx="2845765" cy="400110"/>
-              </a:xfrm>
-              <a:prstGeom prst="rect">
-                <a:avLst/>
-              </a:prstGeom>
-              <a:noFill/>
-            </p:spPr>
-            <p:txBody>
-              <a:bodyPr wrap="square" rtlCol="0">
-                <a:spAutoFit/>
-              </a:bodyPr>
-              <a:lstStyle/>
-              <a:p>
-                <a:r>
-                  <a:rPr lang="en-US" altLang="zh-CN" sz="2000"/>
-                  <a:t>action/</a:t>
-                </a:r>
-                <a:r>
-                  <a:rPr lang="zh-CN" altLang="en-US" sz="2000"/>
-                  <a:t>对应的类文件</a:t>
-                </a:r>
-              </a:p>
-            </p:txBody>
-          </p:sp>
-          <p:cxnSp>
-            <p:nvCxnSpPr>
-              <p:cNvPr id="17" name="直接箭头连接符 16">
-                <a:extLst>
-                  <a:ext uri="{FF2B5EF4-FFF2-40B4-BE49-F238E27FC236}">
-                    <a16:creationId xmlns:a16="http://schemas.microsoft.com/office/drawing/2014/main" id="{14BB3B3D-AA0E-4CF8-96CF-36B209CAF9D6}"/>
-                  </a:ext>
-                </a:extLst>
-              </p:cNvPr>
-              <p:cNvCxnSpPr/>
-              <p:nvPr/>
-            </p:nvCxnSpPr>
-            <p:spPr>
-              <a:xfrm>
-                <a:off x="9223131" y="3596054"/>
-                <a:ext cx="0" cy="1134208"/>
-              </a:xfrm>
-              <a:prstGeom prst="straightConnector1">
-                <a:avLst/>
-              </a:prstGeom>
-              <a:ln>
-                <a:tailEnd type="triangle"/>
-              </a:ln>
-            </p:spPr>
-            <p:style>
-              <a:lnRef idx="1">
-                <a:schemeClr val="dk1"/>
-              </a:lnRef>
-              <a:fillRef idx="0">
-                <a:schemeClr val="dk1"/>
-              </a:fillRef>
-              <a:effectRef idx="0">
-                <a:schemeClr val="dk1"/>
-              </a:effectRef>
-              <a:fontRef idx="minor">
-                <a:schemeClr val="tx1"/>
-              </a:fontRef>
-            </p:style>
-          </p:cxnSp>
-          <p:sp>
-            <p:nvSpPr>
-              <p:cNvPr id="18" name="文本框 17">
-                <a:extLst>
-                  <a:ext uri="{FF2B5EF4-FFF2-40B4-BE49-F238E27FC236}">
-                    <a16:creationId xmlns:a16="http://schemas.microsoft.com/office/drawing/2014/main" id="{F10D4FAD-42F9-4344-BA56-87140C6C52D0}"/>
-                  </a:ext>
-                </a:extLst>
-              </p:cNvPr>
-              <p:cNvSpPr txBox="1"/>
-              <p:nvPr/>
-            </p:nvSpPr>
-            <p:spPr>
-              <a:xfrm>
-                <a:off x="7901355" y="4747844"/>
-                <a:ext cx="2845765" cy="400110"/>
-              </a:xfrm>
-              <a:prstGeom prst="rect">
-                <a:avLst/>
-              </a:prstGeom>
-              <a:noFill/>
-            </p:spPr>
-            <p:txBody>
-              <a:bodyPr wrap="square" rtlCol="0">
-                <a:spAutoFit/>
-              </a:bodyPr>
-              <a:lstStyle/>
-              <a:p>
-                <a:r>
-                  <a:rPr lang="en-US" altLang="zh-CN" sz="2000"/>
-                  <a:t>model/</a:t>
-                </a:r>
-                <a:r>
-                  <a:rPr lang="zh-CN" altLang="en-US" sz="2000"/>
-                  <a:t>目录的类文件</a:t>
-                </a:r>
-              </a:p>
-            </p:txBody>
-          </p:sp>
-          <p:sp>
-            <p:nvSpPr>
-              <p:cNvPr id="19" name="文本框 18">
-                <a:extLst>
-                  <a:ext uri="{FF2B5EF4-FFF2-40B4-BE49-F238E27FC236}">
-                    <a16:creationId xmlns:a16="http://schemas.microsoft.com/office/drawing/2014/main" id="{42A052FD-1161-4FBA-88F5-FF43388BB10D}"/>
-                  </a:ext>
-                </a:extLst>
-              </p:cNvPr>
-              <p:cNvSpPr txBox="1"/>
-              <p:nvPr/>
-            </p:nvSpPr>
-            <p:spPr>
-              <a:xfrm>
-                <a:off x="9363812" y="3745453"/>
-                <a:ext cx="1875685" cy="646331"/>
-              </a:xfrm>
-              <a:prstGeom prst="rect">
-                <a:avLst/>
-              </a:prstGeom>
-              <a:noFill/>
-            </p:spPr>
-            <p:txBody>
-              <a:bodyPr wrap="square" rtlCol="0">
-                <a:spAutoFit/>
-              </a:bodyPr>
-              <a:lstStyle/>
-              <a:p>
-                <a:r>
-                  <a:rPr lang="zh-CN" altLang="en-US"/>
-                  <a:t>调用</a:t>
-                </a:r>
-                <a:r>
-                  <a:rPr lang="en-US" altLang="zh-CN"/>
-                  <a:t>model</a:t>
-                </a:r>
-                <a:r>
-                  <a:rPr lang="zh-CN" altLang="en-US"/>
-                  <a:t>层接口操作数据库</a:t>
-                </a:r>
-              </a:p>
-            </p:txBody>
-          </p:sp>
-          <p:cxnSp>
-            <p:nvCxnSpPr>
-              <p:cNvPr id="21" name="直接连接符 20">
-                <a:extLst>
-                  <a:ext uri="{FF2B5EF4-FFF2-40B4-BE49-F238E27FC236}">
-                    <a16:creationId xmlns:a16="http://schemas.microsoft.com/office/drawing/2014/main" id="{D402C31A-8153-46DC-BD1F-DF3D9AC37D7C}"/>
-                  </a:ext>
-                </a:extLst>
-              </p:cNvPr>
-              <p:cNvCxnSpPr/>
-              <p:nvPr/>
-            </p:nvCxnSpPr>
-            <p:spPr>
-              <a:xfrm>
-                <a:off x="5064369" y="2434061"/>
-                <a:ext cx="0" cy="2568762"/>
-              </a:xfrm>
-              <a:prstGeom prst="line">
-                <a:avLst/>
-              </a:prstGeom>
-              <a:ln>
-                <a:prstDash val="dashDot"/>
-              </a:ln>
-            </p:spPr>
-            <p:style>
-              <a:lnRef idx="1">
-                <a:schemeClr val="dk1"/>
-              </a:lnRef>
-              <a:fillRef idx="0">
-                <a:schemeClr val="dk1"/>
-              </a:fillRef>
-              <a:effectRef idx="0">
-                <a:schemeClr val="dk1"/>
-              </a:effectRef>
-              <a:fontRef idx="minor">
-                <a:schemeClr val="tx1"/>
-              </a:fontRef>
-            </p:style>
-          </p:cxnSp>
-          <p:cxnSp>
-            <p:nvCxnSpPr>
-              <p:cNvPr id="23" name="直接箭头连接符 22">
-                <a:extLst>
-                  <a:ext uri="{FF2B5EF4-FFF2-40B4-BE49-F238E27FC236}">
-                    <a16:creationId xmlns:a16="http://schemas.microsoft.com/office/drawing/2014/main" id="{8073077A-B5D8-487E-9CB1-D72ED72490BA}"/>
-                  </a:ext>
-                </a:extLst>
-              </p:cNvPr>
-              <p:cNvCxnSpPr/>
-              <p:nvPr/>
-            </p:nvCxnSpPr>
-            <p:spPr>
-              <a:xfrm>
-                <a:off x="5064369" y="5002823"/>
-                <a:ext cx="2737340" cy="0"/>
-              </a:xfrm>
-              <a:prstGeom prst="straightConnector1">
-                <a:avLst/>
-              </a:prstGeom>
-              <a:ln>
-                <a:prstDash val="dashDot"/>
-                <a:tailEnd type="triangle"/>
-              </a:ln>
-            </p:spPr>
-            <p:style>
-              <a:lnRef idx="1">
-                <a:schemeClr val="dk1"/>
-              </a:lnRef>
-              <a:fillRef idx="0">
-                <a:schemeClr val="dk1"/>
-              </a:fillRef>
-              <a:effectRef idx="0">
-                <a:schemeClr val="dk1"/>
-              </a:effectRef>
-              <a:fontRef idx="minor">
-                <a:schemeClr val="tx1"/>
-              </a:fontRef>
-            </p:style>
-          </p:cxnSp>
-          <p:sp>
-            <p:nvSpPr>
-              <p:cNvPr id="24" name="文本框 23">
-                <a:extLst>
-                  <a:ext uri="{FF2B5EF4-FFF2-40B4-BE49-F238E27FC236}">
-                    <a16:creationId xmlns:a16="http://schemas.microsoft.com/office/drawing/2014/main" id="{9D92C539-20A3-4095-860B-6461DCA3DBA7}"/>
-                  </a:ext>
-                </a:extLst>
-              </p:cNvPr>
-              <p:cNvSpPr txBox="1"/>
-              <p:nvPr/>
-            </p:nvSpPr>
-            <p:spPr>
-              <a:xfrm>
-                <a:off x="1975346" y="3420208"/>
-                <a:ext cx="2989380" cy="923330"/>
-              </a:xfrm>
-              <a:prstGeom prst="rect">
-                <a:avLst/>
-              </a:prstGeom>
-              <a:noFill/>
-            </p:spPr>
-            <p:txBody>
-              <a:bodyPr wrap="square" rtlCol="0">
-                <a:spAutoFit/>
-              </a:bodyPr>
-              <a:lstStyle/>
-              <a:p>
-                <a:r>
-                  <a:rPr lang="en-US" altLang="zh-CN"/>
-                  <a:t>start.php</a:t>
-                </a:r>
-                <a:r>
-                  <a:rPr lang="zh-CN" altLang="en-US"/>
-                  <a:t>在需要权限验证的接口也会直接使用</a:t>
-                </a:r>
-                <a:r>
-                  <a:rPr lang="en-US" altLang="zh-CN"/>
-                  <a:t>model</a:t>
-                </a:r>
-                <a:r>
-                  <a:rPr lang="zh-CN" altLang="en-US"/>
-                  <a:t>的一些操作</a:t>
-                </a:r>
-              </a:p>
-            </p:txBody>
-          </p:sp>
-          <p:cxnSp>
-            <p:nvCxnSpPr>
-              <p:cNvPr id="29" name="直接箭头连接符 28">
-                <a:extLst>
-                  <a:ext uri="{FF2B5EF4-FFF2-40B4-BE49-F238E27FC236}">
-                    <a16:creationId xmlns:a16="http://schemas.microsoft.com/office/drawing/2014/main" id="{685C1D22-C1B1-4EC7-B740-8E3911AA46F4}"/>
-                  </a:ext>
-                </a:extLst>
-              </p:cNvPr>
-              <p:cNvCxnSpPr>
-                <a:cxnSpLocks/>
-              </p:cNvCxnSpPr>
-              <p:nvPr/>
-            </p:nvCxnSpPr>
-            <p:spPr>
-              <a:xfrm flipV="1">
-                <a:off x="1011126" y="2231071"/>
-                <a:ext cx="624254" cy="1"/>
-              </a:xfrm>
-              <a:prstGeom prst="straightConnector1">
-                <a:avLst/>
-              </a:prstGeom>
-              <a:ln>
-                <a:tailEnd type="triangle"/>
-              </a:ln>
-            </p:spPr>
-            <p:style>
-              <a:lnRef idx="1">
-                <a:schemeClr val="dk1"/>
-              </a:lnRef>
-              <a:fillRef idx="0">
-                <a:schemeClr val="dk1"/>
-              </a:fillRef>
-              <a:effectRef idx="0">
-                <a:schemeClr val="dk1"/>
-              </a:effectRef>
-              <a:fontRef idx="minor">
-                <a:schemeClr val="tx1"/>
-              </a:fontRef>
-            </p:style>
-          </p:cxnSp>
-          <p:cxnSp>
-            <p:nvCxnSpPr>
-              <p:cNvPr id="32" name="直接连接符 31">
-                <a:extLst>
-                  <a:ext uri="{FF2B5EF4-FFF2-40B4-BE49-F238E27FC236}">
-                    <a16:creationId xmlns:a16="http://schemas.microsoft.com/office/drawing/2014/main" id="{C4310034-4D24-4503-A6FF-5F1F1D2A1C35}"/>
-                  </a:ext>
-                </a:extLst>
-              </p:cNvPr>
-              <p:cNvCxnSpPr/>
-              <p:nvPr/>
-            </p:nvCxnSpPr>
-            <p:spPr>
-              <a:xfrm>
-                <a:off x="1011126" y="2231071"/>
-                <a:ext cx="0" cy="652806"/>
-              </a:xfrm>
-              <a:prstGeom prst="line">
-                <a:avLst/>
-              </a:prstGeom>
-            </p:spPr>
-            <p:style>
-              <a:lnRef idx="1">
-                <a:schemeClr val="dk1"/>
-              </a:lnRef>
-              <a:fillRef idx="0">
-                <a:schemeClr val="dk1"/>
-              </a:fillRef>
-              <a:effectRef idx="0">
-                <a:schemeClr val="dk1"/>
-              </a:effectRef>
-              <a:fontRef idx="minor">
-                <a:schemeClr val="tx1"/>
-              </a:fontRef>
-            </p:style>
-          </p:cxnSp>
-          <p:sp>
-            <p:nvSpPr>
-              <p:cNvPr id="33" name="文本框 32">
-                <a:extLst>
-                  <a:ext uri="{FF2B5EF4-FFF2-40B4-BE49-F238E27FC236}">
-                    <a16:creationId xmlns:a16="http://schemas.microsoft.com/office/drawing/2014/main" id="{16679BDB-C37F-4EC2-885F-6C8F3BD08B80}"/>
-                  </a:ext>
-                </a:extLst>
-              </p:cNvPr>
-              <p:cNvSpPr txBox="1"/>
-              <p:nvPr/>
-            </p:nvSpPr>
-            <p:spPr>
-              <a:xfrm>
-                <a:off x="844064" y="2853740"/>
-                <a:ext cx="1016974" cy="400110"/>
-              </a:xfrm>
-              <a:prstGeom prst="rect">
-                <a:avLst/>
-              </a:prstGeom>
-              <a:noFill/>
-            </p:spPr>
-            <p:txBody>
-              <a:bodyPr wrap="square" rtlCol="0">
-                <a:spAutoFit/>
-              </a:bodyPr>
-              <a:lstStyle/>
-              <a:p>
-                <a:r>
-                  <a:rPr lang="en-US" altLang="zh-CN" sz="2000">
-                    <a:solidFill>
-                      <a:srgbClr val="C00000"/>
-                    </a:solidFill>
-                  </a:rPr>
-                  <a:t>request</a:t>
-                </a:r>
-                <a:endParaRPr lang="zh-CN" altLang="en-US">
-                  <a:solidFill>
-                    <a:srgbClr val="C00000"/>
-                  </a:solidFill>
-                </a:endParaRPr>
-              </a:p>
-            </p:txBody>
-          </p:sp>
-          <p:cxnSp>
-            <p:nvCxnSpPr>
-              <p:cNvPr id="35" name="直接连接符 34">
-                <a:extLst>
-                  <a:ext uri="{FF2B5EF4-FFF2-40B4-BE49-F238E27FC236}">
-                    <a16:creationId xmlns:a16="http://schemas.microsoft.com/office/drawing/2014/main" id="{6878AC0E-1567-4BDF-99C2-1C0BDA162DE9}"/>
-                  </a:ext>
-                </a:extLst>
-              </p:cNvPr>
-              <p:cNvCxnSpPr>
-                <a:cxnSpLocks/>
-              </p:cNvCxnSpPr>
-              <p:nvPr/>
-            </p:nvCxnSpPr>
-            <p:spPr>
-              <a:xfrm flipV="1">
-                <a:off x="9020908" y="2190047"/>
-                <a:ext cx="0" cy="693831"/>
-              </a:xfrm>
-              <a:prstGeom prst="line">
-                <a:avLst/>
-              </a:prstGeom>
-              <a:ln>
-                <a:headEnd type="none" w="med" len="med"/>
-                <a:tailEnd type="triangle" w="med" len="med"/>
-              </a:ln>
-            </p:spPr>
-            <p:style>
-              <a:lnRef idx="1">
-                <a:schemeClr val="dk1"/>
-              </a:lnRef>
-              <a:fillRef idx="0">
-                <a:schemeClr val="dk1"/>
-              </a:fillRef>
-              <a:effectRef idx="0">
-                <a:schemeClr val="dk1"/>
-              </a:effectRef>
-              <a:fontRef idx="minor">
-                <a:schemeClr val="tx1"/>
-              </a:fontRef>
-            </p:style>
-          </p:cxnSp>
-          <p:sp>
-            <p:nvSpPr>
-              <p:cNvPr id="40" name="文本框 39">
-                <a:extLst>
-                  <a:ext uri="{FF2B5EF4-FFF2-40B4-BE49-F238E27FC236}">
-                    <a16:creationId xmlns:a16="http://schemas.microsoft.com/office/drawing/2014/main" id="{81F6E264-2AF9-4C7A-B896-C0D28B162921}"/>
-                  </a:ext>
-                </a:extLst>
-              </p:cNvPr>
-              <p:cNvSpPr txBox="1"/>
-              <p:nvPr/>
-            </p:nvSpPr>
-            <p:spPr>
-              <a:xfrm>
-                <a:off x="8466992" y="1793628"/>
-                <a:ext cx="1670536" cy="400110"/>
-              </a:xfrm>
-              <a:prstGeom prst="rect">
-                <a:avLst/>
-              </a:prstGeom>
-              <a:noFill/>
-            </p:spPr>
-            <p:txBody>
-              <a:bodyPr wrap="square" rtlCol="0">
-                <a:spAutoFit/>
-              </a:bodyPr>
-              <a:lstStyle/>
-              <a:p>
-                <a:r>
-                  <a:rPr lang="en-US" altLang="zh-CN" sz="2000">
-                    <a:solidFill>
-                      <a:srgbClr val="C00000"/>
-                    </a:solidFill>
-                  </a:rPr>
-                  <a:t>response</a:t>
-                </a:r>
-                <a:endParaRPr lang="zh-CN" altLang="en-US" sz="2000">
-                  <a:solidFill>
-                    <a:srgbClr val="C00000"/>
-                  </a:solidFill>
-                </a:endParaRPr>
-              </a:p>
-            </p:txBody>
-          </p:sp>
-          <p:sp>
-            <p:nvSpPr>
-              <p:cNvPr id="41" name="文本框 40">
-                <a:extLst>
-                  <a:ext uri="{FF2B5EF4-FFF2-40B4-BE49-F238E27FC236}">
-                    <a16:creationId xmlns:a16="http://schemas.microsoft.com/office/drawing/2014/main" id="{4FE1838B-3429-42E5-B425-EA7B3A2D791A}"/>
-                  </a:ext>
-                </a:extLst>
-              </p:cNvPr>
-              <p:cNvSpPr txBox="1"/>
-              <p:nvPr/>
-            </p:nvSpPr>
-            <p:spPr>
-              <a:xfrm>
-                <a:off x="9190904" y="2200943"/>
-                <a:ext cx="1875685" cy="646331"/>
-              </a:xfrm>
-              <a:prstGeom prst="rect">
-                <a:avLst/>
-              </a:prstGeom>
-              <a:noFill/>
-            </p:spPr>
-            <p:txBody>
-              <a:bodyPr wrap="square" rtlCol="0">
-                <a:spAutoFit/>
-              </a:bodyPr>
-              <a:lstStyle/>
-              <a:p>
-                <a:r>
-                  <a:rPr lang="zh-CN" altLang="en-US"/>
-                  <a:t>返回</a:t>
-                </a:r>
-                <a:r>
-                  <a:rPr lang="en-US" altLang="zh-CN"/>
-                  <a:t>JSON</a:t>
-                </a:r>
-                <a:r>
-                  <a:rPr lang="zh-CN" altLang="en-US"/>
-                  <a:t>格式数据</a:t>
-                </a:r>
-              </a:p>
-            </p:txBody>
-          </p:sp>
-        </p:grpSp>
-      </p:grpSp>
+      <p:sp>
+        <p:nvSpPr>
+          <p:cNvPr id="6" name="内容占位符 5">
+            <a:extLst>
+              <a:ext uri="{FF2B5EF4-FFF2-40B4-BE49-F238E27FC236}">
+                <a16:creationId xmlns:a16="http://schemas.microsoft.com/office/drawing/2014/main" id="{B83E9AD4-C606-4679-B884-01F71CC97E44}"/>
+              </a:ext>
+            </a:extLst>
+          </p:cNvPr>
+          <p:cNvSpPr>
+            <a:spLocks noGrp="1"/>
+          </p:cNvSpPr>
+          <p:nvPr>
+            <p:ph idx="1"/>
+          </p:nvPr>
+        </p:nvSpPr>
+        <p:spPr>
+          <a:xfrm>
+            <a:off x="838200" y="1656500"/>
+            <a:ext cx="10515600" cy="4850832"/>
+          </a:xfrm>
+        </p:spPr>
+        <p:txBody>
+          <a:bodyPr>
+            <a:normAutofit/>
+          </a:bodyPr>
+          <a:lstStyle/>
+          <a:p>
+            <a:r>
+              <a:rPr lang="en-US" altLang="zh-CN" sz="2400"/>
+              <a:t>API</a:t>
+            </a:r>
+            <a:r>
+              <a:rPr lang="zh-CN" altLang="en-US" sz="2400"/>
+              <a:t>路径信息与实际的类和方法的名称并不一致，也不需要完全一致。</a:t>
+            </a:r>
+            <a:endParaRPr lang="en-US" altLang="zh-CN" sz="2400"/>
+          </a:p>
+          <a:p>
+            <a:endParaRPr lang="en-US" altLang="zh-CN" sz="2400"/>
+          </a:p>
+          <a:p>
+            <a:r>
+              <a:rPr lang="zh-CN" altLang="en-US" sz="2400"/>
+              <a:t>通过回调函数绑定路由的机制，可以实现</a:t>
+            </a:r>
+            <a:r>
+              <a:rPr lang="en-US" altLang="zh-CN" sz="2400"/>
+              <a:t>API</a:t>
+            </a:r>
+            <a:r>
+              <a:rPr lang="zh-CN" altLang="en-US" sz="2400"/>
+              <a:t>和实际文件名称和方法名称的解耦和。</a:t>
+            </a:r>
+            <a:endParaRPr lang="en-US" altLang="zh-CN" sz="2400"/>
+          </a:p>
+          <a:p>
+            <a:endParaRPr lang="en-US" altLang="zh-CN" sz="2400"/>
+          </a:p>
+          <a:p>
+            <a:endParaRPr lang="en-US" altLang="zh-CN" sz="2400"/>
+          </a:p>
+        </p:txBody>
+      </p:sp>
     </p:spTree>
     <p:extLst>
       <p:ext uri="{BB962C8B-B14F-4D97-AF65-F5344CB8AC3E}">
-        <p14:creationId xmlns:p14="http://schemas.microsoft.com/office/powerpoint/2010/main" val="3138294811"/>
+        <p14:creationId xmlns:p14="http://schemas.microsoft.com/office/powerpoint/2010/main" val="2863526901"/>
       </p:ext>
     </p:extLst>
   </p:cSld>
@@ -6367,119 +5583,79 @@
           </a:xfrm>
         </p:spPr>
         <p:txBody>
-          <a:bodyPr/>
-          <a:lstStyle/>
-          <a:p>
-            <a:r>
-              <a:rPr lang="zh-CN" altLang="en-US"/>
-              <a:t>调用链</a:t>
-            </a:r>
-            <a:endParaRPr lang="zh-CN" altLang="en-US" dirty="0"/>
-          </a:p>
-        </p:txBody>
-      </p:sp>
-      <p:sp>
-        <p:nvSpPr>
-          <p:cNvPr id="6" name="内容占位符 5">
-            <a:extLst>
-              <a:ext uri="{FF2B5EF4-FFF2-40B4-BE49-F238E27FC236}">
-                <a16:creationId xmlns:a16="http://schemas.microsoft.com/office/drawing/2014/main" id="{B83E9AD4-C606-4679-B884-01F71CC97E44}"/>
-              </a:ext>
-            </a:extLst>
-          </p:cNvPr>
-          <p:cNvSpPr>
-            <a:spLocks noGrp="1"/>
-          </p:cNvSpPr>
-          <p:nvPr>
-            <p:ph idx="1"/>
-          </p:nvPr>
-        </p:nvSpPr>
-        <p:spPr>
-          <a:xfrm>
-            <a:off x="838200" y="1656500"/>
-            <a:ext cx="10515600" cy="4850832"/>
-          </a:xfrm>
-        </p:spPr>
-        <p:txBody>
           <a:bodyPr>
             <a:normAutofit/>
           </a:bodyPr>
           <a:lstStyle/>
           <a:p>
             <a:r>
-              <a:rPr lang="zh-CN" altLang="en-US" sz="2400"/>
-              <a:t>实际入口文件是</a:t>
-            </a:r>
+              <a:rPr lang="en-US" altLang="zh-CN"/>
+              <a:t>API</a:t>
+            </a:r>
+            <a:endParaRPr lang="zh-CN" altLang="en-US" dirty="0"/>
+          </a:p>
+        </p:txBody>
+      </p:sp>
+      <p:sp>
+        <p:nvSpPr>
+          <p:cNvPr id="6" name="内容占位符 5">
+            <a:extLst>
+              <a:ext uri="{FF2B5EF4-FFF2-40B4-BE49-F238E27FC236}">
+                <a16:creationId xmlns:a16="http://schemas.microsoft.com/office/drawing/2014/main" id="{B83E9AD4-C606-4679-B884-01F71CC97E44}"/>
+              </a:ext>
+            </a:extLst>
+          </p:cNvPr>
+          <p:cNvSpPr>
+            <a:spLocks noGrp="1"/>
+          </p:cNvSpPr>
+          <p:nvPr>
+            <p:ph idx="1"/>
+          </p:nvPr>
+        </p:nvSpPr>
+        <p:spPr>
+          <a:xfrm>
+            <a:off x="838200" y="1656500"/>
+            <a:ext cx="10515600" cy="4850832"/>
+          </a:xfrm>
+        </p:spPr>
+        <p:txBody>
+          <a:bodyPr>
+            <a:normAutofit/>
+          </a:bodyPr>
+          <a:lstStyle/>
+          <a:p>
+            <a:pPr marL="0" indent="0">
+              <a:buNone/>
+            </a:pPr>
             <a:r>
               <a:rPr lang="en-US" altLang="zh-CN" sz="2400"/>
-              <a:t>public/index.php</a:t>
-            </a:r>
-            <a:r>
-              <a:rPr lang="zh-CN" altLang="en-US" sz="2400"/>
-              <a:t>，此文件会引入</a:t>
-            </a:r>
-            <a:r>
-              <a:rPr lang="en-US" altLang="zh-CN" sz="2400"/>
-              <a:t>start.php</a:t>
-            </a:r>
-            <a:r>
-              <a:rPr lang="zh-CN" altLang="en-US" sz="2400"/>
-              <a:t>，</a:t>
-            </a:r>
-            <a:r>
-              <a:rPr lang="en-US" altLang="zh-CN" sz="2400"/>
-              <a:t>start.php</a:t>
-            </a:r>
-            <a:r>
-              <a:rPr lang="zh-CN" altLang="en-US" sz="2400"/>
-              <a:t>文件中定义了接口和对应的回调函数。</a:t>
-            </a:r>
-            <a:endParaRPr lang="en-US" altLang="zh-CN" sz="2400"/>
-          </a:p>
-          <a:p>
-            <a:endParaRPr lang="en-US" altLang="zh-CN" sz="2400"/>
-          </a:p>
-          <a:p>
-            <a:r>
-              <a:rPr lang="zh-CN" altLang="en-US" sz="2400"/>
-              <a:t>在回调函数中初始化了</a:t>
-            </a:r>
-            <a:r>
-              <a:rPr lang="en-US" altLang="zh-CN" sz="2400"/>
-              <a:t>action</a:t>
-            </a:r>
-            <a:r>
-              <a:rPr lang="zh-CN" altLang="en-US" sz="2400"/>
-              <a:t>的类文件并执行相应的操作。回调函数是一个注册机制，实际是</a:t>
-            </a:r>
-            <a:r>
-              <a:rPr lang="en-US" altLang="zh-CN" sz="2400"/>
-              <a:t>new \Slim\App</a:t>
-            </a:r>
-            <a:r>
-              <a:rPr lang="zh-CN" altLang="en-US" sz="2400"/>
-              <a:t>中的</a:t>
-            </a:r>
-            <a:r>
-              <a:rPr lang="en-US" altLang="zh-CN" sz="2400"/>
-              <a:t>run</a:t>
-            </a:r>
-            <a:r>
-              <a:rPr lang="zh-CN" altLang="en-US" sz="2400"/>
-              <a:t>方法执行，</a:t>
-            </a:r>
-            <a:r>
-              <a:rPr lang="en-US" altLang="zh-CN" sz="2400"/>
-              <a:t>run</a:t>
-            </a:r>
-            <a:r>
-              <a:rPr lang="zh-CN" altLang="en-US" sz="2400"/>
-              <a:t>方法会根据请求执行相应的回调函数并返回结果。</a:t>
-            </a:r>
-            <a:endParaRPr lang="en-US" altLang="zh-CN" sz="2400"/>
-          </a:p>
-          <a:p>
-            <a:pPr marL="0" indent="0">
+              <a:t>/admin/addcontent : </a:t>
+            </a:r>
+          </a:p>
+          <a:p>
+            <a:pPr marL="457200" lvl="1" indent="0">
+              <a:buNone/>
+            </a:pPr>
+            <a:r>
+              <a:rPr lang="en-US" altLang="zh-CN" sz="2000"/>
+              <a:t>POST</a:t>
+            </a:r>
+            <a:r>
+              <a:rPr lang="zh-CN" altLang="en-US" sz="2000"/>
+              <a:t>提交</a:t>
+            </a:r>
+            <a:r>
+              <a:rPr lang="en-US" altLang="zh-CN" sz="2000"/>
+              <a:t>JSON</a:t>
+            </a:r>
+            <a:r>
+              <a:rPr lang="zh-CN" altLang="en-US" sz="2000"/>
+              <a:t>格式字符串</a:t>
+            </a:r>
+            <a:endParaRPr lang="en-US" altLang="zh-CN" sz="2000"/>
+          </a:p>
+          <a:p>
+            <a:pPr marL="457200" lvl="1" indent="0">
               <a:buNone/>
             </a:pPr>
             <a:endParaRPr lang="en-US" altLang="zh-CN" sz="2000"/>
@@ -6488,29 +5664,384 @@
             <a:pPr marL="0" indent="0">
               <a:buNone/>
             </a:pPr>
-            <a:endParaRPr lang="en-US" altLang="zh-CN" sz="2000"/>
-          </a:p>
-          <a:p>
-            <a:pPr marL="0" indent="0">
+            <a:r>
+              <a:rPr lang="en-US" altLang="zh-CN" sz="2400"/>
+              <a:t>/admin/delcontent :</a:t>
+            </a:r>
+          </a:p>
+          <a:p>
+            <a:pPr marL="457200" lvl="1" indent="0">
+              <a:buNone/>
+            </a:pPr>
+            <a:r>
+              <a:rPr lang="en-US" altLang="zh-CN" sz="2000"/>
+              <a:t>POST</a:t>
+            </a:r>
+            <a:r>
+              <a:rPr lang="zh-CN" altLang="en-US" sz="2000"/>
+              <a:t>提交</a:t>
+            </a:r>
+            <a:r>
+              <a:rPr lang="en-US" altLang="zh-CN" sz="2000"/>
+              <a:t>content_id</a:t>
+            </a:r>
+          </a:p>
+          <a:p>
+            <a:pPr marL="457200" lvl="1" indent="0">
               <a:buNone/>
             </a:pPr>
             <a:endParaRPr lang="en-US" altLang="zh-CN" sz="2000"/>
           </a:p>
           <a:p>
+            <a:pPr marL="0" indent="0">
+              <a:buNone/>
+            </a:pPr>
+            <a:r>
+              <a:rPr lang="en-US" altLang="zh-CN" sz="2400"/>
+              <a:t>/admin/updatecontent :</a:t>
+            </a:r>
+          </a:p>
+          <a:p>
+            <a:pPr marL="457200" lvl="1" indent="0">
+              <a:buNone/>
+            </a:pPr>
+            <a:r>
+              <a:rPr lang="en-US" altLang="zh-CN" sz="2000"/>
+              <a:t>POST</a:t>
+            </a:r>
+            <a:r>
+              <a:rPr lang="zh-CN" altLang="en-US" sz="2000"/>
+              <a:t>提交</a:t>
+            </a:r>
+            <a:r>
+              <a:rPr lang="en-US" altLang="zh-CN" sz="2000"/>
+              <a:t>JSON</a:t>
+            </a:r>
+            <a:r>
+              <a:rPr lang="zh-CN" altLang="en-US" sz="2000"/>
+              <a:t>字符串</a:t>
+            </a:r>
             <a:endParaRPr lang="en-US" altLang="zh-CN" sz="2000"/>
           </a:p>
           <a:p>
-            <a:endParaRPr lang="en-US" altLang="zh-CN" sz="2000" dirty="0"/>
-          </a:p>
-          <a:p>
-            <a:endParaRPr lang="en-US" altLang="zh-CN" sz="2000" dirty="0"/>
+            <a:pPr marL="457200" lvl="1" indent="0">
+              <a:buNone/>
+            </a:pPr>
+            <a:endParaRPr lang="en-US" altLang="zh-CN" sz="2000"/>
+          </a:p>
+          <a:p>
+            <a:pPr marL="0" indent="0">
+              <a:buNone/>
+            </a:pPr>
+            <a:r>
+              <a:rPr lang="en-US" altLang="zh-CN" sz="2400"/>
+              <a:t>/admin/contentlist :</a:t>
+            </a:r>
+          </a:p>
+          <a:p>
+            <a:pPr marL="457200" lvl="1" indent="0">
+              <a:buNone/>
+            </a:pPr>
+            <a:r>
+              <a:rPr lang="en-US" altLang="zh-CN" sz="2000"/>
+              <a:t>GET</a:t>
+            </a:r>
+            <a:r>
+              <a:rPr lang="zh-CN" altLang="en-US" sz="2000"/>
+              <a:t>提交</a:t>
+            </a:r>
+            <a:r>
+              <a:rPr lang="en-US" altLang="zh-CN" sz="2000"/>
+              <a:t>page</a:t>
+            </a:r>
+            <a:r>
+              <a:rPr lang="zh-CN" altLang="en-US" sz="2000"/>
+              <a:t>，</a:t>
+            </a:r>
+            <a:r>
+              <a:rPr lang="en-US" altLang="zh-CN" sz="2000"/>
+              <a:t>kwd</a:t>
+            </a:r>
+            <a:r>
+              <a:rPr lang="zh-CN" altLang="en-US" sz="2000"/>
+              <a:t>，</a:t>
+            </a:r>
+            <a:r>
+              <a:rPr lang="en-US" altLang="zh-CN" sz="2000"/>
+              <a:t>tag</a:t>
+            </a:r>
+            <a:r>
+              <a:rPr lang="zh-CN" altLang="en-US" sz="2000"/>
+              <a:t>等参数</a:t>
+            </a:r>
+            <a:endParaRPr lang="en-US" altLang="zh-CN" sz="2000"/>
           </a:p>
         </p:txBody>
       </p:sp>
     </p:spTree>
     <p:extLst>
       <p:ext uri="{BB962C8B-B14F-4D97-AF65-F5344CB8AC3E}">
-        <p14:creationId xmlns:p14="http://schemas.microsoft.com/office/powerpoint/2010/main" val="2748455849"/>
+        <p14:creationId xmlns:p14="http://schemas.microsoft.com/office/powerpoint/2010/main" val="608307490"/>
+      </p:ext>
+    </p:extLst>
+  </p:cSld>
+  <p:clrMapOvr>
+    <a:masterClrMapping/>
+  </p:clrMapOvr>
+</p:sld>
+</file>
+
+<file path=ppt/slides/slide8.xml><?xml version="1.0" encoding="utf-8"?>
+<p:sld xmlns:a="http://schemas.openxmlformats.org/drawingml/2006/main" xmlns:r="http://schemas.openxmlformats.org/officeDocument/2006/relationships" xmlns:p="http://schemas.openxmlformats.org/presentationml/2006/main">
+  <p:cSld>
+    <p:spTree>
+      <p:nvGrpSpPr>
+        <p:cNvPr id="1" name=""/>
+        <p:cNvGrpSpPr/>
+        <p:nvPr/>
+      </p:nvGrpSpPr>
+      <p:grpSpPr>
+        <a:xfrm>
+          <a:off x="0" y="0"/>
+          <a:ext cx="0" cy="0"/>
+          <a:chOff x="0" y="0"/>
+          <a:chExt cx="0" cy="0"/>
+        </a:xfrm>
+      </p:grpSpPr>
+      <p:sp>
+        <p:nvSpPr>
+          <p:cNvPr id="4" name="标题 3">
+            <a:extLst>
+              <a:ext uri="{FF2B5EF4-FFF2-40B4-BE49-F238E27FC236}">
+                <a16:creationId xmlns:a16="http://schemas.microsoft.com/office/drawing/2014/main" id="{2729939D-814A-4BD2-9922-3F8EA865938B}"/>
+              </a:ext>
+            </a:extLst>
+          </p:cNvPr>
+          <p:cNvSpPr>
+            <a:spLocks noGrp="1"/>
+          </p:cNvSpPr>
+          <p:nvPr>
+            <p:ph type="title"/>
+          </p:nvPr>
+        </p:nvSpPr>
+        <p:spPr>
+          <a:xfrm>
+            <a:off x="838200" y="683581"/>
+            <a:ext cx="10515600" cy="736846"/>
+          </a:xfrm>
+        </p:spPr>
+        <p:txBody>
+          <a:bodyPr>
+            <a:normAutofit/>
+          </a:bodyPr>
+          <a:lstStyle/>
+          <a:p>
+            <a:r>
+              <a:rPr lang="zh-CN" altLang="en-US"/>
+              <a:t>内容与标签</a:t>
+            </a:r>
+            <a:endParaRPr lang="zh-CN" altLang="en-US" dirty="0"/>
+          </a:p>
+        </p:txBody>
+      </p:sp>
+      <p:sp>
+        <p:nvSpPr>
+          <p:cNvPr id="6" name="内容占位符 5">
+            <a:extLst>
+              <a:ext uri="{FF2B5EF4-FFF2-40B4-BE49-F238E27FC236}">
+                <a16:creationId xmlns:a16="http://schemas.microsoft.com/office/drawing/2014/main" id="{B83E9AD4-C606-4679-B884-01F71CC97E44}"/>
+              </a:ext>
+            </a:extLst>
+          </p:cNvPr>
+          <p:cNvSpPr>
+            <a:spLocks noGrp="1"/>
+          </p:cNvSpPr>
+          <p:nvPr>
+            <p:ph idx="1"/>
+          </p:nvPr>
+        </p:nvSpPr>
+        <p:spPr>
+          <a:xfrm>
+            <a:off x="838200" y="1656500"/>
+            <a:ext cx="10515600" cy="4850832"/>
+          </a:xfrm>
+        </p:spPr>
+        <p:txBody>
+          <a:bodyPr>
+            <a:normAutofit/>
+          </a:bodyPr>
+          <a:lstStyle/>
+          <a:p>
+            <a:r>
+              <a:rPr lang="zh-CN" altLang="en-US" sz="2400">
+                <a:latin typeface="Roboto Mono Light" pitchFamily="2" charset="0"/>
+              </a:rPr>
+              <a:t>可以给内容打标签，可以有多个标签。可以给内容去掉标签。</a:t>
+            </a:r>
+            <a:endParaRPr lang="en-US" altLang="zh-CN" sz="2400">
+              <a:latin typeface="Roboto Mono Light" pitchFamily="2" charset="0"/>
+            </a:endParaRPr>
+          </a:p>
+          <a:p>
+            <a:endParaRPr lang="en-US" altLang="zh-CN" sz="2400">
+              <a:latin typeface="Roboto Mono Light" pitchFamily="2" charset="0"/>
+            </a:endParaRPr>
+          </a:p>
+          <a:p>
+            <a:r>
+              <a:rPr lang="zh-CN" altLang="en-US" sz="2400">
+                <a:latin typeface="Roboto Mono Light" pitchFamily="2" charset="0"/>
+              </a:rPr>
+              <a:t>删除标签：此操作要求删除标签后还要更新贴上此标签的内容，去掉此标签。</a:t>
+            </a:r>
+            <a:endParaRPr lang="en-US" altLang="zh-CN" sz="2400">
+              <a:latin typeface="Roboto Mono Light" pitchFamily="2" charset="0"/>
+            </a:endParaRPr>
+          </a:p>
+          <a:p>
+            <a:endParaRPr lang="en-US" altLang="zh-CN" sz="2400">
+              <a:latin typeface="Roboto Mono Light" pitchFamily="2" charset="0"/>
+            </a:endParaRPr>
+          </a:p>
+          <a:p>
+            <a:r>
+              <a:rPr lang="zh-CN" altLang="en-US" sz="2400">
+                <a:latin typeface="Roboto Mono Light" pitchFamily="2" charset="0"/>
+              </a:rPr>
+              <a:t>困难之处在于：如何设计一个能高效打标签并且可以高效去标签的方案。而对于内容的批量更新，</a:t>
+            </a:r>
+            <a:r>
+              <a:rPr lang="en-US" altLang="zh-CN" sz="2400">
+                <a:latin typeface="Roboto Mono Light" pitchFamily="2" charset="0"/>
+              </a:rPr>
+              <a:t>MySQL</a:t>
+            </a:r>
+            <a:r>
+              <a:rPr lang="zh-CN" altLang="en-US" sz="2400">
+                <a:latin typeface="Roboto Mono Light" pitchFamily="2" charset="0"/>
+              </a:rPr>
+              <a:t>允许使用</a:t>
+            </a:r>
+            <a:r>
+              <a:rPr lang="en-US" altLang="zh-CN" sz="2400">
+                <a:latin typeface="Roboto Mono Light" pitchFamily="2" charset="0"/>
+              </a:rPr>
+              <a:t>case when  then</a:t>
+            </a:r>
+            <a:r>
+              <a:rPr lang="zh-CN" altLang="en-US" sz="2400">
+                <a:latin typeface="Roboto Mono Light" pitchFamily="2" charset="0"/>
+              </a:rPr>
+              <a:t>关键字来操作。</a:t>
+            </a:r>
+            <a:endParaRPr lang="en-US" altLang="zh-CN" sz="2400">
+              <a:latin typeface="Roboto Mono Light" pitchFamily="2" charset="0"/>
+            </a:endParaRPr>
+          </a:p>
+          <a:p>
+            <a:endParaRPr lang="en-US" altLang="zh-CN" sz="2400">
+              <a:latin typeface="Roboto Mono Light" pitchFamily="2" charset="0"/>
+            </a:endParaRPr>
+          </a:p>
+          <a:p>
+            <a:r>
+              <a:rPr lang="zh-CN" altLang="en-US" sz="2400">
+                <a:latin typeface="Roboto Mono Light" pitchFamily="2" charset="0"/>
+              </a:rPr>
+              <a:t>解决方案：打标签是</a:t>
+            </a:r>
+            <a:r>
+              <a:rPr lang="en-US" altLang="zh-CN" sz="2400">
+                <a:latin typeface="Roboto Mono Light" pitchFamily="2" charset="0"/>
+              </a:rPr>
+              <a:t>tag_id+’,’</a:t>
+            </a:r>
+            <a:r>
+              <a:rPr lang="zh-CN" altLang="en-US" sz="2400">
+                <a:latin typeface="Roboto Mono Light" pitchFamily="2" charset="0"/>
+              </a:rPr>
+              <a:t>的形式，比如’</a:t>
+            </a:r>
+            <a:r>
+              <a:rPr lang="en-US" altLang="zh-CN" sz="2400">
+                <a:latin typeface="Roboto Mono Light" pitchFamily="2" charset="0"/>
+              </a:rPr>
+              <a:t>12,23,</a:t>
+            </a:r>
+            <a:r>
+              <a:rPr lang="zh-CN" altLang="en-US" sz="2400">
+                <a:latin typeface="Roboto Mono Light" pitchFamily="2" charset="0"/>
+              </a:rPr>
+              <a:t>’；而去标签就是使用</a:t>
+            </a:r>
+            <a:r>
+              <a:rPr lang="en-US" altLang="zh-CN" sz="2400">
+                <a:latin typeface="Roboto Mono Light" pitchFamily="2" charset="0"/>
+              </a:rPr>
+              <a:t>str_replace</a:t>
+            </a:r>
+            <a:r>
+              <a:rPr lang="zh-CN" altLang="en-US" sz="2400">
+                <a:latin typeface="Roboto Mono Light" pitchFamily="2" charset="0"/>
+              </a:rPr>
+              <a:t>替换‘</a:t>
+            </a:r>
+            <a:r>
+              <a:rPr lang="en-US" altLang="zh-CN" sz="2400">
+                <a:latin typeface="Roboto Mono Light" pitchFamily="2" charset="0"/>
+              </a:rPr>
+              <a:t>tag_id,</a:t>
+            </a:r>
+            <a:r>
+              <a:rPr lang="zh-CN" altLang="en-US" sz="2400">
+                <a:latin typeface="Roboto Mono Light" pitchFamily="2" charset="0"/>
+              </a:rPr>
+              <a:t>’内容为空。通过</a:t>
+            </a:r>
+            <a:r>
+              <a:rPr lang="en-US" altLang="zh-CN" sz="2400">
+                <a:latin typeface="Roboto Mono Light" pitchFamily="2" charset="0"/>
+              </a:rPr>
+              <a:t>MySQL</a:t>
+            </a:r>
+            <a:r>
+              <a:rPr lang="zh-CN" altLang="en-US" sz="2400">
+                <a:latin typeface="Roboto Mono Light" pitchFamily="2" charset="0"/>
+              </a:rPr>
+              <a:t>的</a:t>
+            </a:r>
+            <a:r>
+              <a:rPr lang="en-US" altLang="zh-CN" sz="2400">
+                <a:latin typeface="Roboto Mono Light" pitchFamily="2" charset="0"/>
+              </a:rPr>
+              <a:t>case when then</a:t>
+            </a:r>
+            <a:r>
+              <a:rPr lang="zh-CN" altLang="en-US" sz="2400">
+                <a:latin typeface="Roboto Mono Light" pitchFamily="2" charset="0"/>
+              </a:rPr>
+              <a:t>实现内容标签的批量更新。</a:t>
+            </a:r>
+            <a:endParaRPr lang="en-US" altLang="zh-CN" sz="2400">
+              <a:latin typeface="Roboto Mono Light" pitchFamily="2" charset="0"/>
+            </a:endParaRPr>
+          </a:p>
+          <a:p>
+            <a:endParaRPr lang="en-US" altLang="zh-CN" sz="2400">
+              <a:latin typeface="Roboto Mono Light" pitchFamily="2" charset="0"/>
+            </a:endParaRPr>
+          </a:p>
+          <a:p>
+            <a:endParaRPr lang="en-US" altLang="zh-CN" sz="2400">
+              <a:latin typeface="Roboto Mono Light" pitchFamily="2" charset="0"/>
+            </a:endParaRPr>
+          </a:p>
+        </p:txBody>
+      </p:sp>
+    </p:spTree>
+    <p:extLst>
+      <p:ext uri="{BB962C8B-B14F-4D97-AF65-F5344CB8AC3E}">
+        <p14:creationId xmlns:p14="http://schemas.microsoft.com/office/powerpoint/2010/main" val="851765218"/>
       </p:ext>
     </p:extLst>
   </p:cSld>
